--- a/Fluentd meetup 2019.pptx
+++ b/Fluentd meetup 2019.pptx
@@ -2104,21 +2104,21 @@
           <a:lstStyle/>
           <a:p>
             <a:r>
-              <a:rPr lang="en-US" altLang="ja-JP">
+              <a:rPr lang="en-US" altLang="ja-JP" dirty="0">
                 <a:latin typeface="Calibri"/>
                 <a:ea typeface="游ゴシック"/>
                 <a:cs typeface="Calibri"/>
               </a:rPr>
               <a:t>So, we reached ANSI code page issues solution.</a:t>
             </a:r>
-            <a:endParaRPr lang="en-US" altLang="ja-JP">
+            <a:endParaRPr lang="en-US" altLang="ja-JP" dirty="0">
               <a:latin typeface="Calibri"/>
               <a:ea typeface="游ゴシック" panose="020B0400000000000000" pitchFamily="34" charset="-128"/>
               <a:cs typeface="Calibri"/>
             </a:endParaRPr>
           </a:p>
           <a:p>
-            <a:endParaRPr lang="en-US" altLang="ja-JP">
+            <a:endParaRPr lang="en-US" altLang="ja-JP" dirty="0">
               <a:latin typeface="Calibri"/>
               <a:ea typeface="游ゴシック"/>
               <a:cs typeface="Calibri"/>
@@ -2126,33 +2126,49 @@
           </a:p>
           <a:p>
             <a:r>
-              <a:rPr lang="en-US" altLang="ja-JP">
+              <a:rPr lang="en-US" altLang="ja-JP" dirty="0">
                 <a:latin typeface="Calibri"/>
                 <a:ea typeface="游ゴシック"/>
                 <a:cs typeface="Calibri"/>
               </a:rPr>
-              <a:t>We decide to develop the brand-new gem which is named winevt_c.</a:t>
-            </a:r>
-          </a:p>
-          <a:p>
-            <a:r>
-              <a:rPr lang="en-US" altLang="ja-JP">
+              <a:t>We decide to develop the brand-new gem which is named </a:t>
+            </a:r>
+            <a:r>
+              <a:rPr lang="en-US" altLang="ja-JP" dirty="0" err="1">
                 <a:latin typeface="Calibri"/>
                 <a:ea typeface="游ゴシック"/>
                 <a:cs typeface="Calibri"/>
               </a:rPr>
+              <a:t>winevt_c</a:t>
+            </a:r>
+            <a:r>
+              <a:rPr lang="en-US" altLang="ja-JP" dirty="0">
+                <a:latin typeface="Calibri"/>
+                <a:ea typeface="游ゴシック"/>
+                <a:cs typeface="Calibri"/>
+              </a:rPr>
+              <a:t>.</a:t>
+            </a:r>
+          </a:p>
+          <a:p>
+            <a:r>
+              <a:rPr lang="en-US" altLang="ja-JP" dirty="0">
+                <a:latin typeface="Calibri"/>
+                <a:ea typeface="游ゴシック"/>
+                <a:cs typeface="Calibri"/>
+              </a:rPr>
               <a:t>1. It uses new Windows API that is defined in &lt;</a:t>
             </a:r>
             <a:r>
-              <a:rPr lang="en-US" altLang="ja-JP" err="1">
+              <a:rPr lang="en-US" altLang="ja-JP" dirty="0" err="1">
                 <a:latin typeface="Calibri"/>
                 <a:ea typeface="游ゴシック"/>
                 <a:cs typeface="Calibri"/>
               </a:rPr>
-              <a:t>wevtapi.h</a:t>
-            </a:r>
-            <a:r>
-              <a:rPr lang="en-US" altLang="ja-JP">
+              <a:t>winevt.h</a:t>
+            </a:r>
+            <a:r>
+              <a:rPr lang="en-US" altLang="ja-JP" dirty="0">
                 <a:latin typeface="Calibri"/>
                 <a:ea typeface="游ゴシック"/>
                 <a:cs typeface="Calibri"/>
@@ -2162,7 +2178,7 @@
           </a:p>
           <a:p>
             <a:r>
-              <a:rPr lang="en-US" altLang="ja-JP">
+              <a:rPr lang="en-US" altLang="ja-JP" dirty="0">
                 <a:latin typeface="Calibri"/>
                 <a:ea typeface="游ゴシック"/>
                 <a:cs typeface="Calibri"/>
@@ -2172,7 +2188,7 @@
           </a:p>
           <a:p>
             <a:r>
-              <a:rPr lang="en-US" altLang="ja-JP">
+              <a:rPr lang="en-US" altLang="ja-JP" dirty="0">
                 <a:latin typeface="Calibri"/>
                 <a:ea typeface="游ゴシック"/>
                 <a:cs typeface="Calibri"/>
@@ -2181,7 +2197,7 @@
             </a:r>
           </a:p>
           <a:p>
-            <a:endParaRPr lang="en-US" altLang="ja-JP">
+            <a:endParaRPr lang="en-US" altLang="ja-JP" dirty="0">
               <a:latin typeface="Calibri"/>
               <a:ea typeface="游ゴシック"/>
               <a:cs typeface="Calibri"/>
@@ -2189,7 +2205,7 @@
           </a:p>
           <a:p>
             <a:r>
-              <a:rPr lang="en-US" altLang="ja-JP">
+              <a:rPr lang="en-US" altLang="ja-JP" dirty="0">
                 <a:latin typeface="Calibri"/>
                 <a:ea typeface="游ゴシック"/>
                 <a:cs typeface="Calibri"/>
@@ -2197,7 +2213,7 @@
               <a:t>This gem's detail was described in about </a:t>
             </a:r>
             <a:r>
-              <a:rPr lang="en-US" altLang="ja-JP" err="1">
+              <a:rPr lang="en-US" altLang="ja-JP" dirty="0" err="1">
                 <a:latin typeface="Calibri"/>
                 <a:ea typeface="游ゴシック"/>
                 <a:cs typeface="Calibri"/>
@@ -2205,7 +2221,7 @@
               <a:t>winevt_c</a:t>
             </a:r>
             <a:r>
-              <a:rPr lang="en-US" altLang="ja-JP">
+              <a:rPr lang="en-US" altLang="ja-JP" dirty="0">
                 <a:latin typeface="Calibri"/>
                 <a:ea typeface="游ゴシック"/>
                 <a:cs typeface="Calibri"/>
@@ -2214,7 +2230,7 @@
             </a:r>
           </a:p>
           <a:p>
-            <a:endParaRPr lang="en-US" altLang="ja-JP">
+            <a:endParaRPr lang="en-US" altLang="ja-JP" dirty="0">
               <a:latin typeface="Calibri"/>
               <a:ea typeface="游ゴシック"/>
               <a:cs typeface="Calibri"/>
@@ -2222,25 +2238,41 @@
           </a:p>
           <a:p>
             <a:r>
-              <a:rPr lang="en-US" altLang="ja-JP">
+              <a:rPr lang="en-US" altLang="ja-JP" dirty="0">
                 <a:latin typeface="Calibri"/>
                 <a:ea typeface="游ゴシック"/>
                 <a:cs typeface="Calibri"/>
               </a:rPr>
-              <a:t>This gem is written in C and C plus plus.</a:t>
-            </a:r>
-          </a:p>
-          <a:p>
-            <a:r>
-              <a:rPr lang="en-US" altLang="ja-JP">
+              <a:t>This gem is written in C and C plus </a:t>
+            </a:r>
+            <a:r>
+              <a:rPr lang="en-US" altLang="ja-JP" dirty="0" err="1">
                 <a:latin typeface="Calibri"/>
                 <a:ea typeface="游ゴシック"/>
                 <a:cs typeface="Calibri"/>
               </a:rPr>
+              <a:t>plus</a:t>
+            </a:r>
+            <a:r>
+              <a:rPr lang="en-US" altLang="ja-JP" dirty="0">
+                <a:latin typeface="Calibri"/>
+                <a:ea typeface="游ゴシック"/>
+                <a:cs typeface="Calibri"/>
+              </a:rPr>
+              <a:t>.</a:t>
+            </a:r>
+          </a:p>
+          <a:p>
+            <a:r>
+              <a:rPr lang="en-US" altLang="ja-JP" dirty="0">
+                <a:latin typeface="Calibri"/>
+                <a:ea typeface="游ゴシック"/>
+                <a:cs typeface="Calibri"/>
+              </a:rPr>
               <a:t>So, users need to build C and C plus </a:t>
             </a:r>
             <a:r>
-              <a:rPr lang="en-US" altLang="ja-JP" err="1">
+              <a:rPr lang="en-US" altLang="ja-JP" dirty="0" err="1">
                 <a:latin typeface="Calibri"/>
                 <a:ea typeface="游ゴシック"/>
                 <a:cs typeface="Calibri"/>
@@ -2248,7 +2280,7 @@
               <a:t>plus</a:t>
             </a:r>
             <a:r>
-              <a:rPr lang="en-US" altLang="ja-JP">
+              <a:rPr lang="en-US" altLang="ja-JP" dirty="0">
                 <a:latin typeface="Calibri"/>
                 <a:ea typeface="游ゴシック"/>
                 <a:cs typeface="Calibri"/>
@@ -2258,7 +2290,7 @@
           </a:p>
           <a:p>
             <a:r>
-              <a:rPr lang="en-US" altLang="ja-JP">
+              <a:rPr lang="en-US" altLang="ja-JP" dirty="0">
                 <a:latin typeface="Calibri"/>
                 <a:ea typeface="游ゴシック"/>
                 <a:cs typeface="Calibri"/>
@@ -2266,7 +2298,7 @@
               <a:t>Current </a:t>
             </a:r>
             <a:r>
-              <a:rPr lang="en-US" altLang="ja-JP" err="1">
+              <a:rPr lang="en-US" altLang="ja-JP" dirty="0" err="1">
                 <a:latin typeface="Calibri"/>
                 <a:ea typeface="游ゴシック"/>
                 <a:cs typeface="Calibri"/>
@@ -2274,14 +2306,14 @@
               <a:t>RubyInstaller</a:t>
             </a:r>
             <a:r>
-              <a:rPr lang="en-US" altLang="ja-JP">
+              <a:rPr lang="en-US" altLang="ja-JP" dirty="0">
                 <a:latin typeface="Calibri"/>
                 <a:ea typeface="游ゴシック"/>
                 <a:cs typeface="Calibri"/>
               </a:rPr>
               <a:t> bundles MSYS2 system. We needn't  worry about it more than necessary.</a:t>
             </a:r>
-            <a:endParaRPr lang="en-US"/>
+            <a:endParaRPr lang="en-US" dirty="0"/>
           </a:p>
         </p:txBody>
       </p:sp>
@@ -13347,7 +13379,7 @@
           <a:lstStyle/>
           <a:p>
             <a:r>
-              <a:rPr lang="ja-JP" altLang="en-US">
+              <a:rPr lang="ja-JP" altLang="en-US" dirty="0">
                 <a:ea typeface="ＭＳ Ｐゴシック"/>
                 <a:cs typeface="Calibri"/>
               </a:rPr>
@@ -13357,31 +13389,62 @@
           <a:p>
             <a:pPr lvl="1"/>
             <a:r>
-              <a:rPr lang="ja-JP" altLang="en-US">
-                <a:ea typeface="ＭＳ Ｐゴシック"/>
-                <a:cs typeface="Calibri"/>
-              </a:rPr>
-              <a:t>😍It uses new Windows API that is defined in &lt;wevtapi.h&gt;</a:t>
+              <a:rPr lang="ja-JP" altLang="en-US" dirty="0">
+                <a:ea typeface="ＭＳ Ｐゴシック"/>
+                <a:cs typeface="Calibri"/>
+              </a:rPr>
+              <a:t>😍It uses new Windows API that is defined in &lt;</a:t>
+            </a:r>
+            <a:r>
+              <a:rPr lang="ja-JP" altLang="en-US" dirty="0">
+                <a:ea typeface="ＭＳ Ｐゴシック"/>
+                <a:cs typeface="Calibri"/>
+                <a:hlinkClick r:id="rId3"/>
+              </a:rPr>
+              <a:t>w</a:t>
+            </a:r>
+            <a:r>
+              <a:rPr lang="en-US" altLang="ja-JP" dirty="0">
+                <a:ea typeface="ＭＳ Ｐゴシック"/>
+                <a:cs typeface="Calibri"/>
+                <a:hlinkClick r:id="rId3"/>
+              </a:rPr>
+              <a:t>in</a:t>
+            </a:r>
+            <a:r>
+              <a:rPr lang="ja-JP" altLang="en-US" dirty="0">
+                <a:ea typeface="ＭＳ Ｐゴシック"/>
+                <a:cs typeface="Calibri"/>
+                <a:hlinkClick r:id="rId3"/>
+              </a:rPr>
+              <a:t>evt.h</a:t>
+            </a:r>
+            <a:r>
+              <a:rPr lang="ja-JP" altLang="en-US" dirty="0">
+                <a:ea typeface="ＭＳ Ｐゴシック"/>
+                <a:cs typeface="Calibri"/>
+              </a:rPr>
+              <a:t>&gt;</a:t>
             </a:r>
           </a:p>
           <a:p>
             <a:pPr lvl="1"/>
             <a:r>
-              <a:rPr lang="ja-JP" altLang="en-US">
+              <a:rPr lang="ja-JP" altLang="en-US" dirty="0">
                 <a:ea typeface="ＭＳ Ｐゴシック"/>
                 <a:cs typeface="Calibri"/>
               </a:rPr>
               <a:t>😉The new API provides bookmark which is used </a:t>
             </a:r>
             <a:r>
-              <a:rPr lang="en-US" altLang="ja-JP">
+              <a:rPr lang="en-US" altLang="ja-JP" dirty="0">
                 <a:ea typeface="ＭＳ Ｐゴシック"/>
                 <a:cs typeface="Calibri"/>
               </a:rPr>
               <a:t>to</a:t>
             </a:r>
             <a:r>
-              <a:rPr lang="ja-JP" altLang="en-US">
+              <a:rPr lang="ja-JP" altLang="en-US" dirty="0">
                 <a:ea typeface="ＭＳ Ｐゴシック"/>
                 <a:cs typeface="Calibri"/>
               </a:rPr>
@@ -13391,7 +13454,7 @@
           <a:p>
             <a:pPr lvl="1"/>
             <a:r>
-              <a:rPr lang="ja-JP" altLang="en-US">
+              <a:rPr lang="ja-JP" altLang="en-US" dirty="0">
                 <a:ea typeface="ＭＳ Ｐゴシック"/>
                 <a:cs typeface="Calibri"/>
               </a:rPr>
@@ -13400,14 +13463,14 @@
           </a:p>
           <a:p>
             <a:pPr lvl="1"/>
-            <a:endParaRPr lang="ja-JP" altLang="en-US">
+            <a:endParaRPr lang="ja-JP" altLang="en-US" dirty="0">
               <a:ea typeface="ＭＳ Ｐゴシック"/>
               <a:cs typeface="Calibri"/>
             </a:endParaRPr>
           </a:p>
           <a:p>
             <a:r>
-              <a:rPr lang="ja-JP" altLang="en-US">
+              <a:rPr lang="ja-JP" altLang="en-US" dirty="0">
                 <a:ea typeface="ＭＳ Ｐゴシック"/>
                 <a:cs typeface="Calibri"/>
               </a:rPr>
@@ -13417,7 +13480,7 @@
           <a:p>
             <a:pPr lvl="1"/>
             <a:r>
-              <a:rPr lang="ja-JP" altLang="en-US">
+              <a:rPr lang="ja-JP" altLang="en-US" dirty="0">
                 <a:ea typeface="ＭＳ Ｐゴシック"/>
                 <a:cs typeface="Calibri"/>
               </a:rPr>
@@ -13427,7 +13490,7 @@
           <a:p>
             <a:pPr lvl="2"/>
             <a:r>
-              <a:rPr lang="ja-JP" altLang="en-US">
+              <a:rPr lang="ja-JP" altLang="en-US" dirty="0">
                 <a:ea typeface="ＭＳ Ｐゴシック"/>
                 <a:cs typeface="Calibri"/>
               </a:rPr>

--- a/Fluentd meetup 2019.pptx
+++ b/Fluentd meetup 2019.pptx
@@ -16276,7 +16276,7 @@
             <a:avLst/>
           </a:prstGeom>
           <a:noFill/>
-          <a:ln>
+          <a:ln w="31750">
             <a:solidFill>
               <a:srgbClr val="FF0000"/>
             </a:solidFill>
@@ -16328,7 +16328,7 @@
             <a:avLst/>
           </a:prstGeom>
           <a:noFill/>
-          <a:ln>
+          <a:ln w="34925">
             <a:solidFill>
               <a:srgbClr val="FF0000"/>
             </a:solidFill>
@@ -16373,14 +16373,14 @@
         </p:nvSpPr>
         <p:spPr>
           <a:xfrm>
-            <a:off x="6803329" y="6079045"/>
-            <a:ext cx="1106905" cy="315495"/>
+            <a:off x="6249877" y="6079045"/>
+            <a:ext cx="1660358" cy="315495"/>
           </a:xfrm>
           <a:prstGeom prst="ellipse">
             <a:avLst/>
           </a:prstGeom>
           <a:noFill/>
-          <a:ln>
+          <a:ln w="31750">
             <a:solidFill>
               <a:srgbClr val="FF0000"/>
             </a:solidFill>
@@ -16425,14 +16425,14 @@
         </p:nvSpPr>
         <p:spPr>
           <a:xfrm>
-            <a:off x="6426339" y="5532916"/>
-            <a:ext cx="1106905" cy="315495"/>
+            <a:off x="6156297" y="5532916"/>
+            <a:ext cx="1618624" cy="315495"/>
           </a:xfrm>
           <a:prstGeom prst="ellipse">
             <a:avLst/>
           </a:prstGeom>
           <a:noFill/>
-          <a:ln>
+          <a:ln w="34925">
             <a:solidFill>
               <a:srgbClr val="FF0000"/>
             </a:solidFill>
@@ -16478,13 +16478,13 @@
         <p:spPr>
           <a:xfrm>
             <a:off x="6249876" y="4978623"/>
-            <a:ext cx="1106905" cy="315495"/>
+            <a:ext cx="1283368" cy="315495"/>
           </a:xfrm>
           <a:prstGeom prst="ellipse">
             <a:avLst/>
           </a:prstGeom>
           <a:noFill/>
-          <a:ln>
+          <a:ln w="31750">
             <a:solidFill>
               <a:srgbClr val="FF0000"/>
             </a:solidFill>
@@ -16530,13 +16530,13 @@
         <p:spPr>
           <a:xfrm>
             <a:off x="6156297" y="4385982"/>
-            <a:ext cx="1106905" cy="315495"/>
+            <a:ext cx="1618624" cy="315495"/>
           </a:xfrm>
           <a:prstGeom prst="ellipse">
             <a:avLst/>
           </a:prstGeom>
           <a:noFill/>
-          <a:ln>
+          <a:ln w="34925">
             <a:solidFill>
               <a:srgbClr val="FF0000"/>
             </a:solidFill>
@@ -16567,6 +16567,252 @@
           </a:p>
         </p:txBody>
       </p:sp>
+      <p:pic>
+        <p:nvPicPr>
+          <p:cNvPr id="9" name="図 8">
+            <a:extLst>
+              <a:ext uri="{FF2B5EF4-FFF2-40B4-BE49-F238E27FC236}">
+                <a16:creationId xmlns:a16="http://schemas.microsoft.com/office/drawing/2014/main" id="{E8243A4F-7FB2-4ADC-878A-1719828349C5}"/>
+              </a:ext>
+            </a:extLst>
+          </p:cNvPr>
+          <p:cNvPicPr>
+            <a:picLocks noChangeAspect="1"/>
+          </p:cNvPicPr>
+          <p:nvPr/>
+        </p:nvPicPr>
+        <p:blipFill>
+          <a:blip r:embed="rId4">
+            <a:extLst>
+              <a:ext uri="{28A0092B-C50C-407E-A947-70E740481C1C}">
+                <a14:useLocalDpi xmlns:a14="http://schemas.microsoft.com/office/drawing/2010/main" val="0"/>
+              </a:ext>
+            </a:extLst>
+          </a:blip>
+          <a:stretch>
+            <a:fillRect/>
+          </a:stretch>
+        </p:blipFill>
+        <p:spPr>
+          <a:xfrm>
+            <a:off x="5872637" y="1568450"/>
+            <a:ext cx="1861381" cy="412163"/>
+          </a:xfrm>
+          <a:prstGeom prst="rect">
+            <a:avLst/>
+          </a:prstGeom>
+          <a:ln w="28575">
+            <a:solidFill>
+              <a:srgbClr val="FF0000"/>
+            </a:solidFill>
+          </a:ln>
+        </p:spPr>
+      </p:pic>
+      <p:pic>
+        <p:nvPicPr>
+          <p:cNvPr id="11" name="図 10">
+            <a:extLst>
+              <a:ext uri="{FF2B5EF4-FFF2-40B4-BE49-F238E27FC236}">
+                <a16:creationId xmlns:a16="http://schemas.microsoft.com/office/drawing/2014/main" id="{C6F68D80-5070-4C5C-8BA3-8683B2090C55}"/>
+              </a:ext>
+            </a:extLst>
+          </p:cNvPr>
+          <p:cNvPicPr>
+            <a:picLocks noChangeAspect="1"/>
+          </p:cNvPicPr>
+          <p:nvPr/>
+        </p:nvPicPr>
+        <p:blipFill>
+          <a:blip r:embed="rId5">
+            <a:extLst>
+              <a:ext uri="{28A0092B-C50C-407E-A947-70E740481C1C}">
+                <a14:useLocalDpi xmlns:a14="http://schemas.microsoft.com/office/drawing/2010/main" val="0"/>
+              </a:ext>
+            </a:extLst>
+          </a:blip>
+          <a:stretch>
+            <a:fillRect/>
+          </a:stretch>
+        </p:blipFill>
+        <p:spPr>
+          <a:xfrm>
+            <a:off x="5175129" y="2700227"/>
+            <a:ext cx="2629650" cy="314659"/>
+          </a:xfrm>
+          <a:prstGeom prst="rect">
+            <a:avLst/>
+          </a:prstGeom>
+          <a:ln w="31750">
+            <a:solidFill>
+              <a:srgbClr val="FF0000"/>
+            </a:solidFill>
+          </a:ln>
+        </p:spPr>
+      </p:pic>
+      <p:pic>
+        <p:nvPicPr>
+          <p:cNvPr id="16" name="図 15">
+            <a:extLst>
+              <a:ext uri="{FF2B5EF4-FFF2-40B4-BE49-F238E27FC236}">
+                <a16:creationId xmlns:a16="http://schemas.microsoft.com/office/drawing/2014/main" id="{59911B43-9047-4E1E-AEC8-B94882743DD3}"/>
+              </a:ext>
+            </a:extLst>
+          </p:cNvPr>
+          <p:cNvPicPr>
+            <a:picLocks noChangeAspect="1"/>
+          </p:cNvPicPr>
+          <p:nvPr/>
+        </p:nvPicPr>
+        <p:blipFill>
+          <a:blip r:embed="rId6">
+            <a:extLst>
+              <a:ext uri="{28A0092B-C50C-407E-A947-70E740481C1C}">
+                <a14:useLocalDpi xmlns:a14="http://schemas.microsoft.com/office/drawing/2010/main" val="0"/>
+              </a:ext>
+            </a:extLst>
+          </a:blip>
+          <a:stretch>
+            <a:fillRect/>
+          </a:stretch>
+        </p:blipFill>
+        <p:spPr>
+          <a:xfrm>
+            <a:off x="4989324" y="4351365"/>
+            <a:ext cx="2873443" cy="348637"/>
+          </a:xfrm>
+          <a:prstGeom prst="rect">
+            <a:avLst/>
+          </a:prstGeom>
+          <a:ln w="28575">
+            <a:solidFill>
+              <a:srgbClr val="FF0000"/>
+            </a:solidFill>
+          </a:ln>
+        </p:spPr>
+      </p:pic>
+      <p:pic>
+        <p:nvPicPr>
+          <p:cNvPr id="18" name="図 17">
+            <a:extLst>
+              <a:ext uri="{FF2B5EF4-FFF2-40B4-BE49-F238E27FC236}">
+                <a16:creationId xmlns:a16="http://schemas.microsoft.com/office/drawing/2014/main" id="{A5D90178-2505-4EAE-A2D0-AD7D16351625}"/>
+              </a:ext>
+            </a:extLst>
+          </p:cNvPr>
+          <p:cNvPicPr>
+            <a:picLocks noChangeAspect="1"/>
+          </p:cNvPicPr>
+          <p:nvPr/>
+        </p:nvPicPr>
+        <p:blipFill>
+          <a:blip r:embed="rId7">
+            <a:extLst>
+              <a:ext uri="{28A0092B-C50C-407E-A947-70E740481C1C}">
+                <a14:useLocalDpi xmlns:a14="http://schemas.microsoft.com/office/drawing/2010/main" val="0"/>
+              </a:ext>
+            </a:extLst>
+          </a:blip>
+          <a:stretch>
+            <a:fillRect/>
+          </a:stretch>
+        </p:blipFill>
+        <p:spPr>
+          <a:xfrm>
+            <a:off x="5259821" y="4922609"/>
+            <a:ext cx="2602946" cy="384731"/>
+          </a:xfrm>
+          <a:prstGeom prst="rect">
+            <a:avLst/>
+          </a:prstGeom>
+          <a:ln w="31750">
+            <a:solidFill>
+              <a:srgbClr val="FF0000"/>
+            </a:solidFill>
+          </a:ln>
+        </p:spPr>
+      </p:pic>
+      <p:pic>
+        <p:nvPicPr>
+          <p:cNvPr id="20" name="図 19">
+            <a:extLst>
+              <a:ext uri="{FF2B5EF4-FFF2-40B4-BE49-F238E27FC236}">
+                <a16:creationId xmlns:a16="http://schemas.microsoft.com/office/drawing/2014/main" id="{97EA411C-EA45-4ADE-A282-FD42A884821A}"/>
+              </a:ext>
+            </a:extLst>
+          </p:cNvPr>
+          <p:cNvPicPr>
+            <a:picLocks noChangeAspect="1"/>
+          </p:cNvPicPr>
+          <p:nvPr/>
+        </p:nvPicPr>
+        <p:blipFill>
+          <a:blip r:embed="rId8">
+            <a:extLst>
+              <a:ext uri="{28A0092B-C50C-407E-A947-70E740481C1C}">
+                <a14:useLocalDpi xmlns:a14="http://schemas.microsoft.com/office/drawing/2010/main" val="0"/>
+              </a:ext>
+            </a:extLst>
+          </a:blip>
+          <a:stretch>
+            <a:fillRect/>
+          </a:stretch>
+        </p:blipFill>
+        <p:spPr>
+          <a:xfrm>
+            <a:off x="5081394" y="5479997"/>
+            <a:ext cx="2781373" cy="419111"/>
+          </a:xfrm>
+          <a:prstGeom prst="rect">
+            <a:avLst/>
+          </a:prstGeom>
+          <a:ln w="31750">
+            <a:solidFill>
+              <a:srgbClr val="FF0000"/>
+            </a:solidFill>
+          </a:ln>
+        </p:spPr>
+      </p:pic>
+      <p:pic>
+        <p:nvPicPr>
+          <p:cNvPr id="22" name="図 21">
+            <a:extLst>
+              <a:ext uri="{FF2B5EF4-FFF2-40B4-BE49-F238E27FC236}">
+                <a16:creationId xmlns:a16="http://schemas.microsoft.com/office/drawing/2014/main" id="{E1138DD3-E5C2-4B9E-A1E6-AB53C4C9115E}"/>
+              </a:ext>
+            </a:extLst>
+          </p:cNvPr>
+          <p:cNvPicPr>
+            <a:picLocks noChangeAspect="1"/>
+          </p:cNvPicPr>
+          <p:nvPr/>
+        </p:nvPicPr>
+        <p:blipFill>
+          <a:blip r:embed="rId9">
+            <a:extLst>
+              <a:ext uri="{28A0092B-C50C-407E-A947-70E740481C1C}">
+                <a14:useLocalDpi xmlns:a14="http://schemas.microsoft.com/office/drawing/2010/main" val="0"/>
+              </a:ext>
+            </a:extLst>
+          </a:blip>
+          <a:stretch>
+            <a:fillRect/>
+          </a:stretch>
+        </p:blipFill>
+        <p:spPr>
+          <a:xfrm>
+            <a:off x="5123419" y="6058591"/>
+            <a:ext cx="2786816" cy="462655"/>
+          </a:xfrm>
+          <a:prstGeom prst="rect">
+            <a:avLst/>
+          </a:prstGeom>
+          <a:ln w="31750">
+            <a:solidFill>
+              <a:srgbClr val="FF0000"/>
+            </a:solidFill>
+          </a:ln>
+        </p:spPr>
+      </p:pic>
     </p:spTree>
     <p:extLst>
       <p:ext uri="{BB962C8B-B14F-4D97-AF65-F5344CB8AC3E}">
@@ -16651,7 +16897,7 @@
                             </p:stCondLst>
                             <p:childTnLst>
                               <p:par>
-                                <p:cTn id="10" presetID="16" presetClass="entr" presetSubtype="21" fill="hold" grpId="0" nodeType="clickEffect">
+                                <p:cTn id="10" presetID="10" presetClass="entr" presetSubtype="0" fill="hold" nodeType="clickEffect">
                                   <p:stCondLst>
                                     <p:cond delay="0"/>
                                   </p:stCondLst>
@@ -16664,7 +16910,7 @@
                                           </p:stCondLst>
                                         </p:cTn>
                                         <p:tgtEl>
-                                          <p:spTgt spid="7"/>
+                                          <p:spTgt spid="9"/>
                                         </p:tgtEl>
                                         <p:attrNameLst>
                                           <p:attrName>style.visibility</p:attrName>
@@ -16674,11 +16920,11 @@
                                         <p:strVal val="visible"/>
                                       </p:to>
                                     </p:set>
-                                    <p:animEffect transition="in" filter="barn(inVertical)">
+                                    <p:animEffect transition="in" filter="fade">
                                       <p:cBhvr>
                                         <p:cTn id="12" dur="500"/>
                                         <p:tgtEl>
-                                          <p:spTgt spid="7"/>
+                                          <p:spTgt spid="9"/>
                                         </p:tgtEl>
                                       </p:cBhvr>
                                     </p:animEffect>
@@ -16717,7 +16963,7 @@
                                           </p:stCondLst>
                                         </p:cTn>
                                         <p:tgtEl>
-                                          <p:spTgt spid="15"/>
+                                          <p:spTgt spid="7"/>
                                         </p:tgtEl>
                                         <p:attrNameLst>
                                           <p:attrName>style.visibility</p:attrName>
@@ -16731,7 +16977,7 @@
                                       <p:cBhvr>
                                         <p:cTn id="17" dur="500"/>
                                         <p:tgtEl>
-                                          <p:spTgt spid="15"/>
+                                          <p:spTgt spid="7"/>
                                         </p:tgtEl>
                                       </p:cBhvr>
                                     </p:animEffect>
@@ -16757,7 +17003,7 @@
                             </p:stCondLst>
                             <p:childTnLst>
                               <p:par>
-                                <p:cTn id="20" presetID="16" presetClass="entr" presetSubtype="21" fill="hold" grpId="0" nodeType="clickEffect">
+                                <p:cTn id="20" presetID="10" presetClass="entr" presetSubtype="0" fill="hold" nodeType="clickEffect">
                                   <p:stCondLst>
                                     <p:cond delay="0"/>
                                   </p:stCondLst>
@@ -16770,7 +17016,7 @@
                                           </p:stCondLst>
                                         </p:cTn>
                                         <p:tgtEl>
-                                          <p:spTgt spid="13"/>
+                                          <p:spTgt spid="11"/>
                                         </p:tgtEl>
                                         <p:attrNameLst>
                                           <p:attrName>style.visibility</p:attrName>
@@ -16780,11 +17026,11 @@
                                         <p:strVal val="visible"/>
                                       </p:to>
                                     </p:set>
-                                    <p:animEffect transition="in" filter="barn(inVertical)">
+                                    <p:animEffect transition="in" filter="fade">
                                       <p:cBhvr>
                                         <p:cTn id="22" dur="500"/>
                                         <p:tgtEl>
-                                          <p:spTgt spid="13"/>
+                                          <p:spTgt spid="11"/>
                                         </p:tgtEl>
                                       </p:cBhvr>
                                     </p:animEffect>
@@ -16823,7 +17069,7 @@
                                           </p:stCondLst>
                                         </p:cTn>
                                         <p:tgtEl>
-                                          <p:spTgt spid="12"/>
+                                          <p:spTgt spid="15"/>
                                         </p:tgtEl>
                                         <p:attrNameLst>
                                           <p:attrName>style.visibility</p:attrName>
@@ -16837,7 +17083,7 @@
                                       <p:cBhvr>
                                         <p:cTn id="27" dur="500"/>
                                         <p:tgtEl>
-                                          <p:spTgt spid="12"/>
+                                          <p:spTgt spid="15"/>
                                         </p:tgtEl>
                                       </p:cBhvr>
                                     </p:animEffect>
@@ -16863,7 +17109,7 @@
                             </p:stCondLst>
                             <p:childTnLst>
                               <p:par>
-                                <p:cTn id="30" presetID="16" presetClass="entr" presetSubtype="21" fill="hold" grpId="0" nodeType="clickEffect">
+                                <p:cTn id="30" presetID="10" presetClass="entr" presetSubtype="0" fill="hold" nodeType="clickEffect">
                                   <p:stCondLst>
                                     <p:cond delay="0"/>
                                   </p:stCondLst>
@@ -16871,6 +17117,271 @@
                                     <p:set>
                                       <p:cBhvr>
                                         <p:cTn id="31" dur="1" fill="hold">
+                                          <p:stCondLst>
+                                            <p:cond delay="0"/>
+                                          </p:stCondLst>
+                                        </p:cTn>
+                                        <p:tgtEl>
+                                          <p:spTgt spid="16"/>
+                                        </p:tgtEl>
+                                        <p:attrNameLst>
+                                          <p:attrName>style.visibility</p:attrName>
+                                        </p:attrNameLst>
+                                      </p:cBhvr>
+                                      <p:to>
+                                        <p:strVal val="visible"/>
+                                      </p:to>
+                                    </p:set>
+                                    <p:animEffect transition="in" filter="fade">
+                                      <p:cBhvr>
+                                        <p:cTn id="32" dur="500"/>
+                                        <p:tgtEl>
+                                          <p:spTgt spid="16"/>
+                                        </p:tgtEl>
+                                      </p:cBhvr>
+                                    </p:animEffect>
+                                  </p:childTnLst>
+                                </p:cTn>
+                              </p:par>
+                            </p:childTnLst>
+                          </p:cTn>
+                        </p:par>
+                      </p:childTnLst>
+                    </p:cTn>
+                  </p:par>
+                  <p:par>
+                    <p:cTn id="33" fill="hold">
+                      <p:stCondLst>
+                        <p:cond delay="indefinite"/>
+                      </p:stCondLst>
+                      <p:childTnLst>
+                        <p:par>
+                          <p:cTn id="34" fill="hold">
+                            <p:stCondLst>
+                              <p:cond delay="0"/>
+                            </p:stCondLst>
+                            <p:childTnLst>
+                              <p:par>
+                                <p:cTn id="35" presetID="16" presetClass="entr" presetSubtype="21" fill="hold" grpId="0" nodeType="clickEffect">
+                                  <p:stCondLst>
+                                    <p:cond delay="0"/>
+                                  </p:stCondLst>
+                                  <p:childTnLst>
+                                    <p:set>
+                                      <p:cBhvr>
+                                        <p:cTn id="36" dur="1" fill="hold">
+                                          <p:stCondLst>
+                                            <p:cond delay="0"/>
+                                          </p:stCondLst>
+                                        </p:cTn>
+                                        <p:tgtEl>
+                                          <p:spTgt spid="13"/>
+                                        </p:tgtEl>
+                                        <p:attrNameLst>
+                                          <p:attrName>style.visibility</p:attrName>
+                                        </p:attrNameLst>
+                                      </p:cBhvr>
+                                      <p:to>
+                                        <p:strVal val="visible"/>
+                                      </p:to>
+                                    </p:set>
+                                    <p:animEffect transition="in" filter="barn(inVertical)">
+                                      <p:cBhvr>
+                                        <p:cTn id="37" dur="500"/>
+                                        <p:tgtEl>
+                                          <p:spTgt spid="13"/>
+                                        </p:tgtEl>
+                                      </p:cBhvr>
+                                    </p:animEffect>
+                                  </p:childTnLst>
+                                </p:cTn>
+                              </p:par>
+                            </p:childTnLst>
+                          </p:cTn>
+                        </p:par>
+                      </p:childTnLst>
+                    </p:cTn>
+                  </p:par>
+                  <p:par>
+                    <p:cTn id="38" fill="hold">
+                      <p:stCondLst>
+                        <p:cond delay="indefinite"/>
+                      </p:stCondLst>
+                      <p:childTnLst>
+                        <p:par>
+                          <p:cTn id="39" fill="hold">
+                            <p:stCondLst>
+                              <p:cond delay="0"/>
+                            </p:stCondLst>
+                            <p:childTnLst>
+                              <p:par>
+                                <p:cTn id="40" presetID="10" presetClass="entr" presetSubtype="0" fill="hold" nodeType="clickEffect">
+                                  <p:stCondLst>
+                                    <p:cond delay="0"/>
+                                  </p:stCondLst>
+                                  <p:childTnLst>
+                                    <p:set>
+                                      <p:cBhvr>
+                                        <p:cTn id="41" dur="1" fill="hold">
+                                          <p:stCondLst>
+                                            <p:cond delay="0"/>
+                                          </p:stCondLst>
+                                        </p:cTn>
+                                        <p:tgtEl>
+                                          <p:spTgt spid="18"/>
+                                        </p:tgtEl>
+                                        <p:attrNameLst>
+                                          <p:attrName>style.visibility</p:attrName>
+                                        </p:attrNameLst>
+                                      </p:cBhvr>
+                                      <p:to>
+                                        <p:strVal val="visible"/>
+                                      </p:to>
+                                    </p:set>
+                                    <p:animEffect transition="in" filter="fade">
+                                      <p:cBhvr>
+                                        <p:cTn id="42" dur="500"/>
+                                        <p:tgtEl>
+                                          <p:spTgt spid="18"/>
+                                        </p:tgtEl>
+                                      </p:cBhvr>
+                                    </p:animEffect>
+                                  </p:childTnLst>
+                                </p:cTn>
+                              </p:par>
+                            </p:childTnLst>
+                          </p:cTn>
+                        </p:par>
+                      </p:childTnLst>
+                    </p:cTn>
+                  </p:par>
+                  <p:par>
+                    <p:cTn id="43" fill="hold">
+                      <p:stCondLst>
+                        <p:cond delay="indefinite"/>
+                      </p:stCondLst>
+                      <p:childTnLst>
+                        <p:par>
+                          <p:cTn id="44" fill="hold">
+                            <p:stCondLst>
+                              <p:cond delay="0"/>
+                            </p:stCondLst>
+                            <p:childTnLst>
+                              <p:par>
+                                <p:cTn id="45" presetID="16" presetClass="entr" presetSubtype="21" fill="hold" grpId="0" nodeType="clickEffect">
+                                  <p:stCondLst>
+                                    <p:cond delay="0"/>
+                                  </p:stCondLst>
+                                  <p:childTnLst>
+                                    <p:set>
+                                      <p:cBhvr>
+                                        <p:cTn id="46" dur="1" fill="hold">
+                                          <p:stCondLst>
+                                            <p:cond delay="0"/>
+                                          </p:stCondLst>
+                                        </p:cTn>
+                                        <p:tgtEl>
+                                          <p:spTgt spid="12"/>
+                                        </p:tgtEl>
+                                        <p:attrNameLst>
+                                          <p:attrName>style.visibility</p:attrName>
+                                        </p:attrNameLst>
+                                      </p:cBhvr>
+                                      <p:to>
+                                        <p:strVal val="visible"/>
+                                      </p:to>
+                                    </p:set>
+                                    <p:animEffect transition="in" filter="barn(inVertical)">
+                                      <p:cBhvr>
+                                        <p:cTn id="47" dur="500"/>
+                                        <p:tgtEl>
+                                          <p:spTgt spid="12"/>
+                                        </p:tgtEl>
+                                      </p:cBhvr>
+                                    </p:animEffect>
+                                  </p:childTnLst>
+                                </p:cTn>
+                              </p:par>
+                            </p:childTnLst>
+                          </p:cTn>
+                        </p:par>
+                      </p:childTnLst>
+                    </p:cTn>
+                  </p:par>
+                  <p:par>
+                    <p:cTn id="48" fill="hold">
+                      <p:stCondLst>
+                        <p:cond delay="indefinite"/>
+                      </p:stCondLst>
+                      <p:childTnLst>
+                        <p:par>
+                          <p:cTn id="49" fill="hold">
+                            <p:stCondLst>
+                              <p:cond delay="0"/>
+                            </p:stCondLst>
+                            <p:childTnLst>
+                              <p:par>
+                                <p:cTn id="50" presetID="10" presetClass="entr" presetSubtype="0" fill="hold" nodeType="clickEffect">
+                                  <p:stCondLst>
+                                    <p:cond delay="0"/>
+                                  </p:stCondLst>
+                                  <p:childTnLst>
+                                    <p:set>
+                                      <p:cBhvr>
+                                        <p:cTn id="51" dur="1" fill="hold">
+                                          <p:stCondLst>
+                                            <p:cond delay="0"/>
+                                          </p:stCondLst>
+                                        </p:cTn>
+                                        <p:tgtEl>
+                                          <p:spTgt spid="20"/>
+                                        </p:tgtEl>
+                                        <p:attrNameLst>
+                                          <p:attrName>style.visibility</p:attrName>
+                                        </p:attrNameLst>
+                                      </p:cBhvr>
+                                      <p:to>
+                                        <p:strVal val="visible"/>
+                                      </p:to>
+                                    </p:set>
+                                    <p:animEffect transition="in" filter="fade">
+                                      <p:cBhvr>
+                                        <p:cTn id="52" dur="500"/>
+                                        <p:tgtEl>
+                                          <p:spTgt spid="20"/>
+                                        </p:tgtEl>
+                                      </p:cBhvr>
+                                    </p:animEffect>
+                                  </p:childTnLst>
+                                </p:cTn>
+                              </p:par>
+                            </p:childTnLst>
+                          </p:cTn>
+                        </p:par>
+                      </p:childTnLst>
+                    </p:cTn>
+                  </p:par>
+                  <p:par>
+                    <p:cTn id="53" fill="hold">
+                      <p:stCondLst>
+                        <p:cond delay="indefinite"/>
+                      </p:stCondLst>
+                      <p:childTnLst>
+                        <p:par>
+                          <p:cTn id="54" fill="hold">
+                            <p:stCondLst>
+                              <p:cond delay="0"/>
+                            </p:stCondLst>
+                            <p:childTnLst>
+                              <p:par>
+                                <p:cTn id="55" presetID="16" presetClass="entr" presetSubtype="21" fill="hold" grpId="0" nodeType="clickEffect">
+                                  <p:stCondLst>
+                                    <p:cond delay="0"/>
+                                  </p:stCondLst>
+                                  <p:childTnLst>
+                                    <p:set>
+                                      <p:cBhvr>
+                                        <p:cTn id="56" dur="1" fill="hold">
                                           <p:stCondLst>
                                             <p:cond delay="0"/>
                                           </p:stCondLst>
@@ -16888,9 +17399,62 @@
                                     </p:set>
                                     <p:animEffect transition="in" filter="barn(inVertical)">
                                       <p:cBhvr>
-                                        <p:cTn id="32" dur="500"/>
+                                        <p:cTn id="57" dur="500"/>
                                         <p:tgtEl>
                                           <p:spTgt spid="8"/>
+                                        </p:tgtEl>
+                                      </p:cBhvr>
+                                    </p:animEffect>
+                                  </p:childTnLst>
+                                </p:cTn>
+                              </p:par>
+                            </p:childTnLst>
+                          </p:cTn>
+                        </p:par>
+                      </p:childTnLst>
+                    </p:cTn>
+                  </p:par>
+                  <p:par>
+                    <p:cTn id="58" fill="hold">
+                      <p:stCondLst>
+                        <p:cond delay="indefinite"/>
+                      </p:stCondLst>
+                      <p:childTnLst>
+                        <p:par>
+                          <p:cTn id="59" fill="hold">
+                            <p:stCondLst>
+                              <p:cond delay="0"/>
+                            </p:stCondLst>
+                            <p:childTnLst>
+                              <p:par>
+                                <p:cTn id="60" presetID="10" presetClass="entr" presetSubtype="0" fill="hold" nodeType="clickEffect">
+                                  <p:stCondLst>
+                                    <p:cond delay="0"/>
+                                  </p:stCondLst>
+                                  <p:childTnLst>
+                                    <p:set>
+                                      <p:cBhvr>
+                                        <p:cTn id="61" dur="1" fill="hold">
+                                          <p:stCondLst>
+                                            <p:cond delay="0"/>
+                                          </p:stCondLst>
+                                        </p:cTn>
+                                        <p:tgtEl>
+                                          <p:spTgt spid="22"/>
+                                        </p:tgtEl>
+                                        <p:attrNameLst>
+                                          <p:attrName>style.visibility</p:attrName>
+                                        </p:attrNameLst>
+                                      </p:cBhvr>
+                                      <p:to>
+                                        <p:strVal val="visible"/>
+                                      </p:to>
+                                    </p:set>
+                                    <p:animEffect transition="in" filter="fade">
+                                      <p:cBhvr>
+                                        <p:cTn id="62" dur="500"/>
+                                        <p:tgtEl>
+                                          <p:spTgt spid="22"/>
                                         </p:tgtEl>
                                       </p:cBhvr>
                                     </p:animEffect>
@@ -17013,7 +17577,7 @@
         </p:blipFill>
         <p:spPr>
           <a:xfrm>
-            <a:off x="484401" y="849535"/>
+            <a:off x="453390" y="850257"/>
             <a:ext cx="7424422" cy="5738844"/>
           </a:xfrm>
           <a:prstGeom prst="rect">
@@ -17172,14 +17736,14 @@
         </p:nvSpPr>
         <p:spPr>
           <a:xfrm>
-            <a:off x="3310021" y="1780674"/>
-            <a:ext cx="1106905" cy="315495"/>
+            <a:off x="2514601" y="1780674"/>
+            <a:ext cx="1902326" cy="315495"/>
           </a:xfrm>
           <a:prstGeom prst="ellipse">
             <a:avLst/>
           </a:prstGeom>
           <a:noFill/>
-          <a:ln>
+          <a:ln w="34925">
             <a:solidFill>
               <a:srgbClr val="FF0000"/>
             </a:solidFill>
@@ -17224,14 +17788,14 @@
         </p:nvSpPr>
         <p:spPr>
           <a:xfrm>
-            <a:off x="3310021" y="2868838"/>
-            <a:ext cx="1106905" cy="315495"/>
+            <a:off x="2548516" y="2868838"/>
+            <a:ext cx="2113051" cy="315495"/>
           </a:xfrm>
           <a:prstGeom prst="ellipse">
             <a:avLst/>
           </a:prstGeom>
           <a:noFill/>
-          <a:ln>
+          <a:ln w="31750">
             <a:solidFill>
               <a:srgbClr val="FF0000"/>
             </a:solidFill>
@@ -17276,14 +17840,14 @@
         </p:nvSpPr>
         <p:spPr>
           <a:xfrm>
-            <a:off x="3360821" y="5213659"/>
-            <a:ext cx="1106905" cy="315495"/>
+            <a:off x="2548517" y="5213659"/>
+            <a:ext cx="1919210" cy="315495"/>
           </a:xfrm>
           <a:prstGeom prst="ellipse">
             <a:avLst/>
           </a:prstGeom>
           <a:noFill/>
-          <a:ln>
+          <a:ln w="34925">
             <a:solidFill>
               <a:srgbClr val="FF0000"/>
             </a:solidFill>
@@ -17335,7 +17899,7 @@
             <a:avLst/>
           </a:prstGeom>
           <a:noFill/>
-          <a:ln>
+          <a:ln w="34925">
             <a:solidFill>
               <a:srgbClr val="FF0000"/>
             </a:solidFill>
@@ -17380,14 +17944,14 @@
         </p:nvSpPr>
         <p:spPr>
           <a:xfrm>
-            <a:off x="3732463" y="6331431"/>
-            <a:ext cx="1596190" cy="315495"/>
+            <a:off x="3360821" y="6410876"/>
+            <a:ext cx="1967832" cy="256948"/>
           </a:xfrm>
           <a:prstGeom prst="ellipse">
             <a:avLst/>
           </a:prstGeom>
           <a:noFill/>
-          <a:ln>
+          <a:ln w="34925">
             <a:solidFill>
               <a:srgbClr val="FF0000"/>
             </a:solidFill>
@@ -17432,14 +17996,14 @@
         </p:nvSpPr>
         <p:spPr>
           <a:xfrm>
-            <a:off x="3065378" y="4684047"/>
-            <a:ext cx="1596190" cy="315495"/>
+            <a:off x="2548516" y="4684047"/>
+            <a:ext cx="2113052" cy="315495"/>
           </a:xfrm>
           <a:prstGeom prst="ellipse">
             <a:avLst/>
           </a:prstGeom>
           <a:noFill/>
-          <a:ln>
+          <a:ln w="31750">
             <a:solidFill>
               <a:srgbClr val="FF0000"/>
             </a:solidFill>
@@ -17470,6 +18034,252 @@
           </a:p>
         </p:txBody>
       </p:sp>
+      <p:pic>
+        <p:nvPicPr>
+          <p:cNvPr id="4" name="図 3">
+            <a:extLst>
+              <a:ext uri="{FF2B5EF4-FFF2-40B4-BE49-F238E27FC236}">
+                <a16:creationId xmlns:a16="http://schemas.microsoft.com/office/drawing/2014/main" id="{84D9DBAC-C970-4AE6-BAFD-EED93183378A}"/>
+              </a:ext>
+            </a:extLst>
+          </p:cNvPr>
+          <p:cNvPicPr>
+            <a:picLocks noChangeAspect="1"/>
+          </p:cNvPicPr>
+          <p:nvPr/>
+        </p:nvPicPr>
+        <p:blipFill>
+          <a:blip r:embed="rId4">
+            <a:extLst>
+              <a:ext uri="{28A0092B-C50C-407E-A947-70E740481C1C}">
+                <a14:useLocalDpi xmlns:a14="http://schemas.microsoft.com/office/drawing/2010/main" val="0"/>
+              </a:ext>
+            </a:extLst>
+          </a:blip>
+          <a:stretch>
+            <a:fillRect/>
+          </a:stretch>
+        </p:blipFill>
+        <p:spPr>
+          <a:xfrm>
+            <a:off x="2231736" y="1754564"/>
+            <a:ext cx="3655550" cy="379094"/>
+          </a:xfrm>
+          <a:prstGeom prst="rect">
+            <a:avLst/>
+          </a:prstGeom>
+          <a:ln w="34925">
+            <a:solidFill>
+              <a:srgbClr val="FF0000"/>
+            </a:solidFill>
+          </a:ln>
+        </p:spPr>
+      </p:pic>
+      <p:pic>
+        <p:nvPicPr>
+          <p:cNvPr id="12" name="図 11">
+            <a:extLst>
+              <a:ext uri="{FF2B5EF4-FFF2-40B4-BE49-F238E27FC236}">
+                <a16:creationId xmlns:a16="http://schemas.microsoft.com/office/drawing/2014/main" id="{BEDF859A-9E35-4C7A-89ED-3F86A09952A1}"/>
+              </a:ext>
+            </a:extLst>
+          </p:cNvPr>
+          <p:cNvPicPr>
+            <a:picLocks noChangeAspect="1"/>
+          </p:cNvPicPr>
+          <p:nvPr/>
+        </p:nvPicPr>
+        <p:blipFill>
+          <a:blip r:embed="rId5">
+            <a:extLst>
+              <a:ext uri="{28A0092B-C50C-407E-A947-70E740481C1C}">
+                <a14:useLocalDpi xmlns:a14="http://schemas.microsoft.com/office/drawing/2010/main" val="0"/>
+              </a:ext>
+            </a:extLst>
+          </a:blip>
+          <a:stretch>
+            <a:fillRect/>
+          </a:stretch>
+        </p:blipFill>
+        <p:spPr>
+          <a:xfrm>
+            <a:off x="2210280" y="2863402"/>
+            <a:ext cx="3603266" cy="326580"/>
+          </a:xfrm>
+          <a:prstGeom prst="rect">
+            <a:avLst/>
+          </a:prstGeom>
+          <a:ln w="34925">
+            <a:solidFill>
+              <a:srgbClr val="FF0000"/>
+            </a:solidFill>
+          </a:ln>
+        </p:spPr>
+      </p:pic>
+      <p:pic>
+        <p:nvPicPr>
+          <p:cNvPr id="15" name="図 14">
+            <a:extLst>
+              <a:ext uri="{FF2B5EF4-FFF2-40B4-BE49-F238E27FC236}">
+                <a16:creationId xmlns:a16="http://schemas.microsoft.com/office/drawing/2014/main" id="{EBC0684F-4107-48E7-B706-10327E2F2647}"/>
+              </a:ext>
+            </a:extLst>
+          </p:cNvPr>
+          <p:cNvPicPr>
+            <a:picLocks noChangeAspect="1"/>
+          </p:cNvPicPr>
+          <p:nvPr/>
+        </p:nvPicPr>
+        <p:blipFill>
+          <a:blip r:embed="rId6">
+            <a:extLst>
+              <a:ext uri="{28A0092B-C50C-407E-A947-70E740481C1C}">
+                <a14:useLocalDpi xmlns:a14="http://schemas.microsoft.com/office/drawing/2010/main" val="0"/>
+              </a:ext>
+            </a:extLst>
+          </a:blip>
+          <a:stretch>
+            <a:fillRect/>
+          </a:stretch>
+        </p:blipFill>
+        <p:spPr>
+          <a:xfrm>
+            <a:off x="2117749" y="4684820"/>
+            <a:ext cx="3788328" cy="266707"/>
+          </a:xfrm>
+          <a:prstGeom prst="rect">
+            <a:avLst/>
+          </a:prstGeom>
+          <a:ln w="31750">
+            <a:solidFill>
+              <a:srgbClr val="FF0000"/>
+            </a:solidFill>
+          </a:ln>
+        </p:spPr>
+      </p:pic>
+      <p:pic>
+        <p:nvPicPr>
+          <p:cNvPr id="17" name="図 16">
+            <a:extLst>
+              <a:ext uri="{FF2B5EF4-FFF2-40B4-BE49-F238E27FC236}">
+                <a16:creationId xmlns:a16="http://schemas.microsoft.com/office/drawing/2014/main" id="{7A3019A2-3F32-4A59-90BD-D65BF4C73CEF}"/>
+              </a:ext>
+            </a:extLst>
+          </p:cNvPr>
+          <p:cNvPicPr>
+            <a:picLocks noChangeAspect="1"/>
+          </p:cNvPicPr>
+          <p:nvPr/>
+        </p:nvPicPr>
+        <p:blipFill>
+          <a:blip r:embed="rId7">
+            <a:extLst>
+              <a:ext uri="{28A0092B-C50C-407E-A947-70E740481C1C}">
+                <a14:useLocalDpi xmlns:a14="http://schemas.microsoft.com/office/drawing/2010/main" val="0"/>
+              </a:ext>
+            </a:extLst>
+          </a:blip>
+          <a:stretch>
+            <a:fillRect/>
+          </a:stretch>
+        </p:blipFill>
+        <p:spPr>
+          <a:xfrm>
+            <a:off x="2117749" y="5201793"/>
+            <a:ext cx="3396432" cy="299365"/>
+          </a:xfrm>
+          <a:prstGeom prst="rect">
+            <a:avLst/>
+          </a:prstGeom>
+          <a:ln w="34925">
+            <a:solidFill>
+              <a:srgbClr val="FF0000"/>
+            </a:solidFill>
+          </a:ln>
+        </p:spPr>
+      </p:pic>
+      <p:pic>
+        <p:nvPicPr>
+          <p:cNvPr id="22" name="図 21">
+            <a:extLst>
+              <a:ext uri="{FF2B5EF4-FFF2-40B4-BE49-F238E27FC236}">
+                <a16:creationId xmlns:a16="http://schemas.microsoft.com/office/drawing/2014/main" id="{912426A2-35AF-4EEC-967E-E3B928AACE7F}"/>
+              </a:ext>
+            </a:extLst>
+          </p:cNvPr>
+          <p:cNvPicPr>
+            <a:picLocks noChangeAspect="1"/>
+          </p:cNvPicPr>
+          <p:nvPr/>
+        </p:nvPicPr>
+        <p:blipFill>
+          <a:blip r:embed="rId8">
+            <a:extLst>
+              <a:ext uri="{28A0092B-C50C-407E-A947-70E740481C1C}">
+                <a14:useLocalDpi xmlns:a14="http://schemas.microsoft.com/office/drawing/2010/main" val="0"/>
+              </a:ext>
+            </a:extLst>
+          </a:blip>
+          <a:stretch>
+            <a:fillRect/>
+          </a:stretch>
+        </p:blipFill>
+        <p:spPr>
+          <a:xfrm>
+            <a:off x="2514601" y="5749153"/>
+            <a:ext cx="3908074" cy="277593"/>
+          </a:xfrm>
+          <a:prstGeom prst="rect">
+            <a:avLst/>
+          </a:prstGeom>
+          <a:ln w="34925">
+            <a:solidFill>
+              <a:srgbClr val="FF0000"/>
+            </a:solidFill>
+          </a:ln>
+        </p:spPr>
+      </p:pic>
+      <p:pic>
+        <p:nvPicPr>
+          <p:cNvPr id="24" name="図 23">
+            <a:extLst>
+              <a:ext uri="{FF2B5EF4-FFF2-40B4-BE49-F238E27FC236}">
+                <a16:creationId xmlns:a16="http://schemas.microsoft.com/office/drawing/2014/main" id="{4FA4B032-B574-490C-B522-60B8DC27A2C0}"/>
+              </a:ext>
+            </a:extLst>
+          </p:cNvPr>
+          <p:cNvPicPr>
+            <a:picLocks noChangeAspect="1"/>
+          </p:cNvPicPr>
+          <p:nvPr/>
+        </p:nvPicPr>
+        <p:blipFill>
+          <a:blip r:embed="rId9">
+            <a:extLst>
+              <a:ext uri="{28A0092B-C50C-407E-A947-70E740481C1C}">
+                <a14:useLocalDpi xmlns:a14="http://schemas.microsoft.com/office/drawing/2010/main" val="0"/>
+              </a:ext>
+            </a:extLst>
+          </a:blip>
+          <a:stretch>
+            <a:fillRect/>
+          </a:stretch>
+        </p:blipFill>
+        <p:spPr>
+          <a:xfrm>
+            <a:off x="2252426" y="6415933"/>
+            <a:ext cx="4430602" cy="228606"/>
+          </a:xfrm>
+          <a:prstGeom prst="rect">
+            <a:avLst/>
+          </a:prstGeom>
+          <a:ln w="34925">
+            <a:solidFill>
+              <a:srgbClr val="FF0000"/>
+            </a:solidFill>
+          </a:ln>
+        </p:spPr>
+      </p:pic>
     </p:spTree>
     <p:extLst>
       <p:ext uri="{BB962C8B-B14F-4D97-AF65-F5344CB8AC3E}">
@@ -17554,7 +18364,7 @@
                             </p:stCondLst>
                             <p:childTnLst>
                               <p:par>
-                                <p:cTn id="10" presetID="16" presetClass="entr" presetSubtype="21" fill="hold" grpId="0" nodeType="clickEffect">
+                                <p:cTn id="10" presetID="10" presetClass="entr" presetSubtype="0" fill="hold" nodeType="clickEffect">
                                   <p:stCondLst>
                                     <p:cond delay="0"/>
                                   </p:stCondLst>
@@ -17567,7 +18377,7 @@
                                           </p:stCondLst>
                                         </p:cTn>
                                         <p:tgtEl>
-                                          <p:spTgt spid="6"/>
+                                          <p:spTgt spid="4"/>
                                         </p:tgtEl>
                                         <p:attrNameLst>
                                           <p:attrName>style.visibility</p:attrName>
@@ -17577,11 +18387,11 @@
                                         <p:strVal val="visible"/>
                                       </p:to>
                                     </p:set>
-                                    <p:animEffect transition="in" filter="barn(inVertical)">
+                                    <p:animEffect transition="in" filter="fade">
                                       <p:cBhvr>
                                         <p:cTn id="12" dur="500"/>
                                         <p:tgtEl>
-                                          <p:spTgt spid="6"/>
+                                          <p:spTgt spid="4"/>
                                         </p:tgtEl>
                                       </p:cBhvr>
                                     </p:animEffect>
@@ -17620,7 +18430,7 @@
                                           </p:stCondLst>
                                         </p:cTn>
                                         <p:tgtEl>
-                                          <p:spTgt spid="7"/>
+                                          <p:spTgt spid="6"/>
                                         </p:tgtEl>
                                         <p:attrNameLst>
                                           <p:attrName>style.visibility</p:attrName>
@@ -17634,7 +18444,7 @@
                                       <p:cBhvr>
                                         <p:cTn id="17" dur="500"/>
                                         <p:tgtEl>
-                                          <p:spTgt spid="7"/>
+                                          <p:spTgt spid="6"/>
                                         </p:tgtEl>
                                       </p:cBhvr>
                                     </p:animEffect>
@@ -17660,7 +18470,7 @@
                             </p:stCondLst>
                             <p:childTnLst>
                               <p:par>
-                                <p:cTn id="20" presetID="16" presetClass="entr" presetSubtype="21" fill="hold" grpId="0" nodeType="clickEffect">
+                                <p:cTn id="20" presetID="10" presetClass="entr" presetSubtype="0" fill="hold" nodeType="clickEffect">
                                   <p:stCondLst>
                                     <p:cond delay="0"/>
                                   </p:stCondLst>
@@ -17673,7 +18483,7 @@
                                           </p:stCondLst>
                                         </p:cTn>
                                         <p:tgtEl>
-                                          <p:spTgt spid="8"/>
+                                          <p:spTgt spid="12"/>
                                         </p:tgtEl>
                                         <p:attrNameLst>
                                           <p:attrName>style.visibility</p:attrName>
@@ -17683,11 +18493,11 @@
                                         <p:strVal val="visible"/>
                                       </p:to>
                                     </p:set>
-                                    <p:animEffect transition="in" filter="barn(inVertical)">
+                                    <p:animEffect transition="in" filter="fade">
                                       <p:cBhvr>
                                         <p:cTn id="22" dur="500"/>
                                         <p:tgtEl>
-                                          <p:spTgt spid="8"/>
+                                          <p:spTgt spid="12"/>
                                         </p:tgtEl>
                                       </p:cBhvr>
                                     </p:animEffect>
@@ -17726,7 +18536,7 @@
                                           </p:stCondLst>
                                         </p:cTn>
                                         <p:tgtEl>
-                                          <p:spTgt spid="9"/>
+                                          <p:spTgt spid="7"/>
                                         </p:tgtEl>
                                         <p:attrNameLst>
                                           <p:attrName>style.visibility</p:attrName>
@@ -17740,7 +18550,7 @@
                                       <p:cBhvr>
                                         <p:cTn id="27" dur="500"/>
                                         <p:tgtEl>
-                                          <p:spTgt spid="9"/>
+                                          <p:spTgt spid="7"/>
                                         </p:tgtEl>
                                       </p:cBhvr>
                                     </p:animEffect>
@@ -17766,7 +18576,7 @@
                             </p:stCondLst>
                             <p:childTnLst>
                               <p:par>
-                                <p:cTn id="30" presetID="21" presetClass="entr" presetSubtype="1" fill="hold" grpId="0" nodeType="clickEffect">
+                                <p:cTn id="30" presetID="10" presetClass="entr" presetSubtype="0" fill="hold" nodeType="clickEffect">
                                   <p:stCondLst>
                                     <p:cond delay="0"/>
                                   </p:stCondLst>
@@ -17774,6 +18584,271 @@
                                     <p:set>
                                       <p:cBhvr>
                                         <p:cTn id="31" dur="1" fill="hold">
+                                          <p:stCondLst>
+                                            <p:cond delay="0"/>
+                                          </p:stCondLst>
+                                        </p:cTn>
+                                        <p:tgtEl>
+                                          <p:spTgt spid="17"/>
+                                        </p:tgtEl>
+                                        <p:attrNameLst>
+                                          <p:attrName>style.visibility</p:attrName>
+                                        </p:attrNameLst>
+                                      </p:cBhvr>
+                                      <p:to>
+                                        <p:strVal val="visible"/>
+                                      </p:to>
+                                    </p:set>
+                                    <p:animEffect transition="in" filter="fade">
+                                      <p:cBhvr>
+                                        <p:cTn id="32" dur="500"/>
+                                        <p:tgtEl>
+                                          <p:spTgt spid="17"/>
+                                        </p:tgtEl>
+                                      </p:cBhvr>
+                                    </p:animEffect>
+                                  </p:childTnLst>
+                                </p:cTn>
+                              </p:par>
+                            </p:childTnLst>
+                          </p:cTn>
+                        </p:par>
+                      </p:childTnLst>
+                    </p:cTn>
+                  </p:par>
+                  <p:par>
+                    <p:cTn id="33" fill="hold">
+                      <p:stCondLst>
+                        <p:cond delay="indefinite"/>
+                      </p:stCondLst>
+                      <p:childTnLst>
+                        <p:par>
+                          <p:cTn id="34" fill="hold">
+                            <p:stCondLst>
+                              <p:cond delay="0"/>
+                            </p:stCondLst>
+                            <p:childTnLst>
+                              <p:par>
+                                <p:cTn id="35" presetID="16" presetClass="entr" presetSubtype="21" fill="hold" grpId="0" nodeType="clickEffect">
+                                  <p:stCondLst>
+                                    <p:cond delay="0"/>
+                                  </p:stCondLst>
+                                  <p:childTnLst>
+                                    <p:set>
+                                      <p:cBhvr>
+                                        <p:cTn id="36" dur="1" fill="hold">
+                                          <p:stCondLst>
+                                            <p:cond delay="0"/>
+                                          </p:stCondLst>
+                                        </p:cTn>
+                                        <p:tgtEl>
+                                          <p:spTgt spid="8"/>
+                                        </p:tgtEl>
+                                        <p:attrNameLst>
+                                          <p:attrName>style.visibility</p:attrName>
+                                        </p:attrNameLst>
+                                      </p:cBhvr>
+                                      <p:to>
+                                        <p:strVal val="visible"/>
+                                      </p:to>
+                                    </p:set>
+                                    <p:animEffect transition="in" filter="barn(inVertical)">
+                                      <p:cBhvr>
+                                        <p:cTn id="37" dur="500"/>
+                                        <p:tgtEl>
+                                          <p:spTgt spid="8"/>
+                                        </p:tgtEl>
+                                      </p:cBhvr>
+                                    </p:animEffect>
+                                  </p:childTnLst>
+                                </p:cTn>
+                              </p:par>
+                            </p:childTnLst>
+                          </p:cTn>
+                        </p:par>
+                      </p:childTnLst>
+                    </p:cTn>
+                  </p:par>
+                  <p:par>
+                    <p:cTn id="38" fill="hold">
+                      <p:stCondLst>
+                        <p:cond delay="indefinite"/>
+                      </p:stCondLst>
+                      <p:childTnLst>
+                        <p:par>
+                          <p:cTn id="39" fill="hold">
+                            <p:stCondLst>
+                              <p:cond delay="0"/>
+                            </p:stCondLst>
+                            <p:childTnLst>
+                              <p:par>
+                                <p:cTn id="40" presetID="10" presetClass="entr" presetSubtype="0" fill="hold" nodeType="clickEffect">
+                                  <p:stCondLst>
+                                    <p:cond delay="0"/>
+                                  </p:stCondLst>
+                                  <p:childTnLst>
+                                    <p:set>
+                                      <p:cBhvr>
+                                        <p:cTn id="41" dur="1" fill="hold">
+                                          <p:stCondLst>
+                                            <p:cond delay="0"/>
+                                          </p:stCondLst>
+                                        </p:cTn>
+                                        <p:tgtEl>
+                                          <p:spTgt spid="22"/>
+                                        </p:tgtEl>
+                                        <p:attrNameLst>
+                                          <p:attrName>style.visibility</p:attrName>
+                                        </p:attrNameLst>
+                                      </p:cBhvr>
+                                      <p:to>
+                                        <p:strVal val="visible"/>
+                                      </p:to>
+                                    </p:set>
+                                    <p:animEffect transition="in" filter="fade">
+                                      <p:cBhvr>
+                                        <p:cTn id="42" dur="500"/>
+                                        <p:tgtEl>
+                                          <p:spTgt spid="22"/>
+                                        </p:tgtEl>
+                                      </p:cBhvr>
+                                    </p:animEffect>
+                                  </p:childTnLst>
+                                </p:cTn>
+                              </p:par>
+                            </p:childTnLst>
+                          </p:cTn>
+                        </p:par>
+                      </p:childTnLst>
+                    </p:cTn>
+                  </p:par>
+                  <p:par>
+                    <p:cTn id="43" fill="hold">
+                      <p:stCondLst>
+                        <p:cond delay="indefinite"/>
+                      </p:stCondLst>
+                      <p:childTnLst>
+                        <p:par>
+                          <p:cTn id="44" fill="hold">
+                            <p:stCondLst>
+                              <p:cond delay="0"/>
+                            </p:stCondLst>
+                            <p:childTnLst>
+                              <p:par>
+                                <p:cTn id="45" presetID="16" presetClass="entr" presetSubtype="21" fill="hold" grpId="0" nodeType="clickEffect">
+                                  <p:stCondLst>
+                                    <p:cond delay="0"/>
+                                  </p:stCondLst>
+                                  <p:childTnLst>
+                                    <p:set>
+                                      <p:cBhvr>
+                                        <p:cTn id="46" dur="1" fill="hold">
+                                          <p:stCondLst>
+                                            <p:cond delay="0"/>
+                                          </p:stCondLst>
+                                        </p:cTn>
+                                        <p:tgtEl>
+                                          <p:spTgt spid="9"/>
+                                        </p:tgtEl>
+                                        <p:attrNameLst>
+                                          <p:attrName>style.visibility</p:attrName>
+                                        </p:attrNameLst>
+                                      </p:cBhvr>
+                                      <p:to>
+                                        <p:strVal val="visible"/>
+                                      </p:to>
+                                    </p:set>
+                                    <p:animEffect transition="in" filter="barn(inVertical)">
+                                      <p:cBhvr>
+                                        <p:cTn id="47" dur="500"/>
+                                        <p:tgtEl>
+                                          <p:spTgt spid="9"/>
+                                        </p:tgtEl>
+                                      </p:cBhvr>
+                                    </p:animEffect>
+                                  </p:childTnLst>
+                                </p:cTn>
+                              </p:par>
+                            </p:childTnLst>
+                          </p:cTn>
+                        </p:par>
+                      </p:childTnLst>
+                    </p:cTn>
+                  </p:par>
+                  <p:par>
+                    <p:cTn id="48" fill="hold">
+                      <p:stCondLst>
+                        <p:cond delay="indefinite"/>
+                      </p:stCondLst>
+                      <p:childTnLst>
+                        <p:par>
+                          <p:cTn id="49" fill="hold">
+                            <p:stCondLst>
+                              <p:cond delay="0"/>
+                            </p:stCondLst>
+                            <p:childTnLst>
+                              <p:par>
+                                <p:cTn id="50" presetID="10" presetClass="entr" presetSubtype="0" fill="hold" nodeType="clickEffect">
+                                  <p:stCondLst>
+                                    <p:cond delay="0"/>
+                                  </p:stCondLst>
+                                  <p:childTnLst>
+                                    <p:set>
+                                      <p:cBhvr>
+                                        <p:cTn id="51" dur="1" fill="hold">
+                                          <p:stCondLst>
+                                            <p:cond delay="0"/>
+                                          </p:stCondLst>
+                                        </p:cTn>
+                                        <p:tgtEl>
+                                          <p:spTgt spid="24"/>
+                                        </p:tgtEl>
+                                        <p:attrNameLst>
+                                          <p:attrName>style.visibility</p:attrName>
+                                        </p:attrNameLst>
+                                      </p:cBhvr>
+                                      <p:to>
+                                        <p:strVal val="visible"/>
+                                      </p:to>
+                                    </p:set>
+                                    <p:animEffect transition="in" filter="fade">
+                                      <p:cBhvr>
+                                        <p:cTn id="52" dur="500"/>
+                                        <p:tgtEl>
+                                          <p:spTgt spid="24"/>
+                                        </p:tgtEl>
+                                      </p:cBhvr>
+                                    </p:animEffect>
+                                  </p:childTnLst>
+                                </p:cTn>
+                              </p:par>
+                            </p:childTnLst>
+                          </p:cTn>
+                        </p:par>
+                      </p:childTnLst>
+                    </p:cTn>
+                  </p:par>
+                  <p:par>
+                    <p:cTn id="53" fill="hold">
+                      <p:stCondLst>
+                        <p:cond delay="indefinite"/>
+                      </p:stCondLst>
+                      <p:childTnLst>
+                        <p:par>
+                          <p:cTn id="54" fill="hold">
+                            <p:stCondLst>
+                              <p:cond delay="0"/>
+                            </p:stCondLst>
+                            <p:childTnLst>
+                              <p:par>
+                                <p:cTn id="55" presetID="21" presetClass="entr" presetSubtype="1" fill="hold" grpId="0" nodeType="clickEffect">
+                                  <p:stCondLst>
+                                    <p:cond delay="0"/>
+                                  </p:stCondLst>
+                                  <p:childTnLst>
+                                    <p:set>
+                                      <p:cBhvr>
+                                        <p:cTn id="56" dur="1" fill="hold">
                                           <p:stCondLst>
                                             <p:cond delay="0"/>
                                           </p:stCondLst>
@@ -17791,9 +18866,62 @@
                                     </p:set>
                                     <p:animEffect transition="in" filter="wheel(1)">
                                       <p:cBhvr>
-                                        <p:cTn id="32" dur="2000"/>
+                                        <p:cTn id="57" dur="2000"/>
                                         <p:tgtEl>
                                           <p:spTgt spid="10"/>
+                                        </p:tgtEl>
+                                      </p:cBhvr>
+                                    </p:animEffect>
+                                  </p:childTnLst>
+                                </p:cTn>
+                              </p:par>
+                            </p:childTnLst>
+                          </p:cTn>
+                        </p:par>
+                      </p:childTnLst>
+                    </p:cTn>
+                  </p:par>
+                  <p:par>
+                    <p:cTn id="58" fill="hold">
+                      <p:stCondLst>
+                        <p:cond delay="indefinite"/>
+                      </p:stCondLst>
+                      <p:childTnLst>
+                        <p:par>
+                          <p:cTn id="59" fill="hold">
+                            <p:stCondLst>
+                              <p:cond delay="0"/>
+                            </p:stCondLst>
+                            <p:childTnLst>
+                              <p:par>
+                                <p:cTn id="60" presetID="10" presetClass="entr" presetSubtype="0" fill="hold" nodeType="clickEffect">
+                                  <p:stCondLst>
+                                    <p:cond delay="0"/>
+                                  </p:stCondLst>
+                                  <p:childTnLst>
+                                    <p:set>
+                                      <p:cBhvr>
+                                        <p:cTn id="61" dur="1" fill="hold">
+                                          <p:stCondLst>
+                                            <p:cond delay="0"/>
+                                          </p:stCondLst>
+                                        </p:cTn>
+                                        <p:tgtEl>
+                                          <p:spTgt spid="15"/>
+                                        </p:tgtEl>
+                                        <p:attrNameLst>
+                                          <p:attrName>style.visibility</p:attrName>
+                                        </p:attrNameLst>
+                                      </p:cBhvr>
+                                      <p:to>
+                                        <p:strVal val="visible"/>
+                                      </p:to>
+                                    </p:set>
+                                    <p:animEffect transition="in" filter="fade">
+                                      <p:cBhvr>
+                                        <p:cTn id="62" dur="500"/>
+                                        <p:tgtEl>
+                                          <p:spTgt spid="15"/>
                                         </p:tgtEl>
                                       </p:cBhvr>
                                     </p:animEffect>
@@ -20105,6 +21233,170 @@
           </a:prstGeom>
         </p:spPr>
       </p:pic>
+      <p:sp>
+        <p:nvSpPr>
+          <p:cNvPr id="3" name="矢印: ストライプ 2">
+            <a:extLst>
+              <a:ext uri="{FF2B5EF4-FFF2-40B4-BE49-F238E27FC236}">
+                <a16:creationId xmlns:a16="http://schemas.microsoft.com/office/drawing/2014/main" id="{C7CFE177-048F-4CD9-8C48-E49C572DF77C}"/>
+              </a:ext>
+            </a:extLst>
+          </p:cNvPr>
+          <p:cNvSpPr/>
+          <p:nvPr/>
+        </p:nvSpPr>
+        <p:spPr>
+          <a:xfrm rot="5400000">
+            <a:off x="4248545" y="3416214"/>
+            <a:ext cx="1174446" cy="222737"/>
+          </a:xfrm>
+          <a:prstGeom prst="stripedRightArrow">
+            <a:avLst/>
+          </a:prstGeom>
+        </p:spPr>
+        <p:style>
+          <a:lnRef idx="2">
+            <a:schemeClr val="accent1">
+              <a:shade val="50000"/>
+            </a:schemeClr>
+          </a:lnRef>
+          <a:fillRef idx="1">
+            <a:schemeClr val="accent1"/>
+          </a:fillRef>
+          <a:effectRef idx="0">
+            <a:schemeClr val="accent1"/>
+          </a:effectRef>
+          <a:fontRef idx="minor">
+            <a:schemeClr val="lt1"/>
+          </a:fontRef>
+        </p:style>
+        <p:txBody>
+          <a:bodyPr rtlCol="0" anchor="ctr"/>
+          <a:lstStyle/>
+          <a:p>
+            <a:pPr algn="ctr"/>
+            <a:endParaRPr kumimoji="1" lang="ja-JP" altLang="en-US"/>
+          </a:p>
+        </p:txBody>
+      </p:sp>
+      <p:sp>
+        <p:nvSpPr>
+          <p:cNvPr id="4" name="テキスト ボックス 3">
+            <a:extLst>
+              <a:ext uri="{FF2B5EF4-FFF2-40B4-BE49-F238E27FC236}">
+                <a16:creationId xmlns:a16="http://schemas.microsoft.com/office/drawing/2014/main" id="{70B97599-42F0-47A7-8911-B6DB04DF3ED3}"/>
+              </a:ext>
+            </a:extLst>
+          </p:cNvPr>
+          <p:cNvSpPr txBox="1"/>
+          <p:nvPr/>
+        </p:nvSpPr>
+        <p:spPr>
+          <a:xfrm>
+            <a:off x="4947137" y="3342916"/>
+            <a:ext cx="750277" cy="369332"/>
+          </a:xfrm>
+          <a:prstGeom prst="rect">
+            <a:avLst/>
+          </a:prstGeom>
+          <a:noFill/>
+        </p:spPr>
+        <p:txBody>
+          <a:bodyPr wrap="square" rtlCol="0">
+            <a:spAutoFit/>
+          </a:bodyPr>
+          <a:lstStyle/>
+          <a:p>
+            <a:r>
+              <a:rPr kumimoji="1" lang="en-US" altLang="ja-JP" dirty="0"/>
+              <a:t>Down</a:t>
+            </a:r>
+            <a:endParaRPr kumimoji="1" lang="ja-JP" altLang="en-US" dirty="0"/>
+          </a:p>
+        </p:txBody>
+      </p:sp>
+      <p:sp>
+        <p:nvSpPr>
+          <p:cNvPr id="6" name="矢印: 上 5">
+            <a:extLst>
+              <a:ext uri="{FF2B5EF4-FFF2-40B4-BE49-F238E27FC236}">
+                <a16:creationId xmlns:a16="http://schemas.microsoft.com/office/drawing/2014/main" id="{C7B2B59F-C534-44A0-BA41-E068805984BE}"/>
+              </a:ext>
+            </a:extLst>
+          </p:cNvPr>
+          <p:cNvSpPr/>
+          <p:nvPr/>
+        </p:nvSpPr>
+        <p:spPr>
+          <a:xfrm>
+            <a:off x="4640344" y="5074603"/>
+            <a:ext cx="390847" cy="181707"/>
+          </a:xfrm>
+          <a:prstGeom prst="upArrow">
+            <a:avLst/>
+          </a:prstGeom>
+        </p:spPr>
+        <p:style>
+          <a:lnRef idx="2">
+            <a:schemeClr val="accent1">
+              <a:shade val="50000"/>
+            </a:schemeClr>
+          </a:lnRef>
+          <a:fillRef idx="1">
+            <a:schemeClr val="accent1"/>
+          </a:fillRef>
+          <a:effectRef idx="0">
+            <a:schemeClr val="accent1"/>
+          </a:effectRef>
+          <a:fontRef idx="minor">
+            <a:schemeClr val="lt1"/>
+          </a:fontRef>
+        </p:style>
+        <p:txBody>
+          <a:bodyPr rtlCol="0" anchor="ctr"/>
+          <a:lstStyle/>
+          <a:p>
+            <a:pPr algn="ctr"/>
+            <a:endParaRPr kumimoji="1" lang="ja-JP" altLang="en-US"/>
+          </a:p>
+        </p:txBody>
+      </p:sp>
+      <p:sp>
+        <p:nvSpPr>
+          <p:cNvPr id="8" name="テキスト ボックス 7">
+            <a:extLst>
+              <a:ext uri="{FF2B5EF4-FFF2-40B4-BE49-F238E27FC236}">
+                <a16:creationId xmlns:a16="http://schemas.microsoft.com/office/drawing/2014/main" id="{05549C98-1F23-42CA-8ACA-A077C9E81749}"/>
+              </a:ext>
+            </a:extLst>
+          </p:cNvPr>
+          <p:cNvSpPr txBox="1"/>
+          <p:nvPr/>
+        </p:nvSpPr>
+        <p:spPr>
+          <a:xfrm>
+            <a:off x="5031191" y="4941277"/>
+            <a:ext cx="1187901" cy="369332"/>
+          </a:xfrm>
+          <a:prstGeom prst="rect">
+            <a:avLst/>
+          </a:prstGeom>
+          <a:noFill/>
+        </p:spPr>
+        <p:txBody>
+          <a:bodyPr wrap="square" rtlCol="0">
+            <a:spAutoFit/>
+          </a:bodyPr>
+          <a:lstStyle/>
+          <a:p>
+            <a:r>
+              <a:rPr kumimoji="1" lang="en-US" altLang="ja-JP" dirty="0"/>
+              <a:t>Slightly Up</a:t>
+            </a:r>
+            <a:endParaRPr kumimoji="1" lang="ja-JP" altLang="en-US" dirty="0"/>
+          </a:p>
+        </p:txBody>
+      </p:sp>
     </p:spTree>
     <p:extLst>
       <p:ext uri="{BB962C8B-B14F-4D97-AF65-F5344CB8AC3E}">
@@ -20115,6 +21407,780 @@
   <p:clrMapOvr>
     <a:masterClrMapping/>
   </p:clrMapOvr>
+  <p:timing>
+    <p:tnLst>
+      <p:par>
+        <p:cTn id="1" dur="indefinite" restart="never" nodeType="tmRoot">
+          <p:childTnLst>
+            <p:seq concurrent="1" nextAc="seek">
+              <p:cTn id="2" dur="indefinite" nodeType="mainSeq">
+                <p:childTnLst>
+                  <p:par>
+                    <p:cTn id="3" fill="hold">
+                      <p:stCondLst>
+                        <p:cond delay="indefinite"/>
+                      </p:stCondLst>
+                      <p:childTnLst>
+                        <p:par>
+                          <p:cTn id="4" fill="hold">
+                            <p:stCondLst>
+                              <p:cond delay="0"/>
+                            </p:stCondLst>
+                            <p:childTnLst>
+                              <p:par>
+                                <p:cTn id="5" presetID="26" presetClass="entr" presetSubtype="0" fill="hold" grpId="0" nodeType="clickEffect">
+                                  <p:stCondLst>
+                                    <p:cond delay="0"/>
+                                  </p:stCondLst>
+                                  <p:childTnLst>
+                                    <p:set>
+                                      <p:cBhvr>
+                                        <p:cTn id="6" dur="1" fill="hold">
+                                          <p:stCondLst>
+                                            <p:cond delay="0"/>
+                                          </p:stCondLst>
+                                        </p:cTn>
+                                        <p:tgtEl>
+                                          <p:spTgt spid="3"/>
+                                        </p:tgtEl>
+                                        <p:attrNameLst>
+                                          <p:attrName>style.visibility</p:attrName>
+                                        </p:attrNameLst>
+                                      </p:cBhvr>
+                                      <p:to>
+                                        <p:strVal val="visible"/>
+                                      </p:to>
+                                    </p:set>
+                                    <p:animEffect transition="in" filter="wipe(down)">
+                                      <p:cBhvr>
+                                        <p:cTn id="7" dur="580">
+                                          <p:stCondLst>
+                                            <p:cond delay="0"/>
+                                          </p:stCondLst>
+                                        </p:cTn>
+                                        <p:tgtEl>
+                                          <p:spTgt spid="3"/>
+                                        </p:tgtEl>
+                                      </p:cBhvr>
+                                    </p:animEffect>
+                                    <p:anim calcmode="lin" valueType="num">
+                                      <p:cBhvr>
+                                        <p:cTn id="8" dur="1822" tmFilter="0,0; 0.14,0.36; 0.43,0.73; 0.71,0.91; 1.0,1.0">
+                                          <p:stCondLst>
+                                            <p:cond delay="0"/>
+                                          </p:stCondLst>
+                                        </p:cTn>
+                                        <p:tgtEl>
+                                          <p:spTgt spid="3"/>
+                                        </p:tgtEl>
+                                        <p:attrNameLst>
+                                          <p:attrName>ppt_x</p:attrName>
+                                        </p:attrNameLst>
+                                      </p:cBhvr>
+                                      <p:tavLst>
+                                        <p:tav tm="0">
+                                          <p:val>
+                                            <p:strVal val="#ppt_x-0.25"/>
+                                          </p:val>
+                                        </p:tav>
+                                        <p:tav tm="100000">
+                                          <p:val>
+                                            <p:strVal val="#ppt_x"/>
+                                          </p:val>
+                                        </p:tav>
+                                      </p:tavLst>
+                                    </p:anim>
+                                    <p:anim calcmode="lin" valueType="num">
+                                      <p:cBhvr>
+                                        <p:cTn id="9" dur="664" tmFilter="0.0,0.0; 0.25,0.07; 0.50,0.2; 0.75,0.467; 1.0,1.0">
+                                          <p:stCondLst>
+                                            <p:cond delay="0"/>
+                                          </p:stCondLst>
+                                        </p:cTn>
+                                        <p:tgtEl>
+                                          <p:spTgt spid="3"/>
+                                        </p:tgtEl>
+                                        <p:attrNameLst>
+                                          <p:attrName>ppt_y</p:attrName>
+                                        </p:attrNameLst>
+                                      </p:cBhvr>
+                                      <p:tavLst>
+                                        <p:tav tm="0" fmla="#ppt_y-sin(pi*$)/3">
+                                          <p:val>
+                                            <p:fltVal val="0.5"/>
+                                          </p:val>
+                                        </p:tav>
+                                        <p:tav tm="100000">
+                                          <p:val>
+                                            <p:fltVal val="1"/>
+                                          </p:val>
+                                        </p:tav>
+                                      </p:tavLst>
+                                    </p:anim>
+                                    <p:anim calcmode="lin" valueType="num">
+                                      <p:cBhvr>
+                                        <p:cTn id="10" dur="664" tmFilter="0, 0; 0.125,0.2665; 0.25,0.4; 0.375,0.465; 0.5,0.5;  0.625,0.535; 0.75,0.6; 0.875,0.7335; 1,1">
+                                          <p:stCondLst>
+                                            <p:cond delay="664"/>
+                                          </p:stCondLst>
+                                        </p:cTn>
+                                        <p:tgtEl>
+                                          <p:spTgt spid="3"/>
+                                        </p:tgtEl>
+                                        <p:attrNameLst>
+                                          <p:attrName>ppt_y</p:attrName>
+                                        </p:attrNameLst>
+                                      </p:cBhvr>
+                                      <p:tavLst>
+                                        <p:tav tm="0" fmla="#ppt_y-sin(pi*$)/9">
+                                          <p:val>
+                                            <p:fltVal val="0"/>
+                                          </p:val>
+                                        </p:tav>
+                                        <p:tav tm="100000">
+                                          <p:val>
+                                            <p:fltVal val="1"/>
+                                          </p:val>
+                                        </p:tav>
+                                      </p:tavLst>
+                                    </p:anim>
+                                    <p:anim calcmode="lin" valueType="num">
+                                      <p:cBhvr>
+                                        <p:cTn id="11" dur="332" tmFilter="0, 0; 0.125,0.2665; 0.25,0.4; 0.375,0.465; 0.5,0.5;  0.625,0.535; 0.75,0.6; 0.875,0.7335; 1,1">
+                                          <p:stCondLst>
+                                            <p:cond delay="1324"/>
+                                          </p:stCondLst>
+                                        </p:cTn>
+                                        <p:tgtEl>
+                                          <p:spTgt spid="3"/>
+                                        </p:tgtEl>
+                                        <p:attrNameLst>
+                                          <p:attrName>ppt_y</p:attrName>
+                                        </p:attrNameLst>
+                                      </p:cBhvr>
+                                      <p:tavLst>
+                                        <p:tav tm="0" fmla="#ppt_y-sin(pi*$)/27">
+                                          <p:val>
+                                            <p:fltVal val="0"/>
+                                          </p:val>
+                                        </p:tav>
+                                        <p:tav tm="100000">
+                                          <p:val>
+                                            <p:fltVal val="1"/>
+                                          </p:val>
+                                        </p:tav>
+                                      </p:tavLst>
+                                    </p:anim>
+                                    <p:anim calcmode="lin" valueType="num">
+                                      <p:cBhvr>
+                                        <p:cTn id="12" dur="164" tmFilter="0, 0; 0.125,0.2665; 0.25,0.4; 0.375,0.465; 0.5,0.5;  0.625,0.535; 0.75,0.6; 0.875,0.7335; 1,1">
+                                          <p:stCondLst>
+                                            <p:cond delay="1656"/>
+                                          </p:stCondLst>
+                                        </p:cTn>
+                                        <p:tgtEl>
+                                          <p:spTgt spid="3"/>
+                                        </p:tgtEl>
+                                        <p:attrNameLst>
+                                          <p:attrName>ppt_y</p:attrName>
+                                        </p:attrNameLst>
+                                      </p:cBhvr>
+                                      <p:tavLst>
+                                        <p:tav tm="0" fmla="#ppt_y-sin(pi*$)/81">
+                                          <p:val>
+                                            <p:fltVal val="0"/>
+                                          </p:val>
+                                        </p:tav>
+                                        <p:tav tm="100000">
+                                          <p:val>
+                                            <p:fltVal val="1"/>
+                                          </p:val>
+                                        </p:tav>
+                                      </p:tavLst>
+                                    </p:anim>
+                                    <p:animScale>
+                                      <p:cBhvr>
+                                        <p:cTn id="13" dur="26">
+                                          <p:stCondLst>
+                                            <p:cond delay="650"/>
+                                          </p:stCondLst>
+                                        </p:cTn>
+                                        <p:tgtEl>
+                                          <p:spTgt spid="3"/>
+                                        </p:tgtEl>
+                                      </p:cBhvr>
+                                      <p:to x="100000" y="60000"/>
+                                    </p:animScale>
+                                    <p:animScale>
+                                      <p:cBhvr>
+                                        <p:cTn id="14" dur="166" decel="50000">
+                                          <p:stCondLst>
+                                            <p:cond delay="676"/>
+                                          </p:stCondLst>
+                                        </p:cTn>
+                                        <p:tgtEl>
+                                          <p:spTgt spid="3"/>
+                                        </p:tgtEl>
+                                      </p:cBhvr>
+                                      <p:to x="100000" y="100000"/>
+                                    </p:animScale>
+                                    <p:animScale>
+                                      <p:cBhvr>
+                                        <p:cTn id="15" dur="26">
+                                          <p:stCondLst>
+                                            <p:cond delay="1312"/>
+                                          </p:stCondLst>
+                                        </p:cTn>
+                                        <p:tgtEl>
+                                          <p:spTgt spid="3"/>
+                                        </p:tgtEl>
+                                      </p:cBhvr>
+                                      <p:to x="100000" y="80000"/>
+                                    </p:animScale>
+                                    <p:animScale>
+                                      <p:cBhvr>
+                                        <p:cTn id="16" dur="166" decel="50000">
+                                          <p:stCondLst>
+                                            <p:cond delay="1338"/>
+                                          </p:stCondLst>
+                                        </p:cTn>
+                                        <p:tgtEl>
+                                          <p:spTgt spid="3"/>
+                                        </p:tgtEl>
+                                      </p:cBhvr>
+                                      <p:to x="100000" y="100000"/>
+                                    </p:animScale>
+                                    <p:animScale>
+                                      <p:cBhvr>
+                                        <p:cTn id="17" dur="26">
+                                          <p:stCondLst>
+                                            <p:cond delay="1642"/>
+                                          </p:stCondLst>
+                                        </p:cTn>
+                                        <p:tgtEl>
+                                          <p:spTgt spid="3"/>
+                                        </p:tgtEl>
+                                      </p:cBhvr>
+                                      <p:to x="100000" y="90000"/>
+                                    </p:animScale>
+                                    <p:animScale>
+                                      <p:cBhvr>
+                                        <p:cTn id="18" dur="166" decel="50000">
+                                          <p:stCondLst>
+                                            <p:cond delay="1668"/>
+                                          </p:stCondLst>
+                                        </p:cTn>
+                                        <p:tgtEl>
+                                          <p:spTgt spid="3"/>
+                                        </p:tgtEl>
+                                      </p:cBhvr>
+                                      <p:to x="100000" y="100000"/>
+                                    </p:animScale>
+                                    <p:animScale>
+                                      <p:cBhvr>
+                                        <p:cTn id="19" dur="26">
+                                          <p:stCondLst>
+                                            <p:cond delay="1808"/>
+                                          </p:stCondLst>
+                                        </p:cTn>
+                                        <p:tgtEl>
+                                          <p:spTgt spid="3"/>
+                                        </p:tgtEl>
+                                      </p:cBhvr>
+                                      <p:to x="100000" y="95000"/>
+                                    </p:animScale>
+                                    <p:animScale>
+                                      <p:cBhvr>
+                                        <p:cTn id="20" dur="166" decel="50000">
+                                          <p:stCondLst>
+                                            <p:cond delay="1834"/>
+                                          </p:stCondLst>
+                                        </p:cTn>
+                                        <p:tgtEl>
+                                          <p:spTgt spid="3"/>
+                                        </p:tgtEl>
+                                      </p:cBhvr>
+                                      <p:to x="100000" y="100000"/>
+                                    </p:animScale>
+                                  </p:childTnLst>
+                                </p:cTn>
+                              </p:par>
+                              <p:par>
+                                <p:cTn id="21" presetID="26" presetClass="entr" presetSubtype="0" fill="hold" grpId="0" nodeType="withEffect">
+                                  <p:stCondLst>
+                                    <p:cond delay="0"/>
+                                  </p:stCondLst>
+                                  <p:childTnLst>
+                                    <p:set>
+                                      <p:cBhvr>
+                                        <p:cTn id="22" dur="1" fill="hold">
+                                          <p:stCondLst>
+                                            <p:cond delay="0"/>
+                                          </p:stCondLst>
+                                        </p:cTn>
+                                        <p:tgtEl>
+                                          <p:spTgt spid="4"/>
+                                        </p:tgtEl>
+                                        <p:attrNameLst>
+                                          <p:attrName>style.visibility</p:attrName>
+                                        </p:attrNameLst>
+                                      </p:cBhvr>
+                                      <p:to>
+                                        <p:strVal val="visible"/>
+                                      </p:to>
+                                    </p:set>
+                                    <p:animEffect transition="in" filter="wipe(down)">
+                                      <p:cBhvr>
+                                        <p:cTn id="23" dur="580">
+                                          <p:stCondLst>
+                                            <p:cond delay="0"/>
+                                          </p:stCondLst>
+                                        </p:cTn>
+                                        <p:tgtEl>
+                                          <p:spTgt spid="4"/>
+                                        </p:tgtEl>
+                                      </p:cBhvr>
+                                    </p:animEffect>
+                                    <p:anim calcmode="lin" valueType="num">
+                                      <p:cBhvr>
+                                        <p:cTn id="24" dur="1822" tmFilter="0,0; 0.14,0.36; 0.43,0.73; 0.71,0.91; 1.0,1.0">
+                                          <p:stCondLst>
+                                            <p:cond delay="0"/>
+                                          </p:stCondLst>
+                                        </p:cTn>
+                                        <p:tgtEl>
+                                          <p:spTgt spid="4"/>
+                                        </p:tgtEl>
+                                        <p:attrNameLst>
+                                          <p:attrName>ppt_x</p:attrName>
+                                        </p:attrNameLst>
+                                      </p:cBhvr>
+                                      <p:tavLst>
+                                        <p:tav tm="0">
+                                          <p:val>
+                                            <p:strVal val="#ppt_x-0.25"/>
+                                          </p:val>
+                                        </p:tav>
+                                        <p:tav tm="100000">
+                                          <p:val>
+                                            <p:strVal val="#ppt_x"/>
+                                          </p:val>
+                                        </p:tav>
+                                      </p:tavLst>
+                                    </p:anim>
+                                    <p:anim calcmode="lin" valueType="num">
+                                      <p:cBhvr>
+                                        <p:cTn id="25" dur="664" tmFilter="0.0,0.0; 0.25,0.07; 0.50,0.2; 0.75,0.467; 1.0,1.0">
+                                          <p:stCondLst>
+                                            <p:cond delay="0"/>
+                                          </p:stCondLst>
+                                        </p:cTn>
+                                        <p:tgtEl>
+                                          <p:spTgt spid="4"/>
+                                        </p:tgtEl>
+                                        <p:attrNameLst>
+                                          <p:attrName>ppt_y</p:attrName>
+                                        </p:attrNameLst>
+                                      </p:cBhvr>
+                                      <p:tavLst>
+                                        <p:tav tm="0" fmla="#ppt_y-sin(pi*$)/3">
+                                          <p:val>
+                                            <p:fltVal val="0.5"/>
+                                          </p:val>
+                                        </p:tav>
+                                        <p:tav tm="100000">
+                                          <p:val>
+                                            <p:fltVal val="1"/>
+                                          </p:val>
+                                        </p:tav>
+                                      </p:tavLst>
+                                    </p:anim>
+                                    <p:anim calcmode="lin" valueType="num">
+                                      <p:cBhvr>
+                                        <p:cTn id="26" dur="664" tmFilter="0, 0; 0.125,0.2665; 0.25,0.4; 0.375,0.465; 0.5,0.5;  0.625,0.535; 0.75,0.6; 0.875,0.7335; 1,1">
+                                          <p:stCondLst>
+                                            <p:cond delay="664"/>
+                                          </p:stCondLst>
+                                        </p:cTn>
+                                        <p:tgtEl>
+                                          <p:spTgt spid="4"/>
+                                        </p:tgtEl>
+                                        <p:attrNameLst>
+                                          <p:attrName>ppt_y</p:attrName>
+                                        </p:attrNameLst>
+                                      </p:cBhvr>
+                                      <p:tavLst>
+                                        <p:tav tm="0" fmla="#ppt_y-sin(pi*$)/9">
+                                          <p:val>
+                                            <p:fltVal val="0"/>
+                                          </p:val>
+                                        </p:tav>
+                                        <p:tav tm="100000">
+                                          <p:val>
+                                            <p:fltVal val="1"/>
+                                          </p:val>
+                                        </p:tav>
+                                      </p:tavLst>
+                                    </p:anim>
+                                    <p:anim calcmode="lin" valueType="num">
+                                      <p:cBhvr>
+                                        <p:cTn id="27" dur="332" tmFilter="0, 0; 0.125,0.2665; 0.25,0.4; 0.375,0.465; 0.5,0.5;  0.625,0.535; 0.75,0.6; 0.875,0.7335; 1,1">
+                                          <p:stCondLst>
+                                            <p:cond delay="1324"/>
+                                          </p:stCondLst>
+                                        </p:cTn>
+                                        <p:tgtEl>
+                                          <p:spTgt spid="4"/>
+                                        </p:tgtEl>
+                                        <p:attrNameLst>
+                                          <p:attrName>ppt_y</p:attrName>
+                                        </p:attrNameLst>
+                                      </p:cBhvr>
+                                      <p:tavLst>
+                                        <p:tav tm="0" fmla="#ppt_y-sin(pi*$)/27">
+                                          <p:val>
+                                            <p:fltVal val="0"/>
+                                          </p:val>
+                                        </p:tav>
+                                        <p:tav tm="100000">
+                                          <p:val>
+                                            <p:fltVal val="1"/>
+                                          </p:val>
+                                        </p:tav>
+                                      </p:tavLst>
+                                    </p:anim>
+                                    <p:anim calcmode="lin" valueType="num">
+                                      <p:cBhvr>
+                                        <p:cTn id="28" dur="164" tmFilter="0, 0; 0.125,0.2665; 0.25,0.4; 0.375,0.465; 0.5,0.5;  0.625,0.535; 0.75,0.6; 0.875,0.7335; 1,1">
+                                          <p:stCondLst>
+                                            <p:cond delay="1656"/>
+                                          </p:stCondLst>
+                                        </p:cTn>
+                                        <p:tgtEl>
+                                          <p:spTgt spid="4"/>
+                                        </p:tgtEl>
+                                        <p:attrNameLst>
+                                          <p:attrName>ppt_y</p:attrName>
+                                        </p:attrNameLst>
+                                      </p:cBhvr>
+                                      <p:tavLst>
+                                        <p:tav tm="0" fmla="#ppt_y-sin(pi*$)/81">
+                                          <p:val>
+                                            <p:fltVal val="0"/>
+                                          </p:val>
+                                        </p:tav>
+                                        <p:tav tm="100000">
+                                          <p:val>
+                                            <p:fltVal val="1"/>
+                                          </p:val>
+                                        </p:tav>
+                                      </p:tavLst>
+                                    </p:anim>
+                                    <p:animScale>
+                                      <p:cBhvr>
+                                        <p:cTn id="29" dur="26">
+                                          <p:stCondLst>
+                                            <p:cond delay="650"/>
+                                          </p:stCondLst>
+                                        </p:cTn>
+                                        <p:tgtEl>
+                                          <p:spTgt spid="4"/>
+                                        </p:tgtEl>
+                                      </p:cBhvr>
+                                      <p:to x="100000" y="60000"/>
+                                    </p:animScale>
+                                    <p:animScale>
+                                      <p:cBhvr>
+                                        <p:cTn id="30" dur="166" decel="50000">
+                                          <p:stCondLst>
+                                            <p:cond delay="676"/>
+                                          </p:stCondLst>
+                                        </p:cTn>
+                                        <p:tgtEl>
+                                          <p:spTgt spid="4"/>
+                                        </p:tgtEl>
+                                      </p:cBhvr>
+                                      <p:to x="100000" y="100000"/>
+                                    </p:animScale>
+                                    <p:animScale>
+                                      <p:cBhvr>
+                                        <p:cTn id="31" dur="26">
+                                          <p:stCondLst>
+                                            <p:cond delay="1312"/>
+                                          </p:stCondLst>
+                                        </p:cTn>
+                                        <p:tgtEl>
+                                          <p:spTgt spid="4"/>
+                                        </p:tgtEl>
+                                      </p:cBhvr>
+                                      <p:to x="100000" y="80000"/>
+                                    </p:animScale>
+                                    <p:animScale>
+                                      <p:cBhvr>
+                                        <p:cTn id="32" dur="166" decel="50000">
+                                          <p:stCondLst>
+                                            <p:cond delay="1338"/>
+                                          </p:stCondLst>
+                                        </p:cTn>
+                                        <p:tgtEl>
+                                          <p:spTgt spid="4"/>
+                                        </p:tgtEl>
+                                      </p:cBhvr>
+                                      <p:to x="100000" y="100000"/>
+                                    </p:animScale>
+                                    <p:animScale>
+                                      <p:cBhvr>
+                                        <p:cTn id="33" dur="26">
+                                          <p:stCondLst>
+                                            <p:cond delay="1642"/>
+                                          </p:stCondLst>
+                                        </p:cTn>
+                                        <p:tgtEl>
+                                          <p:spTgt spid="4"/>
+                                        </p:tgtEl>
+                                      </p:cBhvr>
+                                      <p:to x="100000" y="90000"/>
+                                    </p:animScale>
+                                    <p:animScale>
+                                      <p:cBhvr>
+                                        <p:cTn id="34" dur="166" decel="50000">
+                                          <p:stCondLst>
+                                            <p:cond delay="1668"/>
+                                          </p:stCondLst>
+                                        </p:cTn>
+                                        <p:tgtEl>
+                                          <p:spTgt spid="4"/>
+                                        </p:tgtEl>
+                                      </p:cBhvr>
+                                      <p:to x="100000" y="100000"/>
+                                    </p:animScale>
+                                    <p:animScale>
+                                      <p:cBhvr>
+                                        <p:cTn id="35" dur="26">
+                                          <p:stCondLst>
+                                            <p:cond delay="1808"/>
+                                          </p:stCondLst>
+                                        </p:cTn>
+                                        <p:tgtEl>
+                                          <p:spTgt spid="4"/>
+                                        </p:tgtEl>
+                                      </p:cBhvr>
+                                      <p:to x="100000" y="95000"/>
+                                    </p:animScale>
+                                    <p:animScale>
+                                      <p:cBhvr>
+                                        <p:cTn id="36" dur="166" decel="50000">
+                                          <p:stCondLst>
+                                            <p:cond delay="1834"/>
+                                          </p:stCondLst>
+                                        </p:cTn>
+                                        <p:tgtEl>
+                                          <p:spTgt spid="4"/>
+                                        </p:tgtEl>
+                                      </p:cBhvr>
+                                      <p:to x="100000" y="100000"/>
+                                    </p:animScale>
+                                  </p:childTnLst>
+                                </p:cTn>
+                              </p:par>
+                            </p:childTnLst>
+                          </p:cTn>
+                        </p:par>
+                      </p:childTnLst>
+                    </p:cTn>
+                  </p:par>
+                  <p:par>
+                    <p:cTn id="37" fill="hold">
+                      <p:stCondLst>
+                        <p:cond delay="indefinite"/>
+                      </p:stCondLst>
+                      <p:childTnLst>
+                        <p:par>
+                          <p:cTn id="38" fill="hold">
+                            <p:stCondLst>
+                              <p:cond delay="0"/>
+                            </p:stCondLst>
+                            <p:childTnLst>
+                              <p:par>
+                                <p:cTn id="39" presetID="2" presetClass="entr" presetSubtype="4" fill="hold" grpId="0" nodeType="clickEffect">
+                                  <p:stCondLst>
+                                    <p:cond delay="0"/>
+                                  </p:stCondLst>
+                                  <p:childTnLst>
+                                    <p:set>
+                                      <p:cBhvr>
+                                        <p:cTn id="40" dur="1" fill="hold">
+                                          <p:stCondLst>
+                                            <p:cond delay="0"/>
+                                          </p:stCondLst>
+                                        </p:cTn>
+                                        <p:tgtEl>
+                                          <p:spTgt spid="6"/>
+                                        </p:tgtEl>
+                                        <p:attrNameLst>
+                                          <p:attrName>style.visibility</p:attrName>
+                                        </p:attrNameLst>
+                                      </p:cBhvr>
+                                      <p:to>
+                                        <p:strVal val="visible"/>
+                                      </p:to>
+                                    </p:set>
+                                    <p:anim calcmode="lin" valueType="num">
+                                      <p:cBhvr additive="base">
+                                        <p:cTn id="41" dur="500" fill="hold"/>
+                                        <p:tgtEl>
+                                          <p:spTgt spid="6"/>
+                                        </p:tgtEl>
+                                        <p:attrNameLst>
+                                          <p:attrName>ppt_x</p:attrName>
+                                        </p:attrNameLst>
+                                      </p:cBhvr>
+                                      <p:tavLst>
+                                        <p:tav tm="0">
+                                          <p:val>
+                                            <p:strVal val="#ppt_x"/>
+                                          </p:val>
+                                        </p:tav>
+                                        <p:tav tm="100000">
+                                          <p:val>
+                                            <p:strVal val="#ppt_x"/>
+                                          </p:val>
+                                        </p:tav>
+                                      </p:tavLst>
+                                    </p:anim>
+                                    <p:anim calcmode="lin" valueType="num">
+                                      <p:cBhvr additive="base">
+                                        <p:cTn id="42" dur="500" fill="hold"/>
+                                        <p:tgtEl>
+                                          <p:spTgt spid="6"/>
+                                        </p:tgtEl>
+                                        <p:attrNameLst>
+                                          <p:attrName>ppt_y</p:attrName>
+                                        </p:attrNameLst>
+                                      </p:cBhvr>
+                                      <p:tavLst>
+                                        <p:tav tm="0">
+                                          <p:val>
+                                            <p:strVal val="1+#ppt_h/2"/>
+                                          </p:val>
+                                        </p:tav>
+                                        <p:tav tm="100000">
+                                          <p:val>
+                                            <p:strVal val="#ppt_y"/>
+                                          </p:val>
+                                        </p:tav>
+                                      </p:tavLst>
+                                    </p:anim>
+                                  </p:childTnLst>
+                                </p:cTn>
+                              </p:par>
+                              <p:par>
+                                <p:cTn id="43" presetID="2" presetClass="entr" presetSubtype="4" fill="hold" grpId="0" nodeType="withEffect">
+                                  <p:stCondLst>
+                                    <p:cond delay="0"/>
+                                  </p:stCondLst>
+                                  <p:childTnLst>
+                                    <p:set>
+                                      <p:cBhvr>
+                                        <p:cTn id="44" dur="1" fill="hold">
+                                          <p:stCondLst>
+                                            <p:cond delay="0"/>
+                                          </p:stCondLst>
+                                        </p:cTn>
+                                        <p:tgtEl>
+                                          <p:spTgt spid="8"/>
+                                        </p:tgtEl>
+                                        <p:attrNameLst>
+                                          <p:attrName>style.visibility</p:attrName>
+                                        </p:attrNameLst>
+                                      </p:cBhvr>
+                                      <p:to>
+                                        <p:strVal val="visible"/>
+                                      </p:to>
+                                    </p:set>
+                                    <p:anim calcmode="lin" valueType="num">
+                                      <p:cBhvr additive="base">
+                                        <p:cTn id="45" dur="500" fill="hold"/>
+                                        <p:tgtEl>
+                                          <p:spTgt spid="8"/>
+                                        </p:tgtEl>
+                                        <p:attrNameLst>
+                                          <p:attrName>ppt_x</p:attrName>
+                                        </p:attrNameLst>
+                                      </p:cBhvr>
+                                      <p:tavLst>
+                                        <p:tav tm="0">
+                                          <p:val>
+                                            <p:strVal val="#ppt_x"/>
+                                          </p:val>
+                                        </p:tav>
+                                        <p:tav tm="100000">
+                                          <p:val>
+                                            <p:strVal val="#ppt_x"/>
+                                          </p:val>
+                                        </p:tav>
+                                      </p:tavLst>
+                                    </p:anim>
+                                    <p:anim calcmode="lin" valueType="num">
+                                      <p:cBhvr additive="base">
+                                        <p:cTn id="46" dur="500" fill="hold"/>
+                                        <p:tgtEl>
+                                          <p:spTgt spid="8"/>
+                                        </p:tgtEl>
+                                        <p:attrNameLst>
+                                          <p:attrName>ppt_y</p:attrName>
+                                        </p:attrNameLst>
+                                      </p:cBhvr>
+                                      <p:tavLst>
+                                        <p:tav tm="0">
+                                          <p:val>
+                                            <p:strVal val="1+#ppt_h/2"/>
+                                          </p:val>
+                                        </p:tav>
+                                        <p:tav tm="100000">
+                                          <p:val>
+                                            <p:strVal val="#ppt_y"/>
+                                          </p:val>
+                                        </p:tav>
+                                      </p:tavLst>
+                                    </p:anim>
+                                  </p:childTnLst>
+                                </p:cTn>
+                              </p:par>
+                            </p:childTnLst>
+                          </p:cTn>
+                        </p:par>
+                      </p:childTnLst>
+                    </p:cTn>
+                  </p:par>
+                </p:childTnLst>
+              </p:cTn>
+              <p:prevCondLst>
+                <p:cond evt="onPrev" delay="0">
+                  <p:tgtEl>
+                    <p:sldTgt/>
+                  </p:tgtEl>
+                </p:cond>
+              </p:prevCondLst>
+              <p:nextCondLst>
+                <p:cond evt="onNext" delay="0">
+                  <p:tgtEl>
+                    <p:sldTgt/>
+                  </p:tgtEl>
+                </p:cond>
+              </p:nextCondLst>
+            </p:seq>
+          </p:childTnLst>
+        </p:cTn>
+      </p:par>
+    </p:tnLst>
+    <p:bldLst>
+      <p:bldP spid="3" grpId="0" animBg="1"/>
+      <p:bldP spid="4" grpId="0"/>
+      <p:bldP spid="6" grpId="0" animBg="1"/>
+      <p:bldP spid="8" grpId="0"/>
+    </p:bldLst>
+  </p:timing>
 </p:sld>
 </file>
 

--- a/Fluentd meetup 2019.pptx
+++ b/Fluentd meetup 2019.pptx
@@ -17736,8 +17736,8 @@
         </p:nvSpPr>
         <p:spPr>
           <a:xfrm>
-            <a:off x="2514601" y="1780674"/>
-            <a:ext cx="1902326" cy="315495"/>
+            <a:off x="2514601" y="1836243"/>
+            <a:ext cx="1902326" cy="223584"/>
           </a:xfrm>
           <a:prstGeom prst="ellipse">
             <a:avLst/>
@@ -17788,8 +17788,8 @@
         </p:nvSpPr>
         <p:spPr>
           <a:xfrm>
-            <a:off x="2548516" y="2868838"/>
-            <a:ext cx="2113051" cy="315495"/>
+            <a:off x="2514601" y="2921466"/>
+            <a:ext cx="2113051" cy="220850"/>
           </a:xfrm>
           <a:prstGeom prst="ellipse">
             <a:avLst/>
@@ -17840,8 +17840,8 @@
         </p:nvSpPr>
         <p:spPr>
           <a:xfrm>
-            <a:off x="2548517" y="5213659"/>
-            <a:ext cx="1919210" cy="315495"/>
+            <a:off x="2548517" y="5289958"/>
+            <a:ext cx="1919210" cy="239196"/>
           </a:xfrm>
           <a:prstGeom prst="ellipse">
             <a:avLst/>
@@ -17892,8 +17892,8 @@
         </p:nvSpPr>
         <p:spPr>
           <a:xfrm>
-            <a:off x="3360821" y="5743271"/>
-            <a:ext cx="1596190" cy="315495"/>
+            <a:off x="3360821" y="5847927"/>
+            <a:ext cx="1596190" cy="210839"/>
           </a:xfrm>
           <a:prstGeom prst="ellipse">
             <a:avLst/>
@@ -17945,7 +17945,7 @@
         <p:spPr>
           <a:xfrm>
             <a:off x="3360821" y="6410876"/>
-            <a:ext cx="1967832" cy="256948"/>
+            <a:ext cx="1967832" cy="204335"/>
           </a:xfrm>
           <a:prstGeom prst="ellipse">
             <a:avLst/>
@@ -17996,8 +17996,8 @@
         </p:nvSpPr>
         <p:spPr>
           <a:xfrm>
-            <a:off x="2548516" y="4684047"/>
-            <a:ext cx="2113052" cy="315495"/>
+            <a:off x="2514601" y="4757201"/>
+            <a:ext cx="2113052" cy="197076"/>
           </a:xfrm>
           <a:prstGeom prst="ellipse">
             <a:avLst/>
@@ -18062,7 +18062,7 @@
         </p:blipFill>
         <p:spPr>
           <a:xfrm>
-            <a:off x="2231736" y="1754564"/>
+            <a:off x="2080721" y="1712547"/>
             <a:ext cx="3655550" cy="379094"/>
           </a:xfrm>
           <a:prstGeom prst="rect">
@@ -18103,7 +18103,7 @@
         </p:blipFill>
         <p:spPr>
           <a:xfrm>
-            <a:off x="2210280" y="2863402"/>
+            <a:off x="2132371" y="2826025"/>
             <a:ext cx="3603266" cy="326580"/>
           </a:xfrm>
           <a:prstGeom prst="rect">
@@ -18144,7 +18144,7 @@
         </p:blipFill>
         <p:spPr>
           <a:xfrm>
-            <a:off x="2117749" y="4684820"/>
+            <a:off x="2117749" y="4685002"/>
             <a:ext cx="3788328" cy="266707"/>
           </a:xfrm>
           <a:prstGeom prst="rect">
@@ -18185,7 +18185,7 @@
         </p:blipFill>
         <p:spPr>
           <a:xfrm>
-            <a:off x="2117749" y="5201793"/>
+            <a:off x="2210280" y="5240855"/>
             <a:ext cx="3396432" cy="299365"/>
           </a:xfrm>
           <a:prstGeom prst="rect">
@@ -18226,7 +18226,7 @@
         </p:blipFill>
         <p:spPr>
           <a:xfrm>
-            <a:off x="2514601" y="5749153"/>
+            <a:off x="2462890" y="5781534"/>
             <a:ext cx="3908074" cy="277593"/>
           </a:xfrm>
           <a:prstGeom prst="rect">
@@ -18267,7 +18267,7 @@
         </p:blipFill>
         <p:spPr>
           <a:xfrm>
-            <a:off x="2252426" y="6415933"/>
+            <a:off x="2609980" y="6349543"/>
             <a:ext cx="4430602" cy="228606"/>
           </a:xfrm>
           <a:prstGeom prst="rect">
@@ -20655,7 +20655,7 @@
         </p:blipFill>
         <p:spPr>
           <a:xfrm>
-            <a:off x="890243" y="1871963"/>
+            <a:off x="890243" y="1801624"/>
             <a:ext cx="4758298" cy="4351338"/>
           </a:xfrm>
           <a:prstGeom prst="rect">
@@ -21233,170 +21233,6 @@
           </a:prstGeom>
         </p:spPr>
       </p:pic>
-      <p:sp>
-        <p:nvSpPr>
-          <p:cNvPr id="3" name="矢印: ストライプ 2">
-            <a:extLst>
-              <a:ext uri="{FF2B5EF4-FFF2-40B4-BE49-F238E27FC236}">
-                <a16:creationId xmlns:a16="http://schemas.microsoft.com/office/drawing/2014/main" id="{C7CFE177-048F-4CD9-8C48-E49C572DF77C}"/>
-              </a:ext>
-            </a:extLst>
-          </p:cNvPr>
-          <p:cNvSpPr/>
-          <p:nvPr/>
-        </p:nvSpPr>
-        <p:spPr>
-          <a:xfrm rot="5400000">
-            <a:off x="4248545" y="3416214"/>
-            <a:ext cx="1174446" cy="222737"/>
-          </a:xfrm>
-          <a:prstGeom prst="stripedRightArrow">
-            <a:avLst/>
-          </a:prstGeom>
-        </p:spPr>
-        <p:style>
-          <a:lnRef idx="2">
-            <a:schemeClr val="accent1">
-              <a:shade val="50000"/>
-            </a:schemeClr>
-          </a:lnRef>
-          <a:fillRef idx="1">
-            <a:schemeClr val="accent1"/>
-          </a:fillRef>
-          <a:effectRef idx="0">
-            <a:schemeClr val="accent1"/>
-          </a:effectRef>
-          <a:fontRef idx="minor">
-            <a:schemeClr val="lt1"/>
-          </a:fontRef>
-        </p:style>
-        <p:txBody>
-          <a:bodyPr rtlCol="0" anchor="ctr"/>
-          <a:lstStyle/>
-          <a:p>
-            <a:pPr algn="ctr"/>
-            <a:endParaRPr kumimoji="1" lang="ja-JP" altLang="en-US"/>
-          </a:p>
-        </p:txBody>
-      </p:sp>
-      <p:sp>
-        <p:nvSpPr>
-          <p:cNvPr id="4" name="テキスト ボックス 3">
-            <a:extLst>
-              <a:ext uri="{FF2B5EF4-FFF2-40B4-BE49-F238E27FC236}">
-                <a16:creationId xmlns:a16="http://schemas.microsoft.com/office/drawing/2014/main" id="{70B97599-42F0-47A7-8911-B6DB04DF3ED3}"/>
-              </a:ext>
-            </a:extLst>
-          </p:cNvPr>
-          <p:cNvSpPr txBox="1"/>
-          <p:nvPr/>
-        </p:nvSpPr>
-        <p:spPr>
-          <a:xfrm>
-            <a:off x="4947137" y="3342916"/>
-            <a:ext cx="750277" cy="369332"/>
-          </a:xfrm>
-          <a:prstGeom prst="rect">
-            <a:avLst/>
-          </a:prstGeom>
-          <a:noFill/>
-        </p:spPr>
-        <p:txBody>
-          <a:bodyPr wrap="square" rtlCol="0">
-            <a:spAutoFit/>
-          </a:bodyPr>
-          <a:lstStyle/>
-          <a:p>
-            <a:r>
-              <a:rPr kumimoji="1" lang="en-US" altLang="ja-JP" dirty="0"/>
-              <a:t>Down</a:t>
-            </a:r>
-            <a:endParaRPr kumimoji="1" lang="ja-JP" altLang="en-US" dirty="0"/>
-          </a:p>
-        </p:txBody>
-      </p:sp>
-      <p:sp>
-        <p:nvSpPr>
-          <p:cNvPr id="6" name="矢印: 上 5">
-            <a:extLst>
-              <a:ext uri="{FF2B5EF4-FFF2-40B4-BE49-F238E27FC236}">
-                <a16:creationId xmlns:a16="http://schemas.microsoft.com/office/drawing/2014/main" id="{C7B2B59F-C534-44A0-BA41-E068805984BE}"/>
-              </a:ext>
-            </a:extLst>
-          </p:cNvPr>
-          <p:cNvSpPr/>
-          <p:nvPr/>
-        </p:nvSpPr>
-        <p:spPr>
-          <a:xfrm>
-            <a:off x="4640344" y="5074603"/>
-            <a:ext cx="390847" cy="181707"/>
-          </a:xfrm>
-          <a:prstGeom prst="upArrow">
-            <a:avLst/>
-          </a:prstGeom>
-        </p:spPr>
-        <p:style>
-          <a:lnRef idx="2">
-            <a:schemeClr val="accent1">
-              <a:shade val="50000"/>
-            </a:schemeClr>
-          </a:lnRef>
-          <a:fillRef idx="1">
-            <a:schemeClr val="accent1"/>
-          </a:fillRef>
-          <a:effectRef idx="0">
-            <a:schemeClr val="accent1"/>
-          </a:effectRef>
-          <a:fontRef idx="minor">
-            <a:schemeClr val="lt1"/>
-          </a:fontRef>
-        </p:style>
-        <p:txBody>
-          <a:bodyPr rtlCol="0" anchor="ctr"/>
-          <a:lstStyle/>
-          <a:p>
-            <a:pPr algn="ctr"/>
-            <a:endParaRPr kumimoji="1" lang="ja-JP" altLang="en-US"/>
-          </a:p>
-        </p:txBody>
-      </p:sp>
-      <p:sp>
-        <p:nvSpPr>
-          <p:cNvPr id="8" name="テキスト ボックス 7">
-            <a:extLst>
-              <a:ext uri="{FF2B5EF4-FFF2-40B4-BE49-F238E27FC236}">
-                <a16:creationId xmlns:a16="http://schemas.microsoft.com/office/drawing/2014/main" id="{05549C98-1F23-42CA-8ACA-A077C9E81749}"/>
-              </a:ext>
-            </a:extLst>
-          </p:cNvPr>
-          <p:cNvSpPr txBox="1"/>
-          <p:nvPr/>
-        </p:nvSpPr>
-        <p:spPr>
-          <a:xfrm>
-            <a:off x="5031191" y="4941277"/>
-            <a:ext cx="1187901" cy="369332"/>
-          </a:xfrm>
-          <a:prstGeom prst="rect">
-            <a:avLst/>
-          </a:prstGeom>
-          <a:noFill/>
-        </p:spPr>
-        <p:txBody>
-          <a:bodyPr wrap="square" rtlCol="0">
-            <a:spAutoFit/>
-          </a:bodyPr>
-          <a:lstStyle/>
-          <a:p>
-            <a:r>
-              <a:rPr kumimoji="1" lang="en-US" altLang="ja-JP" dirty="0"/>
-              <a:t>Slightly Up</a:t>
-            </a:r>
-            <a:endParaRPr kumimoji="1" lang="ja-JP" altLang="en-US" dirty="0"/>
-          </a:p>
-        </p:txBody>
-      </p:sp>
     </p:spTree>
     <p:extLst>
       <p:ext uri="{BB962C8B-B14F-4D97-AF65-F5344CB8AC3E}">
@@ -21407,780 +21243,6 @@
   <p:clrMapOvr>
     <a:masterClrMapping/>
   </p:clrMapOvr>
-  <p:timing>
-    <p:tnLst>
-      <p:par>
-        <p:cTn id="1" dur="indefinite" restart="never" nodeType="tmRoot">
-          <p:childTnLst>
-            <p:seq concurrent="1" nextAc="seek">
-              <p:cTn id="2" dur="indefinite" nodeType="mainSeq">
-                <p:childTnLst>
-                  <p:par>
-                    <p:cTn id="3" fill="hold">
-                      <p:stCondLst>
-                        <p:cond delay="indefinite"/>
-                      </p:stCondLst>
-                      <p:childTnLst>
-                        <p:par>
-                          <p:cTn id="4" fill="hold">
-                            <p:stCondLst>
-                              <p:cond delay="0"/>
-                            </p:stCondLst>
-                            <p:childTnLst>
-                              <p:par>
-                                <p:cTn id="5" presetID="26" presetClass="entr" presetSubtype="0" fill="hold" grpId="0" nodeType="clickEffect">
-                                  <p:stCondLst>
-                                    <p:cond delay="0"/>
-                                  </p:stCondLst>
-                                  <p:childTnLst>
-                                    <p:set>
-                                      <p:cBhvr>
-                                        <p:cTn id="6" dur="1" fill="hold">
-                                          <p:stCondLst>
-                                            <p:cond delay="0"/>
-                                          </p:stCondLst>
-                                        </p:cTn>
-                                        <p:tgtEl>
-                                          <p:spTgt spid="3"/>
-                                        </p:tgtEl>
-                                        <p:attrNameLst>
-                                          <p:attrName>style.visibility</p:attrName>
-                                        </p:attrNameLst>
-                                      </p:cBhvr>
-                                      <p:to>
-                                        <p:strVal val="visible"/>
-                                      </p:to>
-                                    </p:set>
-                                    <p:animEffect transition="in" filter="wipe(down)">
-                                      <p:cBhvr>
-                                        <p:cTn id="7" dur="580">
-                                          <p:stCondLst>
-                                            <p:cond delay="0"/>
-                                          </p:stCondLst>
-                                        </p:cTn>
-                                        <p:tgtEl>
-                                          <p:spTgt spid="3"/>
-                                        </p:tgtEl>
-                                      </p:cBhvr>
-                                    </p:animEffect>
-                                    <p:anim calcmode="lin" valueType="num">
-                                      <p:cBhvr>
-                                        <p:cTn id="8" dur="1822" tmFilter="0,0; 0.14,0.36; 0.43,0.73; 0.71,0.91; 1.0,1.0">
-                                          <p:stCondLst>
-                                            <p:cond delay="0"/>
-                                          </p:stCondLst>
-                                        </p:cTn>
-                                        <p:tgtEl>
-                                          <p:spTgt spid="3"/>
-                                        </p:tgtEl>
-                                        <p:attrNameLst>
-                                          <p:attrName>ppt_x</p:attrName>
-                                        </p:attrNameLst>
-                                      </p:cBhvr>
-                                      <p:tavLst>
-                                        <p:tav tm="0">
-                                          <p:val>
-                                            <p:strVal val="#ppt_x-0.25"/>
-                                          </p:val>
-                                        </p:tav>
-                                        <p:tav tm="100000">
-                                          <p:val>
-                                            <p:strVal val="#ppt_x"/>
-                                          </p:val>
-                                        </p:tav>
-                                      </p:tavLst>
-                                    </p:anim>
-                                    <p:anim calcmode="lin" valueType="num">
-                                      <p:cBhvr>
-                                        <p:cTn id="9" dur="664" tmFilter="0.0,0.0; 0.25,0.07; 0.50,0.2; 0.75,0.467; 1.0,1.0">
-                                          <p:stCondLst>
-                                            <p:cond delay="0"/>
-                                          </p:stCondLst>
-                                        </p:cTn>
-                                        <p:tgtEl>
-                                          <p:spTgt spid="3"/>
-                                        </p:tgtEl>
-                                        <p:attrNameLst>
-                                          <p:attrName>ppt_y</p:attrName>
-                                        </p:attrNameLst>
-                                      </p:cBhvr>
-                                      <p:tavLst>
-                                        <p:tav tm="0" fmla="#ppt_y-sin(pi*$)/3">
-                                          <p:val>
-                                            <p:fltVal val="0.5"/>
-                                          </p:val>
-                                        </p:tav>
-                                        <p:tav tm="100000">
-                                          <p:val>
-                                            <p:fltVal val="1"/>
-                                          </p:val>
-                                        </p:tav>
-                                      </p:tavLst>
-                                    </p:anim>
-                                    <p:anim calcmode="lin" valueType="num">
-                                      <p:cBhvr>
-                                        <p:cTn id="10" dur="664" tmFilter="0, 0; 0.125,0.2665; 0.25,0.4; 0.375,0.465; 0.5,0.5;  0.625,0.535; 0.75,0.6; 0.875,0.7335; 1,1">
-                                          <p:stCondLst>
-                                            <p:cond delay="664"/>
-                                          </p:stCondLst>
-                                        </p:cTn>
-                                        <p:tgtEl>
-                                          <p:spTgt spid="3"/>
-                                        </p:tgtEl>
-                                        <p:attrNameLst>
-                                          <p:attrName>ppt_y</p:attrName>
-                                        </p:attrNameLst>
-                                      </p:cBhvr>
-                                      <p:tavLst>
-                                        <p:tav tm="0" fmla="#ppt_y-sin(pi*$)/9">
-                                          <p:val>
-                                            <p:fltVal val="0"/>
-                                          </p:val>
-                                        </p:tav>
-                                        <p:tav tm="100000">
-                                          <p:val>
-                                            <p:fltVal val="1"/>
-                                          </p:val>
-                                        </p:tav>
-                                      </p:tavLst>
-                                    </p:anim>
-                                    <p:anim calcmode="lin" valueType="num">
-                                      <p:cBhvr>
-                                        <p:cTn id="11" dur="332" tmFilter="0, 0; 0.125,0.2665; 0.25,0.4; 0.375,0.465; 0.5,0.5;  0.625,0.535; 0.75,0.6; 0.875,0.7335; 1,1">
-                                          <p:stCondLst>
-                                            <p:cond delay="1324"/>
-                                          </p:stCondLst>
-                                        </p:cTn>
-                                        <p:tgtEl>
-                                          <p:spTgt spid="3"/>
-                                        </p:tgtEl>
-                                        <p:attrNameLst>
-                                          <p:attrName>ppt_y</p:attrName>
-                                        </p:attrNameLst>
-                                      </p:cBhvr>
-                                      <p:tavLst>
-                                        <p:tav tm="0" fmla="#ppt_y-sin(pi*$)/27">
-                                          <p:val>
-                                            <p:fltVal val="0"/>
-                                          </p:val>
-                                        </p:tav>
-                                        <p:tav tm="100000">
-                                          <p:val>
-                                            <p:fltVal val="1"/>
-                                          </p:val>
-                                        </p:tav>
-                                      </p:tavLst>
-                                    </p:anim>
-                                    <p:anim calcmode="lin" valueType="num">
-                                      <p:cBhvr>
-                                        <p:cTn id="12" dur="164" tmFilter="0, 0; 0.125,0.2665; 0.25,0.4; 0.375,0.465; 0.5,0.5;  0.625,0.535; 0.75,0.6; 0.875,0.7335; 1,1">
-                                          <p:stCondLst>
-                                            <p:cond delay="1656"/>
-                                          </p:stCondLst>
-                                        </p:cTn>
-                                        <p:tgtEl>
-                                          <p:spTgt spid="3"/>
-                                        </p:tgtEl>
-                                        <p:attrNameLst>
-                                          <p:attrName>ppt_y</p:attrName>
-                                        </p:attrNameLst>
-                                      </p:cBhvr>
-                                      <p:tavLst>
-                                        <p:tav tm="0" fmla="#ppt_y-sin(pi*$)/81">
-                                          <p:val>
-                                            <p:fltVal val="0"/>
-                                          </p:val>
-                                        </p:tav>
-                                        <p:tav tm="100000">
-                                          <p:val>
-                                            <p:fltVal val="1"/>
-                                          </p:val>
-                                        </p:tav>
-                                      </p:tavLst>
-                                    </p:anim>
-                                    <p:animScale>
-                                      <p:cBhvr>
-                                        <p:cTn id="13" dur="26">
-                                          <p:stCondLst>
-                                            <p:cond delay="650"/>
-                                          </p:stCondLst>
-                                        </p:cTn>
-                                        <p:tgtEl>
-                                          <p:spTgt spid="3"/>
-                                        </p:tgtEl>
-                                      </p:cBhvr>
-                                      <p:to x="100000" y="60000"/>
-                                    </p:animScale>
-                                    <p:animScale>
-                                      <p:cBhvr>
-                                        <p:cTn id="14" dur="166" decel="50000">
-                                          <p:stCondLst>
-                                            <p:cond delay="676"/>
-                                          </p:stCondLst>
-                                        </p:cTn>
-                                        <p:tgtEl>
-                                          <p:spTgt spid="3"/>
-                                        </p:tgtEl>
-                                      </p:cBhvr>
-                                      <p:to x="100000" y="100000"/>
-                                    </p:animScale>
-                                    <p:animScale>
-                                      <p:cBhvr>
-                                        <p:cTn id="15" dur="26">
-                                          <p:stCondLst>
-                                            <p:cond delay="1312"/>
-                                          </p:stCondLst>
-                                        </p:cTn>
-                                        <p:tgtEl>
-                                          <p:spTgt spid="3"/>
-                                        </p:tgtEl>
-                                      </p:cBhvr>
-                                      <p:to x="100000" y="80000"/>
-                                    </p:animScale>
-                                    <p:animScale>
-                                      <p:cBhvr>
-                                        <p:cTn id="16" dur="166" decel="50000">
-                                          <p:stCondLst>
-                                            <p:cond delay="1338"/>
-                                          </p:stCondLst>
-                                        </p:cTn>
-                                        <p:tgtEl>
-                                          <p:spTgt spid="3"/>
-                                        </p:tgtEl>
-                                      </p:cBhvr>
-                                      <p:to x="100000" y="100000"/>
-                                    </p:animScale>
-                                    <p:animScale>
-                                      <p:cBhvr>
-                                        <p:cTn id="17" dur="26">
-                                          <p:stCondLst>
-                                            <p:cond delay="1642"/>
-                                          </p:stCondLst>
-                                        </p:cTn>
-                                        <p:tgtEl>
-                                          <p:spTgt spid="3"/>
-                                        </p:tgtEl>
-                                      </p:cBhvr>
-                                      <p:to x="100000" y="90000"/>
-                                    </p:animScale>
-                                    <p:animScale>
-                                      <p:cBhvr>
-                                        <p:cTn id="18" dur="166" decel="50000">
-                                          <p:stCondLst>
-                                            <p:cond delay="1668"/>
-                                          </p:stCondLst>
-                                        </p:cTn>
-                                        <p:tgtEl>
-                                          <p:spTgt spid="3"/>
-                                        </p:tgtEl>
-                                      </p:cBhvr>
-                                      <p:to x="100000" y="100000"/>
-                                    </p:animScale>
-                                    <p:animScale>
-                                      <p:cBhvr>
-                                        <p:cTn id="19" dur="26">
-                                          <p:stCondLst>
-                                            <p:cond delay="1808"/>
-                                          </p:stCondLst>
-                                        </p:cTn>
-                                        <p:tgtEl>
-                                          <p:spTgt spid="3"/>
-                                        </p:tgtEl>
-                                      </p:cBhvr>
-                                      <p:to x="100000" y="95000"/>
-                                    </p:animScale>
-                                    <p:animScale>
-                                      <p:cBhvr>
-                                        <p:cTn id="20" dur="166" decel="50000">
-                                          <p:stCondLst>
-                                            <p:cond delay="1834"/>
-                                          </p:stCondLst>
-                                        </p:cTn>
-                                        <p:tgtEl>
-                                          <p:spTgt spid="3"/>
-                                        </p:tgtEl>
-                                      </p:cBhvr>
-                                      <p:to x="100000" y="100000"/>
-                                    </p:animScale>
-                                  </p:childTnLst>
-                                </p:cTn>
-                              </p:par>
-                              <p:par>
-                                <p:cTn id="21" presetID="26" presetClass="entr" presetSubtype="0" fill="hold" grpId="0" nodeType="withEffect">
-                                  <p:stCondLst>
-                                    <p:cond delay="0"/>
-                                  </p:stCondLst>
-                                  <p:childTnLst>
-                                    <p:set>
-                                      <p:cBhvr>
-                                        <p:cTn id="22" dur="1" fill="hold">
-                                          <p:stCondLst>
-                                            <p:cond delay="0"/>
-                                          </p:stCondLst>
-                                        </p:cTn>
-                                        <p:tgtEl>
-                                          <p:spTgt spid="4"/>
-                                        </p:tgtEl>
-                                        <p:attrNameLst>
-                                          <p:attrName>style.visibility</p:attrName>
-                                        </p:attrNameLst>
-                                      </p:cBhvr>
-                                      <p:to>
-                                        <p:strVal val="visible"/>
-                                      </p:to>
-                                    </p:set>
-                                    <p:animEffect transition="in" filter="wipe(down)">
-                                      <p:cBhvr>
-                                        <p:cTn id="23" dur="580">
-                                          <p:stCondLst>
-                                            <p:cond delay="0"/>
-                                          </p:stCondLst>
-                                        </p:cTn>
-                                        <p:tgtEl>
-                                          <p:spTgt spid="4"/>
-                                        </p:tgtEl>
-                                      </p:cBhvr>
-                                    </p:animEffect>
-                                    <p:anim calcmode="lin" valueType="num">
-                                      <p:cBhvr>
-                                        <p:cTn id="24" dur="1822" tmFilter="0,0; 0.14,0.36; 0.43,0.73; 0.71,0.91; 1.0,1.0">
-                                          <p:stCondLst>
-                                            <p:cond delay="0"/>
-                                          </p:stCondLst>
-                                        </p:cTn>
-                                        <p:tgtEl>
-                                          <p:spTgt spid="4"/>
-                                        </p:tgtEl>
-                                        <p:attrNameLst>
-                                          <p:attrName>ppt_x</p:attrName>
-                                        </p:attrNameLst>
-                                      </p:cBhvr>
-                                      <p:tavLst>
-                                        <p:tav tm="0">
-                                          <p:val>
-                                            <p:strVal val="#ppt_x-0.25"/>
-                                          </p:val>
-                                        </p:tav>
-                                        <p:tav tm="100000">
-                                          <p:val>
-                                            <p:strVal val="#ppt_x"/>
-                                          </p:val>
-                                        </p:tav>
-                                      </p:tavLst>
-                                    </p:anim>
-                                    <p:anim calcmode="lin" valueType="num">
-                                      <p:cBhvr>
-                                        <p:cTn id="25" dur="664" tmFilter="0.0,0.0; 0.25,0.07; 0.50,0.2; 0.75,0.467; 1.0,1.0">
-                                          <p:stCondLst>
-                                            <p:cond delay="0"/>
-                                          </p:stCondLst>
-                                        </p:cTn>
-                                        <p:tgtEl>
-                                          <p:spTgt spid="4"/>
-                                        </p:tgtEl>
-                                        <p:attrNameLst>
-                                          <p:attrName>ppt_y</p:attrName>
-                                        </p:attrNameLst>
-                                      </p:cBhvr>
-                                      <p:tavLst>
-                                        <p:tav tm="0" fmla="#ppt_y-sin(pi*$)/3">
-                                          <p:val>
-                                            <p:fltVal val="0.5"/>
-                                          </p:val>
-                                        </p:tav>
-                                        <p:tav tm="100000">
-                                          <p:val>
-                                            <p:fltVal val="1"/>
-                                          </p:val>
-                                        </p:tav>
-                                      </p:tavLst>
-                                    </p:anim>
-                                    <p:anim calcmode="lin" valueType="num">
-                                      <p:cBhvr>
-                                        <p:cTn id="26" dur="664" tmFilter="0, 0; 0.125,0.2665; 0.25,0.4; 0.375,0.465; 0.5,0.5;  0.625,0.535; 0.75,0.6; 0.875,0.7335; 1,1">
-                                          <p:stCondLst>
-                                            <p:cond delay="664"/>
-                                          </p:stCondLst>
-                                        </p:cTn>
-                                        <p:tgtEl>
-                                          <p:spTgt spid="4"/>
-                                        </p:tgtEl>
-                                        <p:attrNameLst>
-                                          <p:attrName>ppt_y</p:attrName>
-                                        </p:attrNameLst>
-                                      </p:cBhvr>
-                                      <p:tavLst>
-                                        <p:tav tm="0" fmla="#ppt_y-sin(pi*$)/9">
-                                          <p:val>
-                                            <p:fltVal val="0"/>
-                                          </p:val>
-                                        </p:tav>
-                                        <p:tav tm="100000">
-                                          <p:val>
-                                            <p:fltVal val="1"/>
-                                          </p:val>
-                                        </p:tav>
-                                      </p:tavLst>
-                                    </p:anim>
-                                    <p:anim calcmode="lin" valueType="num">
-                                      <p:cBhvr>
-                                        <p:cTn id="27" dur="332" tmFilter="0, 0; 0.125,0.2665; 0.25,0.4; 0.375,0.465; 0.5,0.5;  0.625,0.535; 0.75,0.6; 0.875,0.7335; 1,1">
-                                          <p:stCondLst>
-                                            <p:cond delay="1324"/>
-                                          </p:stCondLst>
-                                        </p:cTn>
-                                        <p:tgtEl>
-                                          <p:spTgt spid="4"/>
-                                        </p:tgtEl>
-                                        <p:attrNameLst>
-                                          <p:attrName>ppt_y</p:attrName>
-                                        </p:attrNameLst>
-                                      </p:cBhvr>
-                                      <p:tavLst>
-                                        <p:tav tm="0" fmla="#ppt_y-sin(pi*$)/27">
-                                          <p:val>
-                                            <p:fltVal val="0"/>
-                                          </p:val>
-                                        </p:tav>
-                                        <p:tav tm="100000">
-                                          <p:val>
-                                            <p:fltVal val="1"/>
-                                          </p:val>
-                                        </p:tav>
-                                      </p:tavLst>
-                                    </p:anim>
-                                    <p:anim calcmode="lin" valueType="num">
-                                      <p:cBhvr>
-                                        <p:cTn id="28" dur="164" tmFilter="0, 0; 0.125,0.2665; 0.25,0.4; 0.375,0.465; 0.5,0.5;  0.625,0.535; 0.75,0.6; 0.875,0.7335; 1,1">
-                                          <p:stCondLst>
-                                            <p:cond delay="1656"/>
-                                          </p:stCondLst>
-                                        </p:cTn>
-                                        <p:tgtEl>
-                                          <p:spTgt spid="4"/>
-                                        </p:tgtEl>
-                                        <p:attrNameLst>
-                                          <p:attrName>ppt_y</p:attrName>
-                                        </p:attrNameLst>
-                                      </p:cBhvr>
-                                      <p:tavLst>
-                                        <p:tav tm="0" fmla="#ppt_y-sin(pi*$)/81">
-                                          <p:val>
-                                            <p:fltVal val="0"/>
-                                          </p:val>
-                                        </p:tav>
-                                        <p:tav tm="100000">
-                                          <p:val>
-                                            <p:fltVal val="1"/>
-                                          </p:val>
-                                        </p:tav>
-                                      </p:tavLst>
-                                    </p:anim>
-                                    <p:animScale>
-                                      <p:cBhvr>
-                                        <p:cTn id="29" dur="26">
-                                          <p:stCondLst>
-                                            <p:cond delay="650"/>
-                                          </p:stCondLst>
-                                        </p:cTn>
-                                        <p:tgtEl>
-                                          <p:spTgt spid="4"/>
-                                        </p:tgtEl>
-                                      </p:cBhvr>
-                                      <p:to x="100000" y="60000"/>
-                                    </p:animScale>
-                                    <p:animScale>
-                                      <p:cBhvr>
-                                        <p:cTn id="30" dur="166" decel="50000">
-                                          <p:stCondLst>
-                                            <p:cond delay="676"/>
-                                          </p:stCondLst>
-                                        </p:cTn>
-                                        <p:tgtEl>
-                                          <p:spTgt spid="4"/>
-                                        </p:tgtEl>
-                                      </p:cBhvr>
-                                      <p:to x="100000" y="100000"/>
-                                    </p:animScale>
-                                    <p:animScale>
-                                      <p:cBhvr>
-                                        <p:cTn id="31" dur="26">
-                                          <p:stCondLst>
-                                            <p:cond delay="1312"/>
-                                          </p:stCondLst>
-                                        </p:cTn>
-                                        <p:tgtEl>
-                                          <p:spTgt spid="4"/>
-                                        </p:tgtEl>
-                                      </p:cBhvr>
-                                      <p:to x="100000" y="80000"/>
-                                    </p:animScale>
-                                    <p:animScale>
-                                      <p:cBhvr>
-                                        <p:cTn id="32" dur="166" decel="50000">
-                                          <p:stCondLst>
-                                            <p:cond delay="1338"/>
-                                          </p:stCondLst>
-                                        </p:cTn>
-                                        <p:tgtEl>
-                                          <p:spTgt spid="4"/>
-                                        </p:tgtEl>
-                                      </p:cBhvr>
-                                      <p:to x="100000" y="100000"/>
-                                    </p:animScale>
-                                    <p:animScale>
-                                      <p:cBhvr>
-                                        <p:cTn id="33" dur="26">
-                                          <p:stCondLst>
-                                            <p:cond delay="1642"/>
-                                          </p:stCondLst>
-                                        </p:cTn>
-                                        <p:tgtEl>
-                                          <p:spTgt spid="4"/>
-                                        </p:tgtEl>
-                                      </p:cBhvr>
-                                      <p:to x="100000" y="90000"/>
-                                    </p:animScale>
-                                    <p:animScale>
-                                      <p:cBhvr>
-                                        <p:cTn id="34" dur="166" decel="50000">
-                                          <p:stCondLst>
-                                            <p:cond delay="1668"/>
-                                          </p:stCondLst>
-                                        </p:cTn>
-                                        <p:tgtEl>
-                                          <p:spTgt spid="4"/>
-                                        </p:tgtEl>
-                                      </p:cBhvr>
-                                      <p:to x="100000" y="100000"/>
-                                    </p:animScale>
-                                    <p:animScale>
-                                      <p:cBhvr>
-                                        <p:cTn id="35" dur="26">
-                                          <p:stCondLst>
-                                            <p:cond delay="1808"/>
-                                          </p:stCondLst>
-                                        </p:cTn>
-                                        <p:tgtEl>
-                                          <p:spTgt spid="4"/>
-                                        </p:tgtEl>
-                                      </p:cBhvr>
-                                      <p:to x="100000" y="95000"/>
-                                    </p:animScale>
-                                    <p:animScale>
-                                      <p:cBhvr>
-                                        <p:cTn id="36" dur="166" decel="50000">
-                                          <p:stCondLst>
-                                            <p:cond delay="1834"/>
-                                          </p:stCondLst>
-                                        </p:cTn>
-                                        <p:tgtEl>
-                                          <p:spTgt spid="4"/>
-                                        </p:tgtEl>
-                                      </p:cBhvr>
-                                      <p:to x="100000" y="100000"/>
-                                    </p:animScale>
-                                  </p:childTnLst>
-                                </p:cTn>
-                              </p:par>
-                            </p:childTnLst>
-                          </p:cTn>
-                        </p:par>
-                      </p:childTnLst>
-                    </p:cTn>
-                  </p:par>
-                  <p:par>
-                    <p:cTn id="37" fill="hold">
-                      <p:stCondLst>
-                        <p:cond delay="indefinite"/>
-                      </p:stCondLst>
-                      <p:childTnLst>
-                        <p:par>
-                          <p:cTn id="38" fill="hold">
-                            <p:stCondLst>
-                              <p:cond delay="0"/>
-                            </p:stCondLst>
-                            <p:childTnLst>
-                              <p:par>
-                                <p:cTn id="39" presetID="2" presetClass="entr" presetSubtype="4" fill="hold" grpId="0" nodeType="clickEffect">
-                                  <p:stCondLst>
-                                    <p:cond delay="0"/>
-                                  </p:stCondLst>
-                                  <p:childTnLst>
-                                    <p:set>
-                                      <p:cBhvr>
-                                        <p:cTn id="40" dur="1" fill="hold">
-                                          <p:stCondLst>
-                                            <p:cond delay="0"/>
-                                          </p:stCondLst>
-                                        </p:cTn>
-                                        <p:tgtEl>
-                                          <p:spTgt spid="6"/>
-                                        </p:tgtEl>
-                                        <p:attrNameLst>
-                                          <p:attrName>style.visibility</p:attrName>
-                                        </p:attrNameLst>
-                                      </p:cBhvr>
-                                      <p:to>
-                                        <p:strVal val="visible"/>
-                                      </p:to>
-                                    </p:set>
-                                    <p:anim calcmode="lin" valueType="num">
-                                      <p:cBhvr additive="base">
-                                        <p:cTn id="41" dur="500" fill="hold"/>
-                                        <p:tgtEl>
-                                          <p:spTgt spid="6"/>
-                                        </p:tgtEl>
-                                        <p:attrNameLst>
-                                          <p:attrName>ppt_x</p:attrName>
-                                        </p:attrNameLst>
-                                      </p:cBhvr>
-                                      <p:tavLst>
-                                        <p:tav tm="0">
-                                          <p:val>
-                                            <p:strVal val="#ppt_x"/>
-                                          </p:val>
-                                        </p:tav>
-                                        <p:tav tm="100000">
-                                          <p:val>
-                                            <p:strVal val="#ppt_x"/>
-                                          </p:val>
-                                        </p:tav>
-                                      </p:tavLst>
-                                    </p:anim>
-                                    <p:anim calcmode="lin" valueType="num">
-                                      <p:cBhvr additive="base">
-                                        <p:cTn id="42" dur="500" fill="hold"/>
-                                        <p:tgtEl>
-                                          <p:spTgt spid="6"/>
-                                        </p:tgtEl>
-                                        <p:attrNameLst>
-                                          <p:attrName>ppt_y</p:attrName>
-                                        </p:attrNameLst>
-                                      </p:cBhvr>
-                                      <p:tavLst>
-                                        <p:tav tm="0">
-                                          <p:val>
-                                            <p:strVal val="1+#ppt_h/2"/>
-                                          </p:val>
-                                        </p:tav>
-                                        <p:tav tm="100000">
-                                          <p:val>
-                                            <p:strVal val="#ppt_y"/>
-                                          </p:val>
-                                        </p:tav>
-                                      </p:tavLst>
-                                    </p:anim>
-                                  </p:childTnLst>
-                                </p:cTn>
-                              </p:par>
-                              <p:par>
-                                <p:cTn id="43" presetID="2" presetClass="entr" presetSubtype="4" fill="hold" grpId="0" nodeType="withEffect">
-                                  <p:stCondLst>
-                                    <p:cond delay="0"/>
-                                  </p:stCondLst>
-                                  <p:childTnLst>
-                                    <p:set>
-                                      <p:cBhvr>
-                                        <p:cTn id="44" dur="1" fill="hold">
-                                          <p:stCondLst>
-                                            <p:cond delay="0"/>
-                                          </p:stCondLst>
-                                        </p:cTn>
-                                        <p:tgtEl>
-                                          <p:spTgt spid="8"/>
-                                        </p:tgtEl>
-                                        <p:attrNameLst>
-                                          <p:attrName>style.visibility</p:attrName>
-                                        </p:attrNameLst>
-                                      </p:cBhvr>
-                                      <p:to>
-                                        <p:strVal val="visible"/>
-                                      </p:to>
-                                    </p:set>
-                                    <p:anim calcmode="lin" valueType="num">
-                                      <p:cBhvr additive="base">
-                                        <p:cTn id="45" dur="500" fill="hold"/>
-                                        <p:tgtEl>
-                                          <p:spTgt spid="8"/>
-                                        </p:tgtEl>
-                                        <p:attrNameLst>
-                                          <p:attrName>ppt_x</p:attrName>
-                                        </p:attrNameLst>
-                                      </p:cBhvr>
-                                      <p:tavLst>
-                                        <p:tav tm="0">
-                                          <p:val>
-                                            <p:strVal val="#ppt_x"/>
-                                          </p:val>
-                                        </p:tav>
-                                        <p:tav tm="100000">
-                                          <p:val>
-                                            <p:strVal val="#ppt_x"/>
-                                          </p:val>
-                                        </p:tav>
-                                      </p:tavLst>
-                                    </p:anim>
-                                    <p:anim calcmode="lin" valueType="num">
-                                      <p:cBhvr additive="base">
-                                        <p:cTn id="46" dur="500" fill="hold"/>
-                                        <p:tgtEl>
-                                          <p:spTgt spid="8"/>
-                                        </p:tgtEl>
-                                        <p:attrNameLst>
-                                          <p:attrName>ppt_y</p:attrName>
-                                        </p:attrNameLst>
-                                      </p:cBhvr>
-                                      <p:tavLst>
-                                        <p:tav tm="0">
-                                          <p:val>
-                                            <p:strVal val="1+#ppt_h/2"/>
-                                          </p:val>
-                                        </p:tav>
-                                        <p:tav tm="100000">
-                                          <p:val>
-                                            <p:strVal val="#ppt_y"/>
-                                          </p:val>
-                                        </p:tav>
-                                      </p:tavLst>
-                                    </p:anim>
-                                  </p:childTnLst>
-                                </p:cTn>
-                              </p:par>
-                            </p:childTnLst>
-                          </p:cTn>
-                        </p:par>
-                      </p:childTnLst>
-                    </p:cTn>
-                  </p:par>
-                </p:childTnLst>
-              </p:cTn>
-              <p:prevCondLst>
-                <p:cond evt="onPrev" delay="0">
-                  <p:tgtEl>
-                    <p:sldTgt/>
-                  </p:tgtEl>
-                </p:cond>
-              </p:prevCondLst>
-              <p:nextCondLst>
-                <p:cond evt="onNext" delay="0">
-                  <p:tgtEl>
-                    <p:sldTgt/>
-                  </p:tgtEl>
-                </p:cond>
-              </p:nextCondLst>
-            </p:seq>
-          </p:childTnLst>
-        </p:cTn>
-      </p:par>
-    </p:tnLst>
-    <p:bldLst>
-      <p:bldP spid="3" grpId="0" animBg="1"/>
-      <p:bldP spid="4" grpId="0"/>
-      <p:bldP spid="6" grpId="0" animBg="1"/>
-      <p:bldP spid="8" grpId="0"/>
-    </p:bldLst>
-  </p:timing>
 </p:sld>
 </file>
 

--- a/Fluentd meetup 2019.pptx
+++ b/Fluentd meetup 2019.pptx
@@ -1439,7 +1439,7 @@
           <a:lstStyle/>
           <a:p>
             <a:r>
-              <a:rPr lang="en-US">
+              <a:rPr lang="en-US" dirty="0">
                 <a:latin typeface="Calibri"/>
                 <a:cs typeface="Calibri"/>
               </a:rPr>
@@ -1447,28 +1447,28 @@
             </a:r>
           </a:p>
           <a:p>
-            <a:endParaRPr lang="en-US">
+            <a:endParaRPr lang="en-US" dirty="0">
               <a:latin typeface="Calibri"/>
               <a:cs typeface="Calibri"/>
             </a:endParaRPr>
           </a:p>
           <a:p>
             <a:r>
-              <a:rPr lang="en-US">
+              <a:rPr lang="en-US" dirty="0">
                 <a:latin typeface="Calibri"/>
                 <a:cs typeface="Calibri"/>
               </a:rPr>
               <a:t>The win thirty-two </a:t>
             </a:r>
             <a:r>
-              <a:rPr lang="en-US" err="1">
+              <a:rPr lang="en-US" dirty="0" err="1">
                 <a:latin typeface="Calibri"/>
                 <a:cs typeface="Calibri"/>
               </a:rPr>
               <a:t>eventlog</a:t>
             </a:r>
             <a:r>
-              <a:rPr lang="en-US">
+              <a:rPr lang="en-US" dirty="0">
                 <a:latin typeface="Calibri"/>
                 <a:cs typeface="Calibri"/>
               </a:rPr>
@@ -1477,55 +1477,27 @@
           </a:p>
           <a:p>
             <a:r>
-              <a:rPr lang="en-US">
+              <a:rPr lang="en-US" dirty="0">
                 <a:latin typeface="Calibri"/>
                 <a:cs typeface="Calibri"/>
               </a:rPr>
               <a:t>To handle Unicode characters correctly in win thirty-two </a:t>
             </a:r>
             <a:r>
-              <a:rPr lang="en-US" err="1">
+              <a:rPr lang="en-US" dirty="0" err="1">
                 <a:latin typeface="Calibri"/>
                 <a:cs typeface="Calibri"/>
               </a:rPr>
               <a:t>eventlog</a:t>
             </a:r>
             <a:r>
-              <a:rPr lang="en-US">
-                <a:latin typeface="Calibri"/>
-                <a:cs typeface="Calibri"/>
-              </a:rPr>
-              <a:t>, we need to use Unicode version of </a:t>
-            </a:r>
-            <a:r>
-              <a:rPr lang="en-US" err="1">
-                <a:latin typeface="Calibri"/>
-                <a:cs typeface="Calibri"/>
-              </a:rPr>
-              <a:t>OpenEventLogW</a:t>
-            </a:r>
-            <a:r>
-              <a:rPr lang="en-US">
-                <a:latin typeface="Calibri"/>
-                <a:cs typeface="Calibri"/>
-              </a:rPr>
-              <a:t>, </a:t>
-            </a:r>
-            <a:r>
-              <a:rPr lang="en-US" err="1">
-                <a:latin typeface="Calibri"/>
-                <a:cs typeface="Calibri"/>
-              </a:rPr>
-              <a:t>ReadEventLogW</a:t>
-            </a:r>
-            <a:r>
-              <a:rPr lang="en-US">
-                <a:latin typeface="Calibri"/>
-                <a:cs typeface="Calibri"/>
-              </a:rPr>
-              <a:t>.</a:t>
-            </a:r>
-            <a:endParaRPr lang="en-US">
+              <a:rPr lang="en-US" dirty="0">
+                <a:latin typeface="Calibri"/>
+                <a:cs typeface="Calibri"/>
+              </a:rPr>
+              <a:t>, we need to use Unicode version of them.</a:t>
+            </a:r>
+            <a:endParaRPr lang="en-US" dirty="0">
               <a:latin typeface="游ゴシック" panose="020F0502020204030204"/>
               <a:ea typeface="游ゴシック" panose="020F0502020204030204"/>
               <a:cs typeface="Calibri"/>
@@ -1533,33 +1505,33 @@
           </a:p>
           <a:p>
             <a:r>
-              <a:rPr lang="en-US">
+              <a:rPr lang="en-US" dirty="0">
                 <a:latin typeface="Calibri"/>
                 <a:cs typeface="Calibri"/>
               </a:rPr>
               <a:t> </a:t>
             </a:r>
-            <a:endParaRPr lang="en-US">
+            <a:endParaRPr lang="en-US" dirty="0">
               <a:ea typeface="游ゴシック"/>
             </a:endParaRPr>
           </a:p>
           <a:p>
             <a:r>
-              <a:rPr lang="en-US">
+              <a:rPr lang="en-US" dirty="0">
                 <a:latin typeface="Calibri"/>
                 <a:cs typeface="Calibri"/>
               </a:rPr>
               <a:t>In addition, win thirty-two </a:t>
             </a:r>
             <a:r>
-              <a:rPr lang="en-US" err="1">
+              <a:rPr lang="en-US" dirty="0" err="1">
                 <a:latin typeface="Calibri"/>
                 <a:cs typeface="Calibri"/>
               </a:rPr>
               <a:t>eventlog</a:t>
             </a:r>
             <a:r>
-              <a:rPr lang="en-US">
+              <a:rPr lang="en-US" dirty="0">
                 <a:latin typeface="Calibri"/>
                 <a:cs typeface="Calibri"/>
               </a:rPr>
@@ -1568,7 +1540,7 @@
           </a:p>
           <a:p>
             <a:r>
-              <a:rPr lang="en-US">
+              <a:rPr lang="en-US" dirty="0">
                 <a:latin typeface="Calibri"/>
                 <a:cs typeface="Calibri"/>
               </a:rPr>
@@ -5581,7 +5553,7 @@
                 <a:latin typeface="Calibri"/>
                 <a:cs typeface="Calibri"/>
               </a:rPr>
-              <a:t>5th. At least one event should exist in listening channel on start to listen. Otherwise, nothing to be read(red).</a:t>
+              <a:t>5th. At least one event should exist in the listening channel on start to listen. Otherwise, nothing to be read(red).</a:t>
             </a:r>
           </a:p>
           <a:p>
@@ -7344,7 +7316,7 @@
                 <a:latin typeface="Calibri"/>
                 <a:cs typeface="Calibri"/>
               </a:rPr>
-              <a:t>5th. At least one event should exist in listening channel on starting to listen. Otherwise, nothing to be read(red).</a:t>
+              <a:t>5th. At least one event should exist in the listening channel on starting to listen. Otherwise, nothing to be read(red).</a:t>
             </a:r>
           </a:p>
           <a:p>
@@ -23582,7 +23554,7 @@
           <a:lstStyle/>
           <a:p>
             <a:r>
-              <a:rPr lang="ja-JP" altLang="en-US">
+              <a:rPr lang="ja-JP" altLang="en-US" dirty="0">
                 <a:ea typeface="ＭＳ Ｐゴシック"/>
                 <a:cs typeface="Calibri"/>
               </a:rPr>
@@ -23592,13 +23564,13 @@
           <a:p>
             <a:pPr lvl="1"/>
             <a:r>
-              <a:rPr lang="ja-JP">
+              <a:rPr lang="ja-JP" dirty="0">
                 <a:ea typeface="ＭＳ Ｐゴシック"/>
                 <a:cs typeface="Calibri"/>
               </a:rPr>
               <a:t>😰Unicode character handling. Sometimes garbage chracters are generated.</a:t>
             </a:r>
-            <a:endParaRPr lang="ja-JP">
+            <a:endParaRPr lang="ja-JP" dirty="0">
               <a:ea typeface="+mn-lt"/>
               <a:cs typeface="+mn-lt"/>
             </a:endParaRPr>
@@ -23606,7 +23578,7 @@
           <a:p>
             <a:pPr lvl="1"/>
             <a:r>
-              <a:rPr lang="ja-JP" altLang="en-US">
+              <a:rPr lang="ja-JP" altLang="en-US" dirty="0">
                 <a:ea typeface="ＭＳ Ｐゴシック"/>
                 <a:cs typeface="Calibri"/>
               </a:rPr>
@@ -23616,7 +23588,7 @@
           <a:p>
             <a:pPr lvl="1"/>
             <a:r>
-              <a:rPr lang="ja-JP" altLang="en-US">
+              <a:rPr lang="ja-JP" altLang="en-US" dirty="0">
                 <a:ea typeface="ＭＳ Ｐゴシック"/>
                 <a:cs typeface="Calibri"/>
               </a:rPr>
@@ -23626,7 +23598,7 @@
           <a:p>
             <a:pPr lvl="1"/>
             <a:r>
-              <a:rPr lang="ja-JP" altLang="en-US">
+              <a:rPr lang="ja-JP" altLang="en-US" dirty="0">
                 <a:ea typeface="ＭＳ Ｐゴシック"/>
                 <a:cs typeface="Calibri"/>
               </a:rPr>
@@ -23636,252 +23608,280 @@
           <a:p>
             <a:pPr lvl="1"/>
             <a:r>
-              <a:rPr lang="ja-JP" altLang="en-US">
+              <a:rPr lang="ja-JP" altLang="en-US" dirty="0">
                 <a:ea typeface="ＭＳ Ｐゴシック"/>
                 <a:cs typeface="Calibri"/>
               </a:rPr>
               <a:t>😱</a:t>
             </a:r>
             <a:r>
-              <a:rPr lang="en-US" altLang="ja-JP">
+              <a:rPr lang="en-US" altLang="ja-JP" dirty="0">
                 <a:ea typeface="+mn-lt"/>
                 <a:cs typeface="Calibri"/>
               </a:rPr>
               <a:t>At</a:t>
             </a:r>
             <a:r>
-              <a:rPr lang="ja-JP">
+              <a:rPr lang="ja-JP" dirty="0">
                 <a:ea typeface="ＭＳ Ｐゴシック"/>
                 <a:cs typeface="Calibri"/>
               </a:rPr>
               <a:t> </a:t>
             </a:r>
             <a:r>
-              <a:rPr lang="en-US" altLang="ja-JP">
+              <a:rPr lang="en-US" altLang="ja-JP" dirty="0">
                 <a:ea typeface="+mn-lt"/>
                 <a:cs typeface="Calibri"/>
               </a:rPr>
               <a:t>least</a:t>
             </a:r>
             <a:r>
-              <a:rPr lang="ja-JP">
+              <a:rPr lang="ja-JP" dirty="0">
                 <a:ea typeface="ＭＳ Ｐゴシック"/>
                 <a:cs typeface="Calibri"/>
               </a:rPr>
               <a:t> </a:t>
             </a:r>
             <a:r>
-              <a:rPr lang="en-US" altLang="ja-JP">
+              <a:rPr lang="en-US" altLang="ja-JP" dirty="0">
                 <a:ea typeface="+mn-lt"/>
                 <a:cs typeface="Calibri"/>
               </a:rPr>
               <a:t>one</a:t>
             </a:r>
             <a:r>
-              <a:rPr lang="ja-JP">
+              <a:rPr lang="ja-JP" dirty="0">
                 <a:ea typeface="ＭＳ Ｐゴシック"/>
                 <a:cs typeface="Calibri"/>
               </a:rPr>
               <a:t> </a:t>
             </a:r>
             <a:r>
-              <a:rPr lang="en-US" altLang="ja-JP">
+              <a:rPr lang="en-US" altLang="ja-JP" dirty="0">
                 <a:ea typeface="+mn-lt"/>
                 <a:cs typeface="Calibri"/>
               </a:rPr>
               <a:t>event</a:t>
             </a:r>
             <a:r>
-              <a:rPr lang="ja-JP">
+              <a:rPr lang="ja-JP" dirty="0">
                 <a:ea typeface="ＭＳ Ｐゴシック"/>
                 <a:cs typeface="Calibri"/>
               </a:rPr>
               <a:t> </a:t>
             </a:r>
             <a:r>
-              <a:rPr lang="en-US" altLang="ja-JP">
+              <a:rPr lang="en-US" altLang="ja-JP" dirty="0">
                 <a:ea typeface="+mn-lt"/>
                 <a:cs typeface="Calibri"/>
               </a:rPr>
               <a:t>should</a:t>
             </a:r>
             <a:r>
-              <a:rPr lang="ja-JP">
+              <a:rPr lang="ja-JP" dirty="0">
                 <a:ea typeface="ＭＳ Ｐゴシック"/>
                 <a:cs typeface="Calibri"/>
               </a:rPr>
               <a:t> </a:t>
             </a:r>
             <a:r>
-              <a:rPr lang="en-US" altLang="ja-JP">
+              <a:rPr lang="en-US" altLang="ja-JP" dirty="0">
                 <a:ea typeface="+mn-lt"/>
                 <a:cs typeface="Calibri"/>
               </a:rPr>
               <a:t>exist</a:t>
             </a:r>
             <a:r>
-              <a:rPr lang="ja-JP">
-                <a:ea typeface="ＭＳ Ｐゴシック"/>
+              <a:rPr lang="ja-JP" altLang="en-US" dirty="0">
+                <a:ea typeface="+mn-lt"/>
                 <a:cs typeface="Calibri"/>
               </a:rPr>
               <a:t> </a:t>
             </a:r>
             <a:r>
-              <a:rPr lang="en-US" altLang="ja-JP">
+              <a:rPr lang="en-US" altLang="ja-JP" dirty="0">
                 <a:ea typeface="+mn-lt"/>
                 <a:cs typeface="Calibri"/>
               </a:rPr>
+              <a:t>in</a:t>
+            </a:r>
+            <a:r>
+              <a:rPr lang="ja-JP" altLang="en-US" dirty="0">
+                <a:ea typeface="+mn-lt"/>
+                <a:cs typeface="Calibri"/>
+              </a:rPr>
+              <a:t> </a:t>
+            </a:r>
+            <a:r>
+              <a:rPr lang="en-US" altLang="ja-JP" dirty="0">
+                <a:ea typeface="+mn-lt"/>
+                <a:cs typeface="Calibri"/>
+              </a:rPr>
+              <a:t>the</a:t>
+            </a:r>
+            <a:r>
+              <a:rPr lang="ja-JP" dirty="0">
+                <a:ea typeface="ＭＳ Ｐゴシック"/>
+                <a:cs typeface="Calibri"/>
+              </a:rPr>
+              <a:t> </a:t>
+            </a:r>
+            <a:r>
+              <a:rPr lang="en-US" altLang="ja-JP" dirty="0">
+                <a:ea typeface="+mn-lt"/>
+                <a:cs typeface="Calibri"/>
+              </a:rPr>
               <a:t>listening</a:t>
             </a:r>
             <a:r>
-              <a:rPr lang="ja-JP">
+              <a:rPr lang="ja-JP" dirty="0">
                 <a:ea typeface="ＭＳ Ｐゴシック"/>
                 <a:cs typeface="Calibri"/>
               </a:rPr>
               <a:t> </a:t>
             </a:r>
             <a:r>
-              <a:rPr lang="en-US" altLang="ja-JP" err="1">
+              <a:rPr lang="en-US" altLang="ja-JP" dirty="0" err="1">
                 <a:ea typeface="+mn-lt"/>
                 <a:cs typeface="Calibri"/>
               </a:rPr>
               <a:t>chann</a:t>
             </a:r>
             <a:r>
-              <a:rPr lang="ja-JP">
+              <a:rPr lang="ja-JP" dirty="0">
                 <a:ea typeface="ＭＳ Ｐゴシック"/>
                 <a:cs typeface="Calibri"/>
               </a:rPr>
               <a:t>e</a:t>
             </a:r>
             <a:r>
-              <a:rPr lang="en-US" altLang="ja-JP">
+              <a:rPr lang="en-US" altLang="ja-JP" dirty="0">
                 <a:ea typeface="+mn-lt"/>
                 <a:cs typeface="Calibri"/>
               </a:rPr>
               <a:t>l</a:t>
             </a:r>
             <a:r>
-              <a:rPr lang="ja-JP">
+              <a:rPr lang="ja-JP" dirty="0">
                 <a:ea typeface="ＭＳ Ｐゴシック"/>
                 <a:cs typeface="Calibri"/>
               </a:rPr>
               <a:t> o</a:t>
             </a:r>
             <a:r>
-              <a:rPr lang="en-US" altLang="ja-JP">
+              <a:rPr lang="en-US" altLang="ja-JP" dirty="0">
                 <a:ea typeface="+mn-lt"/>
                 <a:cs typeface="Calibri"/>
               </a:rPr>
               <a:t>n</a:t>
             </a:r>
             <a:r>
-              <a:rPr lang="ja-JP">
+              <a:rPr lang="ja-JP" dirty="0">
                 <a:ea typeface="ＭＳ Ｐゴシック"/>
                 <a:cs typeface="Calibri"/>
               </a:rPr>
               <a:t> starting to listen</a:t>
             </a:r>
             <a:r>
-              <a:rPr lang="en-US" altLang="ja-JP">
+              <a:rPr lang="en-US" altLang="ja-JP" dirty="0">
                 <a:ea typeface="+mn-lt"/>
                 <a:cs typeface="Calibri"/>
               </a:rPr>
               <a:t>.</a:t>
             </a:r>
             <a:r>
-              <a:rPr lang="ja-JP">
+              <a:rPr lang="ja-JP" dirty="0">
                 <a:ea typeface="ＭＳ Ｐゴシック"/>
                 <a:cs typeface="Calibri"/>
               </a:rPr>
               <a:t> </a:t>
             </a:r>
             <a:r>
-              <a:rPr lang="en-US" altLang="ja-JP">
+              <a:rPr lang="en-US" altLang="ja-JP" dirty="0">
                 <a:ea typeface="+mn-lt"/>
                 <a:cs typeface="Calibri"/>
               </a:rPr>
               <a:t>Other</a:t>
             </a:r>
             <a:r>
-              <a:rPr lang="ja-JP">
+              <a:rPr lang="ja-JP" dirty="0">
                 <a:ea typeface="ＭＳ Ｐゴシック"/>
                 <a:cs typeface="Calibri"/>
               </a:rPr>
               <a:t>w</a:t>
             </a:r>
             <a:r>
-              <a:rPr lang="en-US" altLang="ja-JP">
+              <a:rPr lang="en-US" altLang="ja-JP" dirty="0">
                 <a:ea typeface="+mn-lt"/>
                 <a:cs typeface="Calibri"/>
               </a:rPr>
               <a:t>is</a:t>
             </a:r>
             <a:r>
-              <a:rPr lang="ja-JP">
+              <a:rPr lang="ja-JP" dirty="0">
                 <a:ea typeface="ＭＳ Ｐゴシック"/>
                 <a:cs typeface="Calibri"/>
               </a:rPr>
               <a:t>e</a:t>
             </a:r>
             <a:r>
-              <a:rPr lang="en-US" altLang="ja-JP">
+              <a:rPr lang="en-US" altLang="ja-JP" dirty="0">
                 <a:ea typeface="+mn-lt"/>
                 <a:cs typeface="Calibri"/>
               </a:rPr>
               <a:t>,</a:t>
             </a:r>
             <a:r>
-              <a:rPr lang="ja-JP">
+              <a:rPr lang="ja-JP" dirty="0">
                 <a:ea typeface="ＭＳ Ｐゴシック"/>
                 <a:cs typeface="Calibri"/>
               </a:rPr>
               <a:t> </a:t>
             </a:r>
             <a:r>
-              <a:rPr lang="en-US" altLang="ja-JP">
+              <a:rPr lang="en-US" altLang="ja-JP" dirty="0">
                 <a:ea typeface="+mn-lt"/>
                 <a:cs typeface="Calibri"/>
               </a:rPr>
               <a:t>nothing</a:t>
             </a:r>
             <a:r>
-              <a:rPr lang="ja-JP">
+              <a:rPr lang="ja-JP" dirty="0">
                 <a:ea typeface="ＭＳ Ｐゴシック"/>
                 <a:cs typeface="Calibri"/>
               </a:rPr>
               <a:t> </a:t>
             </a:r>
             <a:r>
-              <a:rPr lang="en-US" altLang="ja-JP">
+              <a:rPr lang="en-US" altLang="ja-JP" dirty="0">
                 <a:ea typeface="+mn-lt"/>
                 <a:cs typeface="Calibri"/>
               </a:rPr>
               <a:t>to</a:t>
             </a:r>
             <a:r>
-              <a:rPr lang="ja-JP">
+              <a:rPr lang="ja-JP" dirty="0">
                 <a:ea typeface="ＭＳ Ｐゴシック"/>
                 <a:cs typeface="Calibri"/>
               </a:rPr>
               <a:t> </a:t>
             </a:r>
             <a:r>
-              <a:rPr lang="en-US" altLang="ja-JP">
+              <a:rPr lang="en-US" altLang="ja-JP" dirty="0">
                 <a:ea typeface="ＭＳ Ｐゴシック"/>
                 <a:cs typeface="Calibri"/>
               </a:rPr>
               <a:t>be</a:t>
             </a:r>
             <a:r>
-              <a:rPr lang="ja-JP">
+              <a:rPr lang="ja-JP" dirty="0">
                 <a:ea typeface="ＭＳ Ｐゴシック"/>
                 <a:cs typeface="Calibri"/>
               </a:rPr>
               <a:t> </a:t>
             </a:r>
             <a:r>
-              <a:rPr lang="en-US" altLang="ja-JP">
+              <a:rPr lang="en-US" altLang="ja-JP" dirty="0">
                 <a:ea typeface="+mn-lt"/>
                 <a:cs typeface="Calibri"/>
               </a:rPr>
@@ -23890,21 +23890,21 @@
           </a:p>
           <a:p>
             <a:pPr lvl="1"/>
-            <a:endParaRPr lang="ja-JP" altLang="en-US">
+            <a:endParaRPr lang="ja-JP" altLang="en-US" dirty="0">
               <a:ea typeface="ＭＳ Ｐゴシック"/>
               <a:cs typeface="Calibri"/>
             </a:endParaRPr>
           </a:p>
           <a:p>
             <a:pPr lvl="1"/>
-            <a:endParaRPr lang="ja-JP" altLang="en-US">
+            <a:endParaRPr lang="ja-JP" altLang="en-US" dirty="0">
               <a:ea typeface="ＭＳ Ｐゴシック"/>
               <a:cs typeface="Calibri"/>
             </a:endParaRPr>
           </a:p>
           <a:p>
             <a:r>
-              <a:rPr lang="ja-JP" altLang="en-US">
+              <a:rPr lang="ja-JP" altLang="en-US" dirty="0">
                 <a:ea typeface="ＭＳ Ｐゴシック"/>
                 <a:cs typeface="Calibri"/>
               </a:rPr>
@@ -26447,7 +26447,7 @@
                 <a:ea typeface="+mn-lt"/>
                 <a:cs typeface="+mn-lt"/>
               </a:rPr>
-              <a:t>in listening </a:t>
+              <a:t>in the listening </a:t>
             </a:r>
             <a:r>
               <a:rPr lang="en-US" altLang="ja-JP" dirty="0" err="1">

--- a/Fluentd meetup 2019.pptx
+++ b/Fluentd meetup 2019.pptx
@@ -786,9 +786,32 @@
               </a:rPr>
               <a:t> is major middleware in this room. Thanks.</a:t>
             </a:r>
-            <a:endParaRPr lang="en-US" dirty="0">
-              <a:ea typeface="游ゴシック"/>
-            </a:endParaRPr>
+          </a:p>
+          <a:p>
+            <a:pPr marL="0" marR="0" lvl="0" indent="0" algn="l" defTabSz="914400" rtl="0" eaLnBrk="1" fontAlgn="auto" latinLnBrk="0" hangingPunct="1">
+              <a:lnSpc>
+                <a:spcPct val="100000"/>
+              </a:lnSpc>
+              <a:spcBef>
+                <a:spcPts val="0"/>
+              </a:spcBef>
+              <a:spcAft>
+                <a:spcPts val="0"/>
+              </a:spcAft>
+              <a:buClrTx/>
+              <a:buSzTx/>
+              <a:buFontTx/>
+              <a:buNone/>
+              <a:tabLst/>
+              <a:defRPr/>
+            </a:pPr>
+            <a:r>
+              <a:rPr lang="en-US" altLang="ja-JP" dirty="0">
+                <a:latin typeface="Calibri"/>
+                <a:cs typeface="Calibri"/>
+              </a:rPr>
+              <a:t>Please put your hand down again.</a:t>
+            </a:r>
           </a:p>
         </p:txBody>
       </p:sp>
@@ -886,7 +909,7 @@
                 <a:latin typeface="Calibri"/>
                 <a:cs typeface="Calibri"/>
               </a:rPr>
-              <a:t>The old </a:t>
+              <a:t>The old plugin which is named </a:t>
             </a:r>
             <a:r>
               <a:rPr lang="en-US" dirty="0" err="1">
@@ -930,7 +953,7 @@
                 <a:latin typeface="Calibri"/>
                 <a:cs typeface="Calibri"/>
               </a:rPr>
-              <a:t>The new in_windows_eventlog2 depends on </a:t>
+              <a:t>The new plugin which is named in_windows_eventlog2 depends on </a:t>
             </a:r>
             <a:r>
               <a:rPr lang="en-US" dirty="0" err="1">
@@ -2464,16 +2487,16 @@
           <a:lstStyle/>
           <a:p>
             <a:r>
-              <a:rPr lang="en-US">
-                <a:latin typeface="Calibri"/>
-                <a:cs typeface="Calibri"/>
-              </a:rPr>
-              <a:t>So, here is today's my talk agenda.</a:t>
-            </a:r>
-          </a:p>
-          <a:p>
-            <a:r>
-              <a:rPr lang="en-US">
+              <a:rPr lang="en-US" dirty="0">
+                <a:latin typeface="Calibri"/>
+                <a:cs typeface="Calibri"/>
+              </a:rPr>
+              <a:t>So, here is today’s my talk agenda.</a:t>
+            </a:r>
+          </a:p>
+          <a:p>
+            <a:r>
+              <a:rPr lang="en-US" dirty="0">
                 <a:latin typeface="Calibri"/>
                 <a:cs typeface="Calibri"/>
               </a:rPr>
@@ -2482,21 +2505,21 @@
           </a:p>
           <a:p>
             <a:r>
-              <a:rPr lang="en-US">
+              <a:rPr lang="en-US" dirty="0">
                 <a:latin typeface="Calibri"/>
                 <a:cs typeface="Calibri"/>
               </a:rPr>
               <a:t>Then, I'll talk about </a:t>
             </a:r>
             <a:r>
-              <a:rPr lang="en-US" err="1">
+              <a:rPr lang="en-US" dirty="0" err="1">
                 <a:latin typeface="Calibri"/>
                 <a:cs typeface="Calibri"/>
               </a:rPr>
               <a:t>winevt_c</a:t>
             </a:r>
             <a:r>
-              <a:rPr lang="en-US">
+              <a:rPr lang="en-US" dirty="0">
                 <a:latin typeface="Calibri"/>
                 <a:cs typeface="Calibri"/>
               </a:rPr>
@@ -4172,17 +4195,17 @@
           <a:lstStyle/>
           <a:p>
             <a:r>
-              <a:rPr lang="en-US">
+              <a:rPr lang="en-US" dirty="0">
                 <a:latin typeface="Calibri"/>
                 <a:cs typeface="Calibri"/>
               </a:rPr>
               <a:t>The left side configuration is for collector node.</a:t>
             </a:r>
-            <a:endParaRPr lang="ja-JP" altLang="en-US"/>
-          </a:p>
-          <a:p>
-            <a:r>
-              <a:rPr lang="en-US" altLang="ja-JP" err="1">
+            <a:endParaRPr lang="ja-JP" altLang="en-US" dirty="0"/>
+          </a:p>
+          <a:p>
+            <a:r>
+              <a:rPr lang="en-US" altLang="ja-JP" dirty="0" err="1">
                 <a:latin typeface="Calibri"/>
                 <a:ea typeface="游ゴシック"/>
                 <a:cs typeface="Calibri"/>
@@ -4190,43 +4213,75 @@
               <a:t>In_windows_eventlog</a:t>
             </a:r>
             <a:r>
-              <a:rPr lang="en-US" altLang="ja-JP">
+              <a:rPr lang="en-US" altLang="ja-JP" dirty="0">
                 <a:latin typeface="Calibri"/>
                 <a:ea typeface="游ゴシック"/>
                 <a:cs typeface="Calibri"/>
               </a:rPr>
-              <a:t> is used as a source and out_forward is used as an output.</a:t>
-            </a:r>
-          </a:p>
-          <a:p>
-            <a:r>
-              <a:rPr lang="en-US" altLang="ja-JP">
+              <a:t> is used as a source and </a:t>
+            </a:r>
+            <a:r>
+              <a:rPr lang="en-US" altLang="ja-JP" dirty="0" err="1">
                 <a:latin typeface="Calibri"/>
                 <a:ea typeface="游ゴシック"/>
                 <a:cs typeface="Calibri"/>
               </a:rPr>
+              <a:t>out_forward</a:t>
+            </a:r>
+            <a:r>
+              <a:rPr lang="en-US" altLang="ja-JP" dirty="0">
+                <a:latin typeface="Calibri"/>
+                <a:ea typeface="游ゴシック"/>
+                <a:cs typeface="Calibri"/>
+              </a:rPr>
+              <a:t> is used as an output.</a:t>
+            </a:r>
+          </a:p>
+          <a:p>
+            <a:r>
+              <a:rPr lang="en-US" altLang="ja-JP" dirty="0">
+                <a:latin typeface="Calibri"/>
+                <a:ea typeface="游ゴシック"/>
+                <a:cs typeface="Calibri"/>
+              </a:rPr>
               <a:t>The right side configuration is for aggregator node.</a:t>
             </a:r>
           </a:p>
           <a:p>
             <a:r>
-              <a:rPr lang="en-US" altLang="ja-JP">
+              <a:rPr lang="en-US" altLang="ja-JP" dirty="0">
                 <a:latin typeface="Calibri"/>
                 <a:ea typeface="游ゴシック"/>
                 <a:cs typeface="Calibri"/>
               </a:rPr>
-              <a:t>It receives events with forward protocol. Output is </a:t>
-            </a:r>
-            <a:r>
-              <a:rPr lang="en-US" altLang="ja-JP" err="1">
+              <a:t>It receives events from collector </a:t>
+            </a:r>
+            <a:r>
+              <a:rPr lang="en-US" altLang="ja-JP" dirty="0" err="1">
                 <a:latin typeface="Calibri"/>
                 <a:ea typeface="游ゴシック"/>
                 <a:cs typeface="Calibri"/>
               </a:rPr>
+              <a:t>Fluentd</a:t>
+            </a:r>
+            <a:r>
+              <a:rPr lang="en-US" altLang="ja-JP" dirty="0">
+                <a:latin typeface="Calibri"/>
+                <a:ea typeface="游ゴシック"/>
+                <a:cs typeface="Calibri"/>
+              </a:rPr>
+              <a:t> with forward protocol. Output is </a:t>
+            </a:r>
+            <a:r>
+              <a:rPr lang="en-US" altLang="ja-JP" dirty="0" err="1">
+                <a:latin typeface="Calibri"/>
+                <a:ea typeface="游ゴシック"/>
+                <a:cs typeface="Calibri"/>
+              </a:rPr>
               <a:t>out_null</a:t>
             </a:r>
             <a:r>
-              <a:rPr lang="en-US" altLang="ja-JP">
+              <a:rPr lang="en-US" altLang="ja-JP" dirty="0">
                 <a:latin typeface="Calibri"/>
                 <a:ea typeface="游ゴシック"/>
                 <a:cs typeface="Calibri"/>
@@ -4234,7 +4289,7 @@
               <a:t> or </a:t>
             </a:r>
             <a:r>
-              <a:rPr lang="en-US" altLang="ja-JP" err="1">
+              <a:rPr lang="en-US" altLang="ja-JP" dirty="0" err="1">
                 <a:latin typeface="Calibri"/>
                 <a:ea typeface="游ゴシック"/>
                 <a:cs typeface="Calibri"/>
@@ -4242,7 +4297,7 @@
               <a:t>out_stdout</a:t>
             </a:r>
             <a:r>
-              <a:rPr lang="en-US" altLang="ja-JP">
+              <a:rPr lang="en-US" altLang="ja-JP" dirty="0">
                 <a:latin typeface="Calibri"/>
                 <a:ea typeface="游ゴシック"/>
                 <a:cs typeface="Calibri"/>
@@ -4333,51 +4388,67 @@
           <a:lstStyle/>
           <a:p>
             <a:r>
-              <a:rPr lang="en-US"/>
+              <a:rPr lang="en-US" dirty="0"/>
               <a:t>The left side configuration is for collector node.</a:t>
             </a:r>
-            <a:endParaRPr lang="ja-JP" altLang="en-US"/>
-          </a:p>
-          <a:p>
-            <a:r>
-              <a:rPr lang="en-US"/>
-              <a:t>In_windows_eventlog2 is used as a source and out_forward is used as an output.</a:t>
-            </a:r>
-            <a:endParaRPr lang="en-US">
+            <a:endParaRPr lang="ja-JP" altLang="en-US" dirty="0"/>
+          </a:p>
+          <a:p>
+            <a:r>
+              <a:rPr lang="en-US" dirty="0"/>
+              <a:t>In_windows_eventlog2 is used as a source and </a:t>
+            </a:r>
+            <a:r>
+              <a:rPr lang="en-US" dirty="0" err="1"/>
+              <a:t>out_forward</a:t>
+            </a:r>
+            <a:r>
+              <a:rPr lang="en-US" dirty="0"/>
+              <a:t> is used as an output.</a:t>
+            </a:r>
+            <a:endParaRPr lang="en-US" dirty="0">
               <a:ea typeface="游ゴシック"/>
             </a:endParaRPr>
           </a:p>
           <a:p>
             <a:r>
-              <a:rPr lang="en-US"/>
+              <a:rPr lang="en-US" dirty="0"/>
               <a:t>The right side configuration is for aggregator node.</a:t>
             </a:r>
-            <a:endParaRPr lang="en-US">
+            <a:endParaRPr lang="en-US" dirty="0">
               <a:ea typeface="游ゴシック"/>
             </a:endParaRPr>
           </a:p>
           <a:p>
             <a:r>
-              <a:rPr lang="en-US"/>
-              <a:t>It also receives events with forward protocol. Output is </a:t>
-            </a:r>
-            <a:r>
-              <a:rPr lang="en-US" err="1"/>
+              <a:rPr lang="en-US" dirty="0"/>
+              <a:t>It also receives events from collector </a:t>
+            </a:r>
+            <a:r>
+              <a:rPr lang="en-US" dirty="0" err="1"/>
+              <a:t>Fluentd</a:t>
+            </a:r>
+            <a:r>
+              <a:rPr lang="en-US" dirty="0"/>
+              <a:t> with forward protocol. Output is </a:t>
+            </a:r>
+            <a:r>
+              <a:rPr lang="en-US" dirty="0" err="1"/>
               <a:t>out_null</a:t>
             </a:r>
             <a:r>
-              <a:rPr lang="en-US"/>
+              <a:rPr lang="en-US" dirty="0"/>
               <a:t> or </a:t>
             </a:r>
             <a:r>
-              <a:rPr lang="en-US" err="1"/>
+              <a:rPr lang="en-US" dirty="0" err="1"/>
               <a:t>out_stdout</a:t>
             </a:r>
             <a:r>
-              <a:rPr lang="en-US"/>
+              <a:rPr lang="en-US" dirty="0"/>
               <a:t>.</a:t>
             </a:r>
-            <a:endParaRPr lang="en-US">
+            <a:endParaRPr lang="en-US" dirty="0">
               <a:ea typeface="游ゴシック"/>
             </a:endParaRPr>
           </a:p>
@@ -5072,26 +5143,38 @@
           <a:lstStyle/>
           <a:p>
             <a:r>
-              <a:rPr lang="en-US" altLang="ja-JP">
+              <a:rPr lang="en-US" altLang="ja-JP" dirty="0">
                 <a:ea typeface="游ゴシック"/>
               </a:rPr>
-              <a:t>In this section, I'm talking about Throughput Benchmark.</a:t>
-            </a:r>
-          </a:p>
-          <a:p>
-            <a:endParaRPr lang="en-US" altLang="ja-JP"/>
-          </a:p>
-          <a:p>
-            <a:r>
-              <a:rPr lang="en-US" altLang="ja-JP">
+              <a:t>In this section, I’m </a:t>
+            </a:r>
+            <a:r>
+              <a:rPr lang="en-US" altLang="ja-JP" dirty="0" err="1">
                 <a:ea typeface="游ゴシック"/>
               </a:rPr>
+              <a:t>gonna</a:t>
+            </a:r>
+            <a:r>
+              <a:rPr lang="en-US" altLang="ja-JP" dirty="0">
+                <a:ea typeface="游ゴシック"/>
+              </a:rPr>
+              <a:t> talking about Throughput Benchmark.</a:t>
+            </a:r>
+          </a:p>
+          <a:p>
+            <a:endParaRPr lang="en-US" altLang="ja-JP" dirty="0"/>
+          </a:p>
+          <a:p>
+            <a:r>
+              <a:rPr lang="en-US" altLang="ja-JP" dirty="0">
+                <a:ea typeface="游ゴシック"/>
+              </a:rPr>
               <a:t>Benchmark environment has two nodes:</a:t>
             </a:r>
           </a:p>
           <a:p>
             <a:r>
-              <a:rPr lang="en-US" altLang="ja-JP">
+              <a:rPr lang="en-US" altLang="ja-JP" dirty="0">
                 <a:ea typeface="游ゴシック"/>
               </a:rPr>
               <a:t>Collector node and Aggregator node.</a:t>
@@ -5099,7 +5182,7 @@
           </a:p>
           <a:p>
             <a:r>
-              <a:rPr lang="en-US" altLang="ja-JP">
+              <a:rPr lang="en-US" altLang="ja-JP" dirty="0">
                 <a:ea typeface="游ゴシック"/>
               </a:rPr>
               <a:t>They are the same setup at Benchmarking test which is used in the previous section.</a:t>
@@ -6302,7 +6385,7 @@
                 <a:latin typeface="Calibri"/>
                 <a:cs typeface="Calibri"/>
               </a:rPr>
-              <a:t>...which is included fluent-plugin-windows-eventlog2 v0.3.0.</a:t>
+              <a:t>...which is included fluent-plugin-windows-eventlog2 version zero-point-three-point-ow.</a:t>
             </a:r>
           </a:p>
           <a:p>
@@ -6325,17 +6408,26 @@
                 <a:latin typeface="Calibri"/>
                 <a:cs typeface="Calibri"/>
               </a:rPr>
-              <a:t> to hear more user voice</a:t>
-            </a:r>
-          </a:p>
-          <a:p>
-            <a:r>
-              <a:rPr lang="en-US" dirty="0">
-                <a:latin typeface="Calibri"/>
-                <a:cs typeface="Calibri"/>
-              </a:rPr>
-              <a:t>Note that Installation is a bit more harder then the previous</a:t>
-            </a:r>
+              <a:t> to hear more user voices and use cases</a:t>
+            </a:r>
+          </a:p>
+          <a:p>
+            <a:pPr rtl="0" eaLnBrk="1" latinLnBrk="0" hangingPunct="1"/>
+            <a:r>
+              <a:rPr kumimoji="1" lang="en-US" altLang="ja-JP" sz="1200" kern="1200" dirty="0">
+                <a:solidFill>
+                  <a:schemeClr val="tx1"/>
+                </a:solidFill>
+                <a:effectLst/>
+                <a:latin typeface="+mn-lt"/>
+                <a:ea typeface="+mn-ea"/>
+                <a:cs typeface="+mn-cs"/>
+              </a:rPr>
+              <a:t>Note that Installation is a bit of harder than the older one</a:t>
+            </a:r>
+            <a:endParaRPr lang="ja-JP" altLang="ja-JP" dirty="0">
+              <a:effectLst/>
+            </a:endParaRPr>
           </a:p>
           <a:p>
             <a:endParaRPr lang="en-US" dirty="0">
@@ -7311,13 +7403,97 @@
             </a:r>
           </a:p>
           <a:p>
+            <a:pPr marL="0" marR="0" lvl="0" indent="0" algn="l" defTabSz="914400" rtl="0" eaLnBrk="1" fontAlgn="auto" latinLnBrk="0" hangingPunct="1">
+              <a:lnSpc>
+                <a:spcPct val="100000"/>
+              </a:lnSpc>
+              <a:spcBef>
+                <a:spcPts val="0"/>
+              </a:spcBef>
+              <a:spcAft>
+                <a:spcPts val="0"/>
+              </a:spcAft>
+              <a:buClrTx/>
+              <a:buSzTx/>
+              <a:buFontTx/>
+              <a:buNone/>
+              <a:tabLst/>
+              <a:defRPr/>
+            </a:pPr>
             <a:r>
               <a:rPr lang="en-US" dirty="0">
                 <a:latin typeface="Calibri"/>
                 <a:cs typeface="Calibri"/>
               </a:rPr>
-              <a:t>5th. At least one event should exist in the listening channel on starting to listen. Otherwise, nothing to be read(red).</a:t>
-            </a:r>
+              <a:t>5th. At least one event should exist in the listening channel on starting to listen. </a:t>
+            </a:r>
+            <a:r>
+              <a:rPr lang="en-US" altLang="ja-JP" dirty="0">
+                <a:ea typeface="+mn-lt"/>
+                <a:cs typeface="+mn-lt"/>
+              </a:rPr>
+              <a:t>Empty</a:t>
+            </a:r>
+            <a:r>
+              <a:rPr lang="ja-JP" altLang="en-US" dirty="0">
+                <a:ea typeface="+mn-lt"/>
+                <a:cs typeface="+mn-lt"/>
+              </a:rPr>
+              <a:t> </a:t>
+            </a:r>
+            <a:r>
+              <a:rPr lang="en-US" altLang="ja-JP" dirty="0">
+                <a:ea typeface="+mn-lt"/>
+                <a:cs typeface="+mn-lt"/>
+              </a:rPr>
+              <a:t>channel</a:t>
+            </a:r>
+            <a:r>
+              <a:rPr lang="ja-JP" altLang="en-US" dirty="0">
+                <a:ea typeface="+mn-lt"/>
+                <a:cs typeface="+mn-lt"/>
+              </a:rPr>
+              <a:t> </a:t>
+            </a:r>
+            <a:r>
+              <a:rPr lang="en-US" altLang="ja-JP" dirty="0">
+                <a:ea typeface="+mn-lt"/>
+                <a:cs typeface="+mn-lt"/>
+              </a:rPr>
+              <a:t>can</a:t>
+            </a:r>
+            <a:r>
+              <a:rPr lang="ja-JP" altLang="en-US" dirty="0">
+                <a:ea typeface="+mn-lt"/>
+                <a:cs typeface="+mn-lt"/>
+              </a:rPr>
+              <a:t> </a:t>
+            </a:r>
+            <a:r>
+              <a:rPr lang="en-US" altLang="ja-JP" dirty="0">
+                <a:ea typeface="+mn-lt"/>
+                <a:cs typeface="+mn-lt"/>
+              </a:rPr>
+              <a:t>also</a:t>
+            </a:r>
+            <a:r>
+              <a:rPr lang="ja-JP" altLang="en-US" dirty="0">
+                <a:ea typeface="+mn-lt"/>
+                <a:cs typeface="+mn-lt"/>
+              </a:rPr>
+              <a:t> </a:t>
+            </a:r>
+            <a:r>
+              <a:rPr lang="en-US" altLang="ja-JP" dirty="0">
+                <a:ea typeface="+mn-lt"/>
+                <a:cs typeface="+mn-lt"/>
+              </a:rPr>
+              <a:t>subscribe. The older one will be staled.</a:t>
+            </a:r>
+            <a:endParaRPr lang="en-US" dirty="0">
+              <a:latin typeface="Calibri"/>
+              <a:cs typeface="Calibri"/>
+            </a:endParaRPr>
           </a:p>
           <a:p>
             <a:endParaRPr lang="en-US" dirty="0">
@@ -14242,13 +14418,28 @@
           <a:lstStyle/>
           <a:p>
             <a:r>
-              <a:rPr lang="ja-JP" altLang="en-US">
+              <a:rPr lang="ja-JP" altLang="en-US" dirty="0">
                 <a:ea typeface="ＭＳ Ｐゴシック"/>
                 <a:cs typeface="Calibri Light"/>
               </a:rPr>
-              <a:t>Unicode Testing: Writing Events in .NET (picked up)</a:t>
-            </a:r>
-            <a:endParaRPr kumimoji="1" lang="ja-JP" altLang="en-US"/>
+              <a:t>Unicode Testing: Writing Events in .NET (</a:t>
+            </a:r>
+            <a:r>
+              <a:rPr lang="ja-JP" altLang="en-US" dirty="0">
+                <a:ea typeface="ＭＳ Ｐゴシック"/>
+                <a:cs typeface="Calibri Light"/>
+                <a:hlinkClick r:id="rId3"/>
+              </a:rPr>
+              <a:t>picked up</a:t>
+            </a:r>
+            <a:r>
+              <a:rPr lang="ja-JP" altLang="en-US" dirty="0">
+                <a:ea typeface="ＭＳ Ｐゴシック"/>
+                <a:cs typeface="Calibri Light"/>
+              </a:rPr>
+              <a:t>)</a:t>
+            </a:r>
+            <a:endParaRPr kumimoji="1" lang="ja-JP" altLang="en-US" dirty="0"/>
           </a:p>
         </p:txBody>
       </p:sp>
@@ -14269,7 +14460,7 @@
           </p:nvPr>
         </p:nvPicPr>
         <p:blipFill>
-          <a:blip r:embed="rId3"/>
+          <a:blip r:embed="rId4"/>
           <a:stretch>
             <a:fillRect/>
           </a:stretch>
@@ -24630,36 +24821,38 @@
         </p:nvSpPr>
         <p:spPr>
           <a:xfrm>
-            <a:off x="838200" y="365125"/>
-            <a:ext cx="10706768" cy="1325563"/>
+            <a:off x="255814" y="386896"/>
+            <a:ext cx="11680371" cy="1325563"/>
           </a:xfrm>
         </p:spPr>
         <p:txBody>
-          <a:bodyPr/>
-          <a:lstStyle/>
-          <a:p>
-            <a:r>
-              <a:rPr lang="en-US" altLang="ja-JP" dirty="0">
+          <a:bodyPr>
+            <a:normAutofit/>
+          </a:bodyPr>
+          <a:lstStyle/>
+          <a:p>
+            <a:r>
+              <a:rPr lang="en-US" altLang="ja-JP" sz="4000" dirty="0">
                 <a:ea typeface="ＭＳ Ｐゴシック"/>
                 <a:cs typeface="Calibri Light"/>
               </a:rPr>
-              <a:t>Current </a:t>
-            </a:r>
-            <a:r>
-              <a:rPr lang="ja-JP" altLang="en-US" dirty="0">
+              <a:t>Epilogue: Current </a:t>
+            </a:r>
+            <a:r>
+              <a:rPr lang="ja-JP" altLang="en-US" sz="4000" dirty="0">
                 <a:ea typeface="ＭＳ Ｐゴシック"/>
                 <a:cs typeface="Calibri Light"/>
               </a:rPr>
               <a:t>fluent-plugin-windows-eventlog </a:t>
             </a:r>
             <a:r>
-              <a:rPr lang="en-US" altLang="ja-JP" dirty="0">
+              <a:rPr lang="en-US" altLang="ja-JP" sz="4000" dirty="0">
                 <a:ea typeface="ＭＳ Ｐゴシック"/>
                 <a:cs typeface="Calibri Light"/>
               </a:rPr>
               <a:t>status</a:t>
             </a:r>
-            <a:endParaRPr kumimoji="1" lang="ja-JP" altLang="en-US" dirty="0"/>
+            <a:endParaRPr kumimoji="1" lang="ja-JP" altLang="en-US" sz="4000" dirty="0"/>
           </a:p>
         </p:txBody>
       </p:sp>
@@ -24724,6 +24917,31 @@
               </a:rPr>
               <a:t>We want to hear more user voice</a:t>
             </a:r>
+            <a:r>
+              <a:rPr lang="en-US" altLang="ja-JP" dirty="0">
+                <a:ea typeface="ＭＳ Ｐゴシック"/>
+                <a:cs typeface="Calibri"/>
+              </a:rPr>
+              <a:t>s</a:t>
+            </a:r>
+            <a:r>
+              <a:rPr lang="ja-JP" altLang="en-US" dirty="0">
+                <a:ea typeface="ＭＳ Ｐゴシック"/>
+                <a:cs typeface="Calibri"/>
+              </a:rPr>
+              <a:t> </a:t>
+            </a:r>
+            <a:r>
+              <a:rPr lang="en-US" altLang="ja-JP" dirty="0">
+                <a:ea typeface="ＭＳ Ｐゴシック"/>
+                <a:cs typeface="Calibri"/>
+              </a:rPr>
+              <a:t>and use cases</a:t>
+            </a:r>
+            <a:endParaRPr lang="ja-JP" altLang="en-US" dirty="0">
+              <a:ea typeface="ＭＳ Ｐゴシック"/>
+              <a:cs typeface="Calibri"/>
+            </a:endParaRPr>
           </a:p>
           <a:p>
             <a:pPr lvl="1"/>
@@ -24732,8 +24950,19 @@
                 <a:ea typeface="ＭＳ Ｐゴシック"/>
                 <a:cs typeface="Calibri"/>
               </a:rPr>
-              <a:t>Installation is harder than the previous</a:t>
-            </a:r>
+              <a:t>Installation is harder than the </a:t>
+            </a:r>
+            <a:r>
+              <a:rPr lang="en-US" altLang="ja-JP" dirty="0">
+                <a:ea typeface="ＭＳ Ｐゴシック"/>
+                <a:cs typeface="Calibri"/>
+              </a:rPr>
+              <a:t>older one</a:t>
+            </a:r>
+            <a:endParaRPr lang="ja-JP" altLang="en-US" dirty="0">
+              <a:ea typeface="ＭＳ Ｐゴシック"/>
+              <a:cs typeface="Calibri"/>
+            </a:endParaRPr>
           </a:p>
           <a:p>
             <a:pPr lvl="1"/>
@@ -26505,47 +26734,43 @@
               </a:rPr>
               <a:t>.</a:t>
             </a:r>
-            <a:r>
-              <a:rPr lang="ja-JP" dirty="0">
-                <a:ea typeface="+mn-lt"/>
-                <a:cs typeface="+mn-lt"/>
-              </a:rPr>
-              <a:t> </a:t>
-            </a:r>
+          </a:p>
+          <a:p>
+            <a:pPr lvl="2"/>
             <a:r>
               <a:rPr lang="en-US" altLang="ja-JP" dirty="0">
                 <a:ea typeface="+mn-lt"/>
                 <a:cs typeface="+mn-lt"/>
               </a:rPr>
-              <a:t>Other</a:t>
-            </a:r>
-            <a:r>
-              <a:rPr lang="ja-JP" dirty="0">
+              <a:t>Empty</a:t>
+            </a:r>
+            <a:r>
+              <a:rPr lang="ja-JP" altLang="en-US" dirty="0">
                 <a:ea typeface="+mn-lt"/>
                 <a:cs typeface="+mn-lt"/>
               </a:rPr>
-              <a:t>w</a:t>
+              <a:t> </a:t>
             </a:r>
             <a:r>
               <a:rPr lang="en-US" altLang="ja-JP" dirty="0">
                 <a:ea typeface="+mn-lt"/>
                 <a:cs typeface="+mn-lt"/>
               </a:rPr>
-              <a:t>is</a:t>
-            </a:r>
-            <a:r>
-              <a:rPr lang="ja-JP" dirty="0">
+              <a:t>channel</a:t>
+            </a:r>
+            <a:r>
+              <a:rPr lang="ja-JP" altLang="en-US" dirty="0">
                 <a:ea typeface="+mn-lt"/>
                 <a:cs typeface="+mn-lt"/>
               </a:rPr>
-              <a:t>e</a:t>
+              <a:t> </a:t>
             </a:r>
             <a:r>
               <a:rPr lang="en-US" altLang="ja-JP" dirty="0">
                 <a:ea typeface="+mn-lt"/>
                 <a:cs typeface="+mn-lt"/>
               </a:rPr>
-              <a:t>,</a:t>
+              <a:t>can</a:t>
             </a:r>
             <a:r>
               <a:rPr lang="ja-JP" altLang="en-US" dirty="0">
@@ -26559,10 +26784,10 @@
                 <a:ea typeface="+mn-lt"/>
                 <a:cs typeface="+mn-lt"/>
               </a:rPr>
-              <a:t>nothing</a:t>
-            </a:r>
-            <a:r>
-              <a:rPr lang="ja-JP" dirty="0">
+              <a:t>also</a:t>
+            </a:r>
+            <a:r>
+              <a:rPr lang="ja-JP" altLang="en-US" dirty="0">
                 <a:ea typeface="+mn-lt"/>
                 <a:cs typeface="+mn-lt"/>
               </a:rPr>
@@ -26573,21 +26798,7 @@
                 <a:ea typeface="+mn-lt"/>
                 <a:cs typeface="+mn-lt"/>
               </a:rPr>
-              <a:t>to</a:t>
-            </a:r>
-            <a:r>
-              <a:rPr lang="ja-JP" altLang="en-US" dirty="0">
-                <a:ea typeface="+mn-lt"/>
-                <a:cs typeface="+mn-lt"/>
-              </a:rPr>
-              <a:t> be </a:t>
-            </a:r>
-            <a:r>
-              <a:rPr lang="en-US" altLang="ja-JP" dirty="0">
-                <a:ea typeface="+mn-lt"/>
-                <a:cs typeface="+mn-lt"/>
-              </a:rPr>
-              <a:t>read</a:t>
+              <a:t>subscribe. The older one will be staled.</a:t>
             </a:r>
             <a:endParaRPr lang="ja-JP" dirty="0">
               <a:ea typeface="ＭＳ Ｐゴシック"/>

--- a/Fluentd meetup 2019.pptx
+++ b/Fluentd meetup 2019.pptx
@@ -565,6 +565,64 @@
           <a:bodyPr/>
           <a:lstStyle/>
           <a:p>
+            <a:pPr rtl="0" fontAlgn="base"/>
+            <a:r>
+              <a:rPr kumimoji="1" lang="en-US" altLang="ja-JP" sz="1200" b="0" i="0" u="none" strike="noStrike" kern="1200" dirty="0">
+                <a:solidFill>
+                  <a:schemeClr val="tx1"/>
+                </a:solidFill>
+                <a:effectLst/>
+                <a:latin typeface="+mn-lt"/>
+                <a:ea typeface="+mn-ea"/>
+                <a:cs typeface="+mn-cs"/>
+              </a:rPr>
+              <a:t>In this talk, I </a:t>
+            </a:r>
+            <a:r>
+              <a:rPr kumimoji="1" lang="en-US" altLang="ja-JP" sz="1200" b="0" i="0" u="none" strike="noStrike" kern="1200">
+                <a:solidFill>
+                  <a:schemeClr val="tx1"/>
+                </a:solidFill>
+                <a:effectLst/>
+                <a:latin typeface="+mn-lt"/>
+                <a:ea typeface="+mn-ea"/>
+                <a:cs typeface="+mn-cs"/>
+              </a:rPr>
+              <a:t>speak in English</a:t>
+            </a:r>
+            <a:r>
+              <a:rPr kumimoji="1" lang="en-US" altLang="ja-JP" sz="1200" b="0" i="0" u="none" strike="noStrike" kern="1200" dirty="0">
+                <a:solidFill>
+                  <a:schemeClr val="tx1"/>
+                </a:solidFill>
+                <a:effectLst/>
+                <a:latin typeface="+mn-lt"/>
+                <a:ea typeface="+mn-ea"/>
+                <a:cs typeface="+mn-cs"/>
+              </a:rPr>
+              <a:t>, but, in question time, you can ask question in English or Japanese.​</a:t>
+            </a:r>
+          </a:p>
+          <a:p>
+            <a:pPr rtl="0" fontAlgn="base"/>
+            <a:r>
+              <a:rPr kumimoji="1" lang="en-US" altLang="ja-JP" sz="1200" b="0" i="0" u="none" strike="noStrike" kern="1200" dirty="0">
+                <a:solidFill>
+                  <a:schemeClr val="tx1"/>
+                </a:solidFill>
+                <a:effectLst/>
+                <a:latin typeface="+mn-lt"/>
+                <a:ea typeface="+mn-ea"/>
+                <a:cs typeface="+mn-cs"/>
+              </a:rPr>
+              <a:t>Then, let's start.</a:t>
+            </a:r>
+            <a:endParaRPr lang="en-US" dirty="0">
+              <a:latin typeface="Calibri"/>
+              <a:cs typeface="Calibri"/>
+            </a:endParaRPr>
+          </a:p>
+          <a:p>
             <a:r>
               <a:rPr lang="en-US" dirty="0">
                 <a:latin typeface="Calibri"/>
@@ -4199,7 +4257,7 @@
                 <a:latin typeface="Calibri"/>
                 <a:cs typeface="Calibri"/>
               </a:rPr>
-              <a:t>The left side configuration is for collector node.</a:t>
+              <a:t>The left side configuration is for the collector node.</a:t>
             </a:r>
             <a:endParaRPr lang="ja-JP" altLang="en-US" dirty="0"/>
           </a:p>
@@ -4244,7 +4302,7 @@
                 <a:ea typeface="游ゴシック"/>
                 <a:cs typeface="Calibri"/>
               </a:rPr>
-              <a:t>The right side configuration is for aggregator node.</a:t>
+              <a:t>The right side configuration is for the aggregator node.</a:t>
             </a:r>
           </a:p>
           <a:p>
@@ -4389,7 +4447,7 @@
           <a:p>
             <a:r>
               <a:rPr lang="en-US" dirty="0"/>
-              <a:t>The left side configuration is for collector node.</a:t>
+              <a:t>The left side configuration is for the collector node.</a:t>
             </a:r>
             <a:endParaRPr lang="ja-JP" altLang="en-US" dirty="0"/>
           </a:p>
@@ -4413,7 +4471,7 @@
           <a:p>
             <a:r>
               <a:rPr lang="en-US" dirty="0"/>
-              <a:t>The right side configuration is for aggregator node.</a:t>
+              <a:t>The right side configuration is for the aggregator node.</a:t>
             </a:r>
             <a:endParaRPr lang="en-US" dirty="0">
               <a:ea typeface="游ゴシック"/>
@@ -12316,13 +12374,13 @@
           <a:lstStyle/>
           <a:p>
             <a:r>
-              <a:rPr lang="ja-JP" altLang="en-US">
+              <a:rPr lang="ja-JP" altLang="en-US" dirty="0">
                 <a:ea typeface="ＭＳ Ｐゴシック"/>
                 <a:cs typeface="Calibri"/>
               </a:rPr>
               <a:t>We need to convert from UTF-16 to target character encoding</a:t>
             </a:r>
-            <a:endParaRPr lang="ja-JP" altLang="en-US">
+            <a:endParaRPr lang="ja-JP" altLang="en-US" dirty="0">
               <a:ea typeface="ＭＳ Ｐゴシック" panose="020B0600070205080204" pitchFamily="34" charset="-128"/>
               <a:cs typeface="Calibri"/>
             </a:endParaRPr>
@@ -12330,14 +12388,14 @@
           <a:p>
             <a:pPr lvl="1"/>
             <a:r>
-              <a:rPr lang="ja-JP" altLang="en-US">
+              <a:rPr lang="ja-JP" altLang="en-US" dirty="0">
                 <a:ea typeface="ＭＳ Ｐゴシック"/>
                 <a:cs typeface="Calibri"/>
               </a:rPr>
               <a:t>In this case, target encoding is </a:t>
             </a:r>
             <a:r>
-              <a:rPr lang="ja-JP" altLang="en-US" i="1">
+              <a:rPr lang="ja-JP" altLang="en-US" i="1" dirty="0">
                 <a:ea typeface="ＭＳ Ｐゴシック"/>
                 <a:cs typeface="Calibri"/>
               </a:rPr>
@@ -12346,49 +12404,49 @@
           </a:p>
           <a:p>
             <a:pPr lvl="1"/>
-            <a:endParaRPr lang="ja-JP" altLang="en-US">
+            <a:endParaRPr lang="ja-JP" altLang="en-US" dirty="0">
               <a:ea typeface="ＭＳ Ｐゴシック"/>
               <a:cs typeface="Calibri"/>
             </a:endParaRPr>
           </a:p>
           <a:p>
             <a:pPr lvl="1"/>
-            <a:endParaRPr lang="ja-JP" altLang="en-US">
+            <a:endParaRPr lang="ja-JP" altLang="en-US" dirty="0">
               <a:ea typeface="ＭＳ Ｐゴシック"/>
               <a:cs typeface="Calibri"/>
             </a:endParaRPr>
           </a:p>
           <a:p>
             <a:r>
-              <a:rPr lang="ja-JP" altLang="en-US">
+              <a:rPr lang="ja-JP" altLang="en-US" dirty="0">
                 <a:ea typeface="ＭＳ Ｐゴシック"/>
                 <a:cs typeface="Calibri"/>
               </a:rPr>
               <a:t>But, win32-eventlog gem uses OpenEventLog</a:t>
             </a:r>
             <a:r>
-              <a:rPr lang="ja-JP" altLang="en-US" b="1">
+              <a:rPr lang="ja-JP" altLang="en-US" b="1" dirty="0">
                 <a:ea typeface="ＭＳ Ｐゴシック"/>
                 <a:cs typeface="Calibri"/>
               </a:rPr>
               <a:t>A</a:t>
             </a:r>
             <a:r>
-              <a:rPr lang="ja-JP" altLang="en-US">
+              <a:rPr lang="ja-JP" altLang="en-US" dirty="0">
                 <a:ea typeface="ＭＳ Ｐゴシック"/>
                 <a:cs typeface="Calibri"/>
               </a:rPr>
               <a:t>, ReadEventLog</a:t>
             </a:r>
             <a:r>
-              <a:rPr lang="ja-JP" altLang="en-US" b="1">
+              <a:rPr lang="ja-JP" altLang="en-US" b="1" dirty="0">
                 <a:ea typeface="ＭＳ Ｐゴシック"/>
                 <a:cs typeface="Calibri"/>
               </a:rPr>
               <a:t>A</a:t>
             </a:r>
             <a:r>
-              <a:rPr lang="ja-JP" altLang="en-US">
+              <a:rPr lang="ja-JP" altLang="en-US" dirty="0">
                 <a:ea typeface="ＭＳ Ｐゴシック"/>
                 <a:cs typeface="Calibri"/>
               </a:rPr>
@@ -12398,76 +12456,76 @@
           <a:p>
             <a:pPr lvl="1"/>
             <a:r>
-              <a:rPr lang="ja-JP" altLang="en-US">
+              <a:rPr lang="ja-JP" altLang="en-US" dirty="0">
                 <a:ea typeface="ＭＳ Ｐゴシック"/>
                 <a:cs typeface="Calibri"/>
               </a:rPr>
               <a:t>To handle Unicode characters correctly, we need to use </a:t>
             </a:r>
             <a:r>
-              <a:rPr lang="ja-JP">
+              <a:rPr lang="ja-JP" dirty="0">
                 <a:ea typeface="+mn-lt"/>
                 <a:cs typeface="+mn-lt"/>
               </a:rPr>
               <a:t>OpenEventLog</a:t>
             </a:r>
             <a:r>
-              <a:rPr lang="en-US" altLang="ja-JP" b="1">
+              <a:rPr lang="en-US" altLang="ja-JP" b="1" dirty="0">
                 <a:ea typeface="+mn-lt"/>
                 <a:cs typeface="+mn-lt"/>
               </a:rPr>
               <a:t>W</a:t>
             </a:r>
             <a:r>
-              <a:rPr lang="ja-JP">
+              <a:rPr lang="ja-JP" dirty="0">
                 <a:ea typeface="+mn-lt"/>
                 <a:cs typeface="+mn-lt"/>
               </a:rPr>
               <a:t>, ReadEventLog</a:t>
             </a:r>
             <a:r>
-              <a:rPr lang="en-US" altLang="ja-JP" b="1">
+              <a:rPr lang="en-US" altLang="ja-JP" b="1" dirty="0">
                 <a:ea typeface="+mn-lt"/>
                 <a:cs typeface="+mn-lt"/>
               </a:rPr>
               <a:t>W</a:t>
             </a:r>
             <a:r>
-              <a:rPr lang="ja-JP">
+              <a:rPr lang="ja-JP" dirty="0">
                 <a:ea typeface="+mn-lt"/>
                 <a:cs typeface="+mn-lt"/>
               </a:rPr>
               <a:t> (</a:t>
             </a:r>
             <a:r>
-              <a:rPr lang="en-US" altLang="ja-JP">
+              <a:rPr lang="en-US" altLang="ja-JP" dirty="0">
                 <a:ea typeface="+mn-lt"/>
                 <a:cs typeface="+mn-lt"/>
               </a:rPr>
               <a:t>Unicode</a:t>
             </a:r>
             <a:r>
-              <a:rPr lang="ja-JP">
+              <a:rPr lang="ja-JP" dirty="0">
                 <a:ea typeface="+mn-lt"/>
                 <a:cs typeface="+mn-lt"/>
               </a:rPr>
               <a:t> v</a:t>
             </a:r>
             <a:r>
-              <a:rPr lang="en-US" altLang="ja-JP" err="1">
+              <a:rPr lang="en-US" altLang="ja-JP" dirty="0" err="1">
                 <a:ea typeface="+mn-lt"/>
                 <a:cs typeface="+mn-lt"/>
               </a:rPr>
               <a:t>ersion</a:t>
             </a:r>
             <a:r>
-              <a:rPr lang="en-US" altLang="ja-JP">
+              <a:rPr lang="en-US" altLang="ja-JP" dirty="0">
                 <a:ea typeface="+mn-lt"/>
                 <a:cs typeface="+mn-lt"/>
               </a:rPr>
               <a:t>)</a:t>
             </a:r>
-            <a:endParaRPr lang="ja-JP" altLang="en-US">
+            <a:endParaRPr lang="ja-JP" altLang="en-US" dirty="0">
               <a:ea typeface="ＭＳ Ｐゴシック"/>
               <a:cs typeface="Calibri"/>
             </a:endParaRPr>
@@ -12475,7 +12533,7 @@
           <a:p>
             <a:pPr lvl="1"/>
             <a:r>
-              <a:rPr lang="en-US" altLang="ja-JP">
+              <a:rPr lang="en-US" altLang="ja-JP" dirty="0">
                 <a:ea typeface="ＭＳ Ｐゴシック"/>
                 <a:cs typeface="Calibri"/>
               </a:rPr>
@@ -12485,7 +12543,7 @@
           <a:p>
             <a:pPr lvl="2"/>
             <a:r>
-              <a:rPr lang="en-US" altLang="ja-JP">
+              <a:rPr lang="en-US" altLang="ja-JP" dirty="0">
                 <a:ea typeface="ＭＳ Ｐゴシック"/>
                 <a:cs typeface="Calibri"/>
               </a:rPr>
@@ -13971,20 +14029,20 @@
           <a:lstStyle/>
           <a:p>
             <a:r>
-              <a:rPr lang="ja-JP" altLang="en-US">
+              <a:rPr lang="ja-JP" altLang="en-US" dirty="0">
                 <a:ea typeface="ＭＳ Ｐゴシック"/>
                 <a:cs typeface="Calibri"/>
               </a:rPr>
               <a:t>Motivation</a:t>
             </a:r>
-            <a:endParaRPr lang="ja-JP">
+            <a:endParaRPr lang="ja-JP" dirty="0">
               <a:ea typeface="ＭＳ Ｐゴシック" panose="020B0600070205080204" pitchFamily="34" charset="-128"/>
               <a:cs typeface="Calibri"/>
             </a:endParaRPr>
           </a:p>
           <a:p>
             <a:r>
-              <a:rPr lang="ja-JP" altLang="en-US">
+              <a:rPr lang="ja-JP" altLang="en-US" dirty="0">
                 <a:ea typeface="ＭＳ Ｐゴシック"/>
                 <a:cs typeface="Calibri"/>
               </a:rPr>
@@ -13993,20 +14051,20 @@
           </a:p>
           <a:p>
             <a:r>
-              <a:rPr lang="ja-JP" altLang="en-US">
+              <a:rPr lang="ja-JP" altLang="en-US" dirty="0">
                 <a:ea typeface="ＭＳ Ｐゴシック"/>
                 <a:cs typeface="Calibri"/>
               </a:rPr>
               <a:t>Unicode Character handling</a:t>
             </a:r>
-            <a:endParaRPr lang="ja-JP">
+            <a:endParaRPr lang="ja-JP" dirty="0">
               <a:ea typeface="ＭＳ Ｐゴシック" panose="020B0600070205080204" pitchFamily="34" charset="-128"/>
               <a:cs typeface="Calibri"/>
             </a:endParaRPr>
           </a:p>
           <a:p>
             <a:r>
-              <a:rPr lang="ja-JP" altLang="en-US">
+              <a:rPr lang="ja-JP" altLang="en-US" dirty="0">
                 <a:latin typeface="Calibri"/>
                 <a:ea typeface="ＭＳ Ｐゴシック"/>
                 <a:cs typeface="Calibri"/>
@@ -14016,7 +14074,7 @@
           </a:p>
           <a:p>
             <a:r>
-              <a:rPr lang="ja-JP" altLang="en-US">
+              <a:rPr lang="ja-JP" altLang="en-US" dirty="0">
                 <a:ea typeface="ＭＳ Ｐゴシック"/>
                 <a:cs typeface="Calibri"/>
               </a:rPr>
@@ -14025,7 +14083,7 @@
           </a:p>
           <a:p>
             <a:r>
-              <a:rPr lang="ja-JP" altLang="en-US">
+              <a:rPr lang="ja-JP" altLang="en-US" dirty="0">
                 <a:ea typeface="ＭＳ Ｐゴシック"/>
                 <a:cs typeface="Calibri"/>
               </a:rPr>
@@ -14034,7 +14092,7 @@
           </a:p>
           <a:p>
             <a:r>
-              <a:rPr lang="ja-JP" altLang="en-US">
+              <a:rPr lang="ja-JP" altLang="en-US" dirty="0">
                 <a:ea typeface="ＭＳ Ｐゴシック"/>
                 <a:cs typeface="+mn-lt"/>
               </a:rPr>
@@ -14043,7 +14101,7 @@
           </a:p>
           <a:p>
             <a:r>
-              <a:rPr lang="ja-JP" altLang="en-US">
+              <a:rPr lang="ja-JP" altLang="en-US" dirty="0">
                 <a:ea typeface="ＭＳ Ｐゴシック"/>
                 <a:cs typeface="Calibri"/>
               </a:rPr>
@@ -14056,7 +14114,7 @@
                 <a:spcPct val="0"/>
               </a:spcBef>
             </a:pPr>
-            <a:endParaRPr lang="ja-JP" altLang="en-US">
+            <a:endParaRPr lang="ja-JP" altLang="en-US" dirty="0">
               <a:solidFill>
                 <a:srgbClr val="000000"/>
               </a:solidFill>
@@ -14065,13 +14123,13 @@
             </a:endParaRPr>
           </a:p>
           <a:p>
-            <a:endParaRPr lang="ja-JP" altLang="en-US">
+            <a:endParaRPr lang="ja-JP" altLang="en-US" dirty="0">
               <a:ea typeface="ＭＳ Ｐゴシック"/>
               <a:cs typeface="Calibri"/>
             </a:endParaRPr>
           </a:p>
           <a:p>
-            <a:endParaRPr lang="ja-JP" altLang="en-US">
+            <a:endParaRPr lang="ja-JP" altLang="en-US" dirty="0">
               <a:ea typeface="ＭＳ Ｐゴシック"/>
               <a:cs typeface="Calibri"/>
             </a:endParaRPr>
@@ -16758,8 +16816,8 @@
         </p:blipFill>
         <p:spPr>
           <a:xfrm>
-            <a:off x="5872637" y="1568450"/>
-            <a:ext cx="1861381" cy="412163"/>
+            <a:off x="4762501" y="1322634"/>
+            <a:ext cx="2971518" cy="657979"/>
           </a:xfrm>
           <a:prstGeom prst="rect">
             <a:avLst/>
@@ -16799,8 +16857,8 @@
         </p:blipFill>
         <p:spPr>
           <a:xfrm>
-            <a:off x="5175129" y="2700227"/>
-            <a:ext cx="2629650" cy="314659"/>
+            <a:off x="3557253" y="2506635"/>
+            <a:ext cx="4247526" cy="508251"/>
           </a:xfrm>
           <a:prstGeom prst="rect">
             <a:avLst/>
@@ -16840,8 +16898,8 @@
         </p:blipFill>
         <p:spPr>
           <a:xfrm>
-            <a:off x="4989324" y="4351365"/>
-            <a:ext cx="2873443" cy="348637"/>
+            <a:off x="3452080" y="4164851"/>
+            <a:ext cx="4410687" cy="535152"/>
           </a:xfrm>
           <a:prstGeom prst="rect">
             <a:avLst/>
@@ -16881,8 +16939,8 @@
         </p:blipFill>
         <p:spPr>
           <a:xfrm>
-            <a:off x="5259821" y="4922609"/>
-            <a:ext cx="2602946" cy="384731"/>
+            <a:off x="4294414" y="4779917"/>
+            <a:ext cx="3568353" cy="527424"/>
           </a:xfrm>
           <a:prstGeom prst="rect">
             <a:avLst/>
@@ -16922,8 +16980,8 @@
         </p:blipFill>
         <p:spPr>
           <a:xfrm>
-            <a:off x="5081394" y="5479997"/>
-            <a:ext cx="2781373" cy="419111"/>
+            <a:off x="4456142" y="5385781"/>
+            <a:ext cx="3406625" cy="513327"/>
           </a:xfrm>
           <a:prstGeom prst="rect">
             <a:avLst/>
@@ -16963,8 +17021,8 @@
         </p:blipFill>
         <p:spPr>
           <a:xfrm>
-            <a:off x="5123419" y="6058591"/>
-            <a:ext cx="2786816" cy="462655"/>
+            <a:off x="4697186" y="5987831"/>
+            <a:ext cx="3213049" cy="533416"/>
           </a:xfrm>
           <a:prstGeom prst="rect">
             <a:avLst/>
@@ -18225,8 +18283,8 @@
         </p:blipFill>
         <p:spPr>
           <a:xfrm>
-            <a:off x="2080721" y="1712547"/>
-            <a:ext cx="3655550" cy="379094"/>
+            <a:off x="2080721" y="1616455"/>
+            <a:ext cx="4582152" cy="475186"/>
           </a:xfrm>
           <a:prstGeom prst="rect">
             <a:avLst/>
@@ -18266,8 +18324,8 @@
         </p:blipFill>
         <p:spPr>
           <a:xfrm>
-            <a:off x="2132371" y="2826025"/>
-            <a:ext cx="3603266" cy="326580"/>
+            <a:off x="2132371" y="2677419"/>
+            <a:ext cx="5242886" cy="475186"/>
           </a:xfrm>
           <a:prstGeom prst="rect">
             <a:avLst/>
@@ -18307,8 +18365,8 @@
         </p:blipFill>
         <p:spPr>
           <a:xfrm>
-            <a:off x="2117749" y="4685002"/>
-            <a:ext cx="3788328" cy="266707"/>
+            <a:off x="2117749" y="4582222"/>
+            <a:ext cx="5248224" cy="369487"/>
           </a:xfrm>
           <a:prstGeom prst="rect">
             <a:avLst/>
@@ -18348,8 +18406,8 @@
         </p:blipFill>
         <p:spPr>
           <a:xfrm>
-            <a:off x="2210280" y="5240855"/>
-            <a:ext cx="3396432" cy="299365"/>
+            <a:off x="2210280" y="5188989"/>
+            <a:ext cx="4191998" cy="369487"/>
           </a:xfrm>
           <a:prstGeom prst="rect">
             <a:avLst/>
@@ -18389,8 +18447,8 @@
         </p:blipFill>
         <p:spPr>
           <a:xfrm>
-            <a:off x="2462890" y="5781534"/>
-            <a:ext cx="3908074" cy="277593"/>
+            <a:off x="2462890" y="5742776"/>
+            <a:ext cx="4453726" cy="316351"/>
           </a:xfrm>
           <a:prstGeom prst="rect">
             <a:avLst/>
@@ -18430,8 +18488,8 @@
         </p:blipFill>
         <p:spPr>
           <a:xfrm>
-            <a:off x="2609980" y="6349543"/>
-            <a:ext cx="4430602" cy="228606"/>
+            <a:off x="1344386" y="6284242"/>
+            <a:ext cx="5696196" cy="293907"/>
           </a:xfrm>
           <a:prstGeom prst="rect">
             <a:avLst/>
@@ -20691,6 +20749,58 @@
           </a:p>
         </p:txBody>
       </p:sp>
+      <p:sp>
+        <p:nvSpPr>
+          <p:cNvPr id="8" name="正方形/長方形 7">
+            <a:extLst>
+              <a:ext uri="{FF2B5EF4-FFF2-40B4-BE49-F238E27FC236}">
+                <a16:creationId xmlns:a16="http://schemas.microsoft.com/office/drawing/2014/main" id="{CEFAA167-9198-46A1-A3E9-2F8A832797F9}"/>
+              </a:ext>
+            </a:extLst>
+          </p:cNvPr>
+          <p:cNvSpPr/>
+          <p:nvPr/>
+        </p:nvSpPr>
+        <p:spPr>
+          <a:xfrm>
+            <a:off x="1072243" y="1948543"/>
+            <a:ext cx="3516086" cy="391885"/>
+          </a:xfrm>
+          <a:prstGeom prst="rect">
+            <a:avLst/>
+          </a:prstGeom>
+          <a:noFill/>
+          <a:ln w="38100">
+            <a:solidFill>
+              <a:srgbClr val="FF0000"/>
+            </a:solidFill>
+          </a:ln>
+        </p:spPr>
+        <p:style>
+          <a:lnRef idx="2">
+            <a:schemeClr val="accent1">
+              <a:shade val="50000"/>
+            </a:schemeClr>
+          </a:lnRef>
+          <a:fillRef idx="1">
+            <a:schemeClr val="accent1"/>
+          </a:fillRef>
+          <a:effectRef idx="0">
+            <a:schemeClr val="accent1"/>
+          </a:effectRef>
+          <a:fontRef idx="minor">
+            <a:schemeClr val="lt1"/>
+          </a:fontRef>
+        </p:style>
+        <p:txBody>
+          <a:bodyPr rtlCol="0" anchor="ctr"/>
+          <a:lstStyle/>
+          <a:p>
+            <a:pPr algn="ctr"/>
+            <a:endParaRPr kumimoji="1" lang="ja-JP" altLang="en-US"/>
+          </a:p>
+        </p:txBody>
+      </p:sp>
     </p:spTree>
     <p:extLst>
       <p:ext uri="{BB962C8B-B14F-4D97-AF65-F5344CB8AC3E}">
@@ -20935,6 +21045,58 @@
               <a:t># or stdout</a:t>
             </a:r>
             <a:endParaRPr lang="ja-JP"/>
+          </a:p>
+        </p:txBody>
+      </p:sp>
+      <p:sp>
+        <p:nvSpPr>
+          <p:cNvPr id="3" name="正方形/長方形 2">
+            <a:extLst>
+              <a:ext uri="{FF2B5EF4-FFF2-40B4-BE49-F238E27FC236}">
+                <a16:creationId xmlns:a16="http://schemas.microsoft.com/office/drawing/2014/main" id="{648FD8B7-75EA-47AA-A645-E743311AC1A1}"/>
+              </a:ext>
+            </a:extLst>
+          </p:cNvPr>
+          <p:cNvSpPr/>
+          <p:nvPr/>
+        </p:nvSpPr>
+        <p:spPr>
+          <a:xfrm>
+            <a:off x="1072243" y="2002971"/>
+            <a:ext cx="3516086" cy="397328"/>
+          </a:xfrm>
+          <a:prstGeom prst="rect">
+            <a:avLst/>
+          </a:prstGeom>
+          <a:noFill/>
+          <a:ln w="38100">
+            <a:solidFill>
+              <a:srgbClr val="FF0000"/>
+            </a:solidFill>
+          </a:ln>
+        </p:spPr>
+        <p:style>
+          <a:lnRef idx="2">
+            <a:schemeClr val="accent1">
+              <a:shade val="50000"/>
+            </a:schemeClr>
+          </a:lnRef>
+          <a:fillRef idx="1">
+            <a:schemeClr val="accent1"/>
+          </a:fillRef>
+          <a:effectRef idx="0">
+            <a:schemeClr val="accent1"/>
+          </a:effectRef>
+          <a:fontRef idx="minor">
+            <a:schemeClr val="lt1"/>
+          </a:fontRef>
+        </p:style>
+        <p:txBody>
+          <a:bodyPr rtlCol="0" anchor="ctr"/>
+          <a:lstStyle/>
+          <a:p>
+            <a:pPr algn="ctr"/>
+            <a:endParaRPr kumimoji="1" lang="ja-JP" altLang="en-US"/>
           </a:p>
         </p:txBody>
       </p:sp>

--- a/Fluentd meetup 2019.pptx
+++ b/Fluentd meetup 2019.pptx
@@ -565,229 +565,144 @@
           <a:bodyPr/>
           <a:lstStyle/>
           <a:p>
-            <a:pPr rtl="0" fontAlgn="base"/>
-            <a:r>
-              <a:rPr kumimoji="1" lang="en-US" altLang="ja-JP" sz="1200" b="0" i="0" u="none" strike="noStrike" kern="1200" dirty="0">
-                <a:solidFill>
-                  <a:schemeClr val="tx1"/>
-                </a:solidFill>
-                <a:effectLst/>
-                <a:latin typeface="+mn-lt"/>
-                <a:ea typeface="+mn-ea"/>
-                <a:cs typeface="+mn-cs"/>
-              </a:rPr>
-              <a:t>In this talk, I </a:t>
-            </a:r>
-            <a:r>
-              <a:rPr kumimoji="1" lang="en-US" altLang="ja-JP" sz="1200" b="0" i="0" u="none" strike="noStrike" kern="1200">
-                <a:solidFill>
-                  <a:schemeClr val="tx1"/>
-                </a:solidFill>
-                <a:effectLst/>
-                <a:latin typeface="+mn-lt"/>
-                <a:ea typeface="+mn-ea"/>
-                <a:cs typeface="+mn-cs"/>
-              </a:rPr>
-              <a:t>speak in English</a:t>
-            </a:r>
-            <a:r>
-              <a:rPr kumimoji="1" lang="en-US" altLang="ja-JP" sz="1200" b="0" i="0" u="none" strike="noStrike" kern="1200" dirty="0">
-                <a:solidFill>
-                  <a:schemeClr val="tx1"/>
-                </a:solidFill>
-                <a:effectLst/>
-                <a:latin typeface="+mn-lt"/>
-                <a:ea typeface="+mn-ea"/>
-                <a:cs typeface="+mn-cs"/>
-              </a:rPr>
-              <a:t>, but, in question time, you can ask question in English or Japanese.​</a:t>
-            </a:r>
-          </a:p>
-          <a:p>
-            <a:pPr rtl="0" fontAlgn="base"/>
-            <a:r>
-              <a:rPr kumimoji="1" lang="en-US" altLang="ja-JP" sz="1200" b="0" i="0" u="none" strike="noStrike" kern="1200" dirty="0">
-                <a:solidFill>
-                  <a:schemeClr val="tx1"/>
-                </a:solidFill>
-                <a:effectLst/>
-                <a:latin typeface="+mn-lt"/>
-                <a:ea typeface="+mn-ea"/>
-                <a:cs typeface="+mn-cs"/>
-              </a:rPr>
-              <a:t>Then, let's start.</a:t>
-            </a:r>
-            <a:endParaRPr lang="en-US" dirty="0">
+            <a:r>
+              <a:rPr lang="en-US" dirty="0">
+                <a:latin typeface="Calibri"/>
+                <a:cs typeface="Calibri"/>
+              </a:rPr>
+              <a:t>My name is Hiroshi </a:t>
+            </a:r>
+            <a:r>
+              <a:rPr lang="en-US" dirty="0" err="1">
+                <a:latin typeface="Calibri"/>
+                <a:cs typeface="Calibri"/>
+              </a:rPr>
+              <a:t>Hatake</a:t>
+            </a:r>
+            <a:r>
+              <a:rPr lang="en-US" dirty="0">
+                <a:latin typeface="Calibri"/>
+                <a:cs typeface="Calibri"/>
+              </a:rPr>
+              <a:t>. </a:t>
+            </a:r>
+          </a:p>
+          <a:p>
+            <a:r>
+              <a:rPr lang="en-US" dirty="0">
+                <a:latin typeface="Calibri"/>
+                <a:cs typeface="Calibri"/>
+              </a:rPr>
+              <a:t>Working at </a:t>
+            </a:r>
+            <a:r>
+              <a:rPr lang="en-US" dirty="0" err="1">
+                <a:latin typeface="Calibri"/>
+                <a:cs typeface="Calibri"/>
+              </a:rPr>
+              <a:t>ClearCode</a:t>
+            </a:r>
+            <a:r>
+              <a:rPr lang="en-US" dirty="0">
+                <a:latin typeface="Calibri"/>
+                <a:cs typeface="Calibri"/>
+              </a:rPr>
+              <a:t> Inc(operated) as a software developer.</a:t>
+            </a:r>
+          </a:p>
+          <a:p>
+            <a:r>
+              <a:rPr lang="en-US" dirty="0">
+                <a:latin typeface="Calibri"/>
+                <a:cs typeface="Calibri"/>
+              </a:rPr>
+              <a:t>Now, OK. Today, I'm </a:t>
+            </a:r>
+            <a:r>
+              <a:rPr lang="en-US" dirty="0" err="1">
+                <a:latin typeface="Calibri"/>
+                <a:cs typeface="Calibri"/>
+              </a:rPr>
+              <a:t>gonna</a:t>
+            </a:r>
+            <a:r>
+              <a:rPr lang="en-US" dirty="0">
+                <a:latin typeface="Calibri"/>
+                <a:cs typeface="Calibri"/>
+              </a:rPr>
+              <a:t> talk about "</a:t>
+            </a:r>
+            <a:r>
+              <a:rPr lang="en-US" dirty="0" err="1">
+                <a:latin typeface="Calibri"/>
+                <a:cs typeface="Calibri"/>
+              </a:rPr>
+              <a:t>Fluentd</a:t>
+            </a:r>
+            <a:r>
+              <a:rPr lang="en-US" dirty="0">
+                <a:latin typeface="Calibri"/>
+                <a:cs typeface="Calibri"/>
+              </a:rPr>
+              <a:t> meets Unicode Windows </a:t>
+            </a:r>
+            <a:r>
+              <a:rPr lang="en-US" err="1">
+                <a:latin typeface="Calibri"/>
+                <a:cs typeface="Calibri"/>
+              </a:rPr>
+              <a:t>EventLog</a:t>
+            </a:r>
+            <a:r>
+              <a:rPr lang="en-US">
+                <a:latin typeface="Calibri"/>
+                <a:cs typeface="Calibri"/>
+              </a:rPr>
+              <a:t>".</a:t>
+            </a:r>
+          </a:p>
+          <a:p>
+            <a:endParaRPr lang="en-US">
               <a:latin typeface="Calibri"/>
               <a:cs typeface="Calibri"/>
             </a:endParaRPr>
           </a:p>
           <a:p>
             <a:r>
-              <a:rPr lang="en-US" dirty="0">
-                <a:latin typeface="Calibri"/>
-                <a:cs typeface="Calibri"/>
-              </a:rPr>
-              <a:t>My name is Hiroshi </a:t>
-            </a:r>
-            <a:r>
-              <a:rPr lang="en-US" dirty="0" err="1">
-                <a:latin typeface="Calibri"/>
-                <a:cs typeface="Calibri"/>
-              </a:rPr>
-              <a:t>Hatake</a:t>
-            </a:r>
-            <a:r>
-              <a:rPr lang="en-US" dirty="0">
-                <a:latin typeface="Calibri"/>
-                <a:cs typeface="Calibri"/>
-              </a:rPr>
-              <a:t>. </a:t>
-            </a:r>
-          </a:p>
-          <a:p>
-            <a:r>
-              <a:rPr lang="en-US" dirty="0">
-                <a:latin typeface="Calibri"/>
-                <a:cs typeface="Calibri"/>
-              </a:rPr>
-              <a:t>Working at </a:t>
-            </a:r>
-            <a:r>
-              <a:rPr lang="en-US" dirty="0" err="1">
-                <a:latin typeface="Calibri"/>
-                <a:cs typeface="Calibri"/>
-              </a:rPr>
-              <a:t>ClearCode</a:t>
-            </a:r>
-            <a:r>
-              <a:rPr lang="en-US" dirty="0">
-                <a:latin typeface="Calibri"/>
-                <a:cs typeface="Calibri"/>
-              </a:rPr>
-              <a:t> Inc. as a software developer.</a:t>
-            </a:r>
-          </a:p>
-          <a:p>
-            <a:r>
-              <a:rPr lang="en-US" dirty="0">
-                <a:latin typeface="Calibri"/>
-                <a:cs typeface="Calibri"/>
-              </a:rPr>
-              <a:t>Now, OK. Today, I'm </a:t>
-            </a:r>
-            <a:r>
-              <a:rPr lang="en-US" dirty="0" err="1">
-                <a:latin typeface="Calibri"/>
-                <a:cs typeface="Calibri"/>
-              </a:rPr>
-              <a:t>gonna</a:t>
-            </a:r>
-            <a:r>
-              <a:rPr lang="en-US" dirty="0">
-                <a:latin typeface="Calibri"/>
-                <a:cs typeface="Calibri"/>
-              </a:rPr>
-              <a:t> talking about "</a:t>
-            </a:r>
-            <a:r>
-              <a:rPr lang="en-US" dirty="0" err="1">
-                <a:latin typeface="Calibri"/>
-                <a:cs typeface="Calibri"/>
-              </a:rPr>
-              <a:t>Fluentd</a:t>
-            </a:r>
-            <a:r>
-              <a:rPr lang="en-US" dirty="0">
-                <a:latin typeface="Calibri"/>
-                <a:cs typeface="Calibri"/>
-              </a:rPr>
-              <a:t> meets Unicode Windows </a:t>
-            </a:r>
-            <a:r>
-              <a:rPr lang="en-US" dirty="0" err="1">
-                <a:latin typeface="Calibri"/>
-                <a:cs typeface="Calibri"/>
-              </a:rPr>
-              <a:t>EventLog</a:t>
-            </a:r>
-            <a:r>
-              <a:rPr lang="en-US" dirty="0">
-                <a:latin typeface="Calibri"/>
-                <a:cs typeface="Calibri"/>
-              </a:rPr>
-              <a:t>".</a:t>
-            </a:r>
-          </a:p>
-          <a:p>
-            <a:endParaRPr lang="en-US" dirty="0">
+              <a:rPr lang="en-US">
+                <a:latin typeface="Calibri"/>
+                <a:cs typeface="Calibri"/>
+              </a:rPr>
+              <a:t>---</a:t>
+            </a:r>
+          </a:p>
+          <a:p>
+            <a:endParaRPr lang="en-US">
               <a:latin typeface="Calibri"/>
               <a:cs typeface="Calibri"/>
             </a:endParaRPr>
           </a:p>
           <a:p>
             <a:r>
-              <a:rPr lang="en-US" dirty="0">
-                <a:latin typeface="Calibri"/>
-                <a:cs typeface="Calibri"/>
-              </a:rPr>
-              <a:t>Before starting this talk, would you please raise your hand whose use </a:t>
-            </a:r>
-            <a:r>
-              <a:rPr lang="en-US" dirty="0" err="1">
-                <a:latin typeface="Calibri"/>
-                <a:cs typeface="Calibri"/>
-              </a:rPr>
-              <a:t>Fluentd</a:t>
-            </a:r>
-            <a:r>
-              <a:rPr lang="en-US" dirty="0">
-                <a:latin typeface="Calibri"/>
-                <a:cs typeface="Calibri"/>
-              </a:rPr>
-              <a:t> on Windows right now?</a:t>
-            </a:r>
-          </a:p>
-          <a:p>
-            <a:r>
-              <a:rPr lang="en-US" dirty="0">
-                <a:latin typeface="Calibri"/>
-                <a:cs typeface="Calibri"/>
-              </a:rPr>
-              <a:t>OK, Windows is (</a:t>
-            </a:r>
-            <a:r>
-              <a:rPr lang="en-US" dirty="0" err="1">
-                <a:latin typeface="Calibri"/>
-                <a:cs typeface="Calibri"/>
-              </a:rPr>
-              <a:t>minor|normal|major</a:t>
-            </a:r>
-            <a:r>
-              <a:rPr lang="en-US" dirty="0">
-                <a:latin typeface="Calibri"/>
-                <a:cs typeface="Calibri"/>
-              </a:rPr>
-              <a:t>) platform for using </a:t>
-            </a:r>
-            <a:r>
-              <a:rPr lang="en-US" dirty="0" err="1">
-                <a:latin typeface="Calibri"/>
-                <a:cs typeface="Calibri"/>
-              </a:rPr>
-              <a:t>Fluentd</a:t>
-            </a:r>
-            <a:r>
-              <a:rPr lang="en-US" dirty="0">
-                <a:latin typeface="Calibri"/>
-                <a:cs typeface="Calibri"/>
-              </a:rPr>
-              <a:t> in this room. </a:t>
-            </a:r>
-          </a:p>
-          <a:p>
-            <a:r>
-              <a:rPr lang="en-US" dirty="0">
+              <a:rPr lang="en-US">
+                <a:latin typeface="Calibri"/>
+                <a:cs typeface="Calibri"/>
+              </a:rPr>
+              <a:t>Before starting this talk, would you please raise your hand whose use Fluentd on Windows right now?</a:t>
+            </a:r>
+          </a:p>
+          <a:p>
+            <a:r>
+              <a:rPr lang="en-US">
+                <a:latin typeface="Calibri"/>
+                <a:cs typeface="Calibri"/>
+              </a:rPr>
+              <a:t>OK, Windows is (minor|normal|major) platform for using Fluentd in this room. </a:t>
+            </a:r>
+          </a:p>
+          <a:p>
+            <a:r>
+              <a:rPr lang="en-US">
                 <a:latin typeface="Calibri"/>
                 <a:cs typeface="Calibri"/>
               </a:rPr>
@@ -796,27 +711,13 @@
           </a:p>
           <a:p>
             <a:r>
-              <a:rPr lang="en-US" dirty="0">
-                <a:latin typeface="Calibri"/>
-                <a:cs typeface="Calibri"/>
-              </a:rPr>
-              <a:t>And </a:t>
-            </a:r>
-            <a:r>
-              <a:rPr lang="en-US" dirty="0" err="1">
-                <a:latin typeface="Calibri"/>
-                <a:cs typeface="Calibri"/>
-              </a:rPr>
-              <a:t>Fluentd</a:t>
-            </a:r>
-            <a:r>
-              <a:rPr lang="en-US" dirty="0">
-                <a:latin typeface="Calibri"/>
-                <a:cs typeface="Calibri"/>
-              </a:rPr>
-              <a:t> people would you please raise your hand?</a:t>
-            </a:r>
-            <a:endParaRPr lang="en-US" dirty="0">
+              <a:rPr lang="en-US">
+                <a:latin typeface="Calibri"/>
+                <a:cs typeface="Calibri"/>
+              </a:rPr>
+              <a:t>And Fluentd people would you please raise your hand?</a:t>
+            </a:r>
+            <a:endParaRPr lang="en-US">
               <a:latin typeface="游ゴシック" panose="020F0502020204030204"/>
               <a:ea typeface="游ゴシック" panose="020F0502020204030204"/>
               <a:cs typeface="Calibri"/>
@@ -824,25 +725,11 @@
           </a:p>
           <a:p>
             <a:r>
-              <a:rPr lang="en-US" dirty="0">
-                <a:latin typeface="Calibri"/>
-                <a:cs typeface="Calibri"/>
-              </a:rPr>
-              <a:t>Hmm, </a:t>
-            </a:r>
-            <a:r>
-              <a:rPr lang="en-US" dirty="0" err="1">
-                <a:latin typeface="Calibri"/>
-                <a:cs typeface="Calibri"/>
-              </a:rPr>
-              <a:t>Fluentd</a:t>
-            </a:r>
-            <a:r>
-              <a:rPr lang="en-US" dirty="0">
-                <a:latin typeface="Calibri"/>
-                <a:cs typeface="Calibri"/>
-              </a:rPr>
-              <a:t> is major middleware in this room. Thanks.</a:t>
+              <a:rPr lang="en-US">
+                <a:latin typeface="Calibri"/>
+                <a:cs typeface="Calibri"/>
+              </a:rPr>
+              <a:t>Hmm, Fluentd is major middleware in this room. Thanks.</a:t>
             </a:r>
           </a:p>
           <a:p>
@@ -864,12 +751,16 @@
               <a:defRPr/>
             </a:pPr>
             <a:r>
-              <a:rPr lang="en-US" altLang="ja-JP" dirty="0">
+              <a:rPr lang="en-US" altLang="ja-JP">
                 <a:latin typeface="Calibri"/>
                 <a:cs typeface="Calibri"/>
               </a:rPr>
               <a:t>Please put your hand down again.</a:t>
             </a:r>
+            <a:endParaRPr lang="en-US" altLang="ja-JP" dirty="0">
+              <a:latin typeface="Calibri"/>
+              <a:cs typeface="Calibri"/>
+            </a:endParaRPr>
           </a:p>
         </p:txBody>
       </p:sp>
@@ -1801,27 +1692,27 @@
           <a:lstStyle/>
           <a:p>
             <a:r>
-              <a:rPr lang="en-US">
+              <a:rPr lang="en-US" dirty="0">
                 <a:latin typeface="Calibri"/>
                 <a:cs typeface="Calibri"/>
               </a:rPr>
               <a:t>ANSI code page is lightweight encoding way for specific characters, but it causes encoding issue in some cases. </a:t>
             </a:r>
-            <a:endParaRPr lang="en-US" altLang="ja-JP">
+            <a:endParaRPr lang="en-US" altLang="ja-JP" dirty="0">
               <a:latin typeface="Calibri"/>
               <a:ea typeface="游ゴシック" panose="020B0400000000000000" pitchFamily="34" charset="-128"/>
               <a:cs typeface="Calibri"/>
             </a:endParaRPr>
           </a:p>
           <a:p>
-            <a:endParaRPr lang="en-US">
+            <a:endParaRPr lang="en-US" dirty="0">
               <a:latin typeface="Calibri"/>
               <a:cs typeface="Calibri"/>
             </a:endParaRPr>
           </a:p>
           <a:p>
             <a:r>
-              <a:rPr lang="en-US">
+              <a:rPr lang="en-US" dirty="0">
                 <a:latin typeface="Calibri"/>
                 <a:cs typeface="Calibri"/>
               </a:rPr>
@@ -1830,7 +1721,7 @@
           </a:p>
           <a:p>
             <a:r>
-              <a:rPr lang="en-US">
+              <a:rPr lang="en-US" dirty="0">
                 <a:latin typeface="Calibri"/>
                 <a:ea typeface="游ゴシック"/>
                 <a:cs typeface="Calibri"/>
@@ -1840,7 +1731,7 @@
           </a:p>
           <a:p>
             <a:r>
-              <a:rPr lang="en-US">
+              <a:rPr lang="en-US" dirty="0">
                 <a:latin typeface="Calibri"/>
                 <a:ea typeface="游ゴシック"/>
                 <a:cs typeface="Calibri"/>
@@ -1850,7 +1741,7 @@
           </a:p>
           <a:p>
             <a:r>
-              <a:rPr lang="en-US">
+              <a:rPr lang="en-US" dirty="0">
                 <a:latin typeface="Calibri"/>
                 <a:ea typeface="游ゴシック"/>
                 <a:cs typeface="Calibri"/>
@@ -1860,14 +1751,14 @@
           </a:p>
           <a:p>
             <a:r>
-              <a:rPr lang="en-US">
+              <a:rPr lang="en-US" dirty="0">
                 <a:latin typeface="Calibri"/>
                 <a:ea typeface="游ゴシック"/>
                 <a:cs typeface="Calibri"/>
               </a:rPr>
               <a:t>* Cyrillic alphabets</a:t>
             </a:r>
-            <a:endParaRPr lang="en-US">
+            <a:endParaRPr lang="en-US" dirty="0">
               <a:latin typeface="游ゴシック" panose="020F0502020204030204"/>
               <a:ea typeface="游ゴシック"/>
               <a:cs typeface="Calibri"/>
@@ -1875,7 +1766,7 @@
           </a:p>
           <a:p>
             <a:r>
-              <a:rPr lang="en-US">
+              <a:rPr lang="en-US" dirty="0">
                 <a:latin typeface="Calibri"/>
                 <a:ea typeface="游ゴシック"/>
                 <a:cs typeface="Calibri"/>
@@ -1885,7 +1776,7 @@
           </a:p>
           <a:p>
             <a:r>
-              <a:rPr lang="en-US">
+              <a:rPr lang="en-US" dirty="0">
                 <a:latin typeface="Calibri"/>
                 <a:ea typeface="游ゴシック"/>
                 <a:cs typeface="Calibri"/>
@@ -1894,7 +1785,7 @@
             </a:r>
           </a:p>
           <a:p>
-            <a:endParaRPr lang="en-US">
+            <a:endParaRPr lang="en-US" dirty="0">
               <a:latin typeface="Calibri"/>
               <a:ea typeface="游ゴシック"/>
               <a:cs typeface="Calibri"/>
@@ -1902,7 +1793,7 @@
           </a:p>
           <a:p>
             <a:r>
-              <a:rPr lang="en-US">
+              <a:rPr lang="en-US" dirty="0">
                 <a:latin typeface="Calibri"/>
                 <a:ea typeface="游ゴシック"/>
                 <a:cs typeface="Calibri"/>
@@ -3063,16 +2954,16 @@
           <a:lstStyle/>
           <a:p>
             <a:r>
-              <a:rPr lang="en-US">
-                <a:latin typeface="Calibri"/>
-                <a:cs typeface="Calibri"/>
-              </a:rPr>
-              <a:t>Unicode testing uses benchmarking tool which is created for heavily loaded benchmark, but it accepts parameter for lightweight writing.</a:t>
-            </a:r>
-          </a:p>
-          <a:p>
-            <a:r>
-              <a:rPr lang="en-US">
+              <a:rPr lang="en-US" dirty="0">
+                <a:latin typeface="Calibri"/>
+                <a:cs typeface="Calibri"/>
+              </a:rPr>
+              <a:t>Unicode testing uses benchmarking tool which is created for heavily loaded benchmark, but it accepts parameters for lightweight writing.</a:t>
+            </a:r>
+          </a:p>
+          <a:p>
+            <a:r>
+              <a:rPr lang="en-US" dirty="0">
                 <a:latin typeface="Calibri"/>
                 <a:cs typeface="Calibri"/>
               </a:rPr>
@@ -3081,7 +2972,7 @@
           </a:p>
           <a:p>
             <a:r>
-              <a:rPr lang="en-US">
+              <a:rPr lang="en-US" dirty="0">
                 <a:latin typeface="Calibri"/>
                 <a:cs typeface="Calibri"/>
               </a:rPr>
@@ -3793,7 +3684,7 @@
           <a:lstStyle/>
           <a:p>
             <a:r>
-              <a:rPr lang="en-US" altLang="ja-JP">
+              <a:rPr lang="en-US" altLang="ja-JP" dirty="0">
                 <a:latin typeface="Calibri"/>
                 <a:ea typeface="游ゴシック"/>
                 <a:cs typeface="Calibri"/>
@@ -3802,7 +3693,7 @@
             </a:r>
           </a:p>
           <a:p>
-            <a:endParaRPr lang="en-US" altLang="ja-JP">
+            <a:endParaRPr lang="en-US" altLang="ja-JP" dirty="0">
               <a:latin typeface="Calibri"/>
               <a:ea typeface="游ゴシック"/>
               <a:cs typeface="Calibri"/>
@@ -3810,7 +3701,7 @@
           </a:p>
           <a:p>
             <a:r>
-              <a:rPr lang="en-US" altLang="ja-JP">
+              <a:rPr lang="en-US" altLang="ja-JP" dirty="0">
                 <a:latin typeface="Calibri"/>
                 <a:ea typeface="游ゴシック"/>
                 <a:cs typeface="Calibri"/>
@@ -3820,26 +3711,26 @@
           </a:p>
           <a:p>
             <a:r>
-              <a:rPr lang="en-US" altLang="ja-JP">
+              <a:rPr lang="en-US" altLang="ja-JP" dirty="0">
                 <a:latin typeface="Calibri"/>
                 <a:ea typeface="游ゴシック"/>
                 <a:cs typeface="Calibri"/>
               </a:rPr>
-              <a:t>Collector node is Windows ten eighteen-ow-nine and has two of virtual CPUs, four gigabytes memory and standard SSD.</a:t>
-            </a:r>
-          </a:p>
-          <a:p>
-            <a:r>
-              <a:rPr lang="en-US" altLang="ja-JP">
+              <a:t>The collector node is Windows ten eighteen-ow-nine and has two of virtual CPUs, four gigabytes memory and standard SSD.</a:t>
+            </a:r>
+          </a:p>
+          <a:p>
+            <a:r>
+              <a:rPr lang="en-US" altLang="ja-JP" dirty="0">
                 <a:latin typeface="Calibri"/>
                 <a:ea typeface="游ゴシック"/>
                 <a:cs typeface="Calibri"/>
               </a:rPr>
-              <a:t>Aggregator node is Ubuntu eighteen point zero-four and has two virtual CPUs, four gigabytes memory and standard SSD.</a:t>
-            </a:r>
-          </a:p>
-          <a:p>
-            <a:endParaRPr lang="en-US" altLang="ja-JP">
+              <a:t>The aggregator node is Ubuntu eighteen point zero-four and has two virtual CPUs, four gigabytes memory and standard SSD.</a:t>
+            </a:r>
+          </a:p>
+          <a:p>
+            <a:endParaRPr lang="en-US" altLang="ja-JP" dirty="0">
               <a:latin typeface="Calibri"/>
               <a:ea typeface="游ゴシック"/>
               <a:cs typeface="Calibri"/>
@@ -3847,15 +3738,15 @@
           </a:p>
           <a:p>
             <a:r>
-              <a:rPr lang="en-US" altLang="ja-JP">
+              <a:rPr lang="en-US" altLang="ja-JP" dirty="0">
                 <a:latin typeface="Calibri"/>
                 <a:ea typeface="游ゴシック"/>
                 <a:cs typeface="Calibri"/>
               </a:rPr>
-              <a:t>Collector </a:t>
-            </a:r>
-            <a:r>
-              <a:rPr lang="en-US" altLang="ja-JP" err="1">
+              <a:t>The collector </a:t>
+            </a:r>
+            <a:r>
+              <a:rPr lang="en-US" altLang="ja-JP" dirty="0" err="1">
                 <a:latin typeface="Calibri"/>
                 <a:ea typeface="游ゴシック"/>
                 <a:cs typeface="Calibri"/>
@@ -3863,15 +3754,15 @@
               <a:t>Fluentd</a:t>
             </a:r>
             <a:r>
-              <a:rPr lang="en-US" altLang="ja-JP">
+              <a:rPr lang="en-US" altLang="ja-JP" dirty="0">
                 <a:latin typeface="Calibri"/>
                 <a:ea typeface="游ゴシック"/>
                 <a:cs typeface="Calibri"/>
               </a:rPr>
-              <a:t> process and Writing </a:t>
-            </a:r>
-            <a:r>
-              <a:rPr lang="en-US" altLang="ja-JP" err="1">
+              <a:t> process and writing </a:t>
+            </a:r>
+            <a:r>
+              <a:rPr lang="en-US" altLang="ja-JP" dirty="0" err="1">
                 <a:latin typeface="Calibri"/>
                 <a:ea typeface="游ゴシック"/>
                 <a:cs typeface="Calibri"/>
@@ -3879,25 +3770,25 @@
               <a:t>EventLog</a:t>
             </a:r>
             <a:r>
-              <a:rPr lang="en-US" altLang="ja-JP">
+              <a:rPr lang="en-US" altLang="ja-JP" dirty="0">
                 <a:latin typeface="Calibri"/>
                 <a:ea typeface="游ゴシック"/>
                 <a:cs typeface="Calibri"/>
               </a:rPr>
-              <a:t> tool are running on Collector node.</a:t>
-            </a:r>
-          </a:p>
-          <a:p>
-            <a:r>
-              <a:rPr lang="en-US" altLang="ja-JP">
+              <a:t> tool are running on the collector node.</a:t>
+            </a:r>
+          </a:p>
+          <a:p>
+            <a:r>
+              <a:rPr lang="en-US" altLang="ja-JP" dirty="0">
                 <a:latin typeface="Calibri"/>
                 <a:ea typeface="游ゴシック"/>
                 <a:cs typeface="Calibri"/>
               </a:rPr>
-              <a:t>And Aggregator </a:t>
-            </a:r>
-            <a:r>
-              <a:rPr lang="en-US" altLang="ja-JP" err="1">
+              <a:t>And the aggregator </a:t>
+            </a:r>
+            <a:r>
+              <a:rPr lang="en-US" altLang="ja-JP" dirty="0" err="1">
                 <a:latin typeface="Calibri"/>
                 <a:ea typeface="游ゴシック"/>
                 <a:cs typeface="Calibri"/>
@@ -3905,16 +3796,16 @@
               <a:t>Fluentd</a:t>
             </a:r>
             <a:r>
-              <a:rPr lang="en-US" altLang="ja-JP">
+              <a:rPr lang="en-US" altLang="ja-JP" dirty="0">
                 <a:latin typeface="Calibri"/>
                 <a:ea typeface="游ゴシック"/>
                 <a:cs typeface="Calibri"/>
               </a:rPr>
-              <a:t> process is running on Aggregator node.</a:t>
-            </a:r>
-          </a:p>
-          <a:p>
-            <a:endParaRPr lang="en-US" altLang="ja-JP">
+              <a:t> process is running on the aggregator node.</a:t>
+            </a:r>
+          </a:p>
+          <a:p>
+            <a:endParaRPr lang="en-US" altLang="ja-JP" dirty="0">
               <a:latin typeface="Calibri"/>
               <a:ea typeface="游ゴシック"/>
               <a:cs typeface="Calibri"/>
@@ -3922,15 +3813,15 @@
           </a:p>
           <a:p>
             <a:r>
-              <a:rPr lang="en-US" altLang="ja-JP">
+              <a:rPr lang="en-US" altLang="ja-JP" dirty="0">
                 <a:latin typeface="Calibri"/>
                 <a:ea typeface="游ゴシック"/>
                 <a:cs typeface="Calibri"/>
               </a:rPr>
-              <a:t>Collector </a:t>
-            </a:r>
-            <a:r>
-              <a:rPr lang="en-US" altLang="ja-JP" err="1">
+              <a:t>The collector </a:t>
+            </a:r>
+            <a:r>
+              <a:rPr lang="en-US" altLang="ja-JP" dirty="0" err="1">
                 <a:latin typeface="Calibri"/>
                 <a:ea typeface="游ゴシック"/>
                 <a:cs typeface="Calibri"/>
@@ -3938,15 +3829,15 @@
               <a:t>Fluentd</a:t>
             </a:r>
             <a:r>
-              <a:rPr lang="en-US" altLang="ja-JP">
+              <a:rPr lang="en-US" altLang="ja-JP" dirty="0">
                 <a:latin typeface="Calibri"/>
                 <a:ea typeface="游ゴシック"/>
                 <a:cs typeface="Calibri"/>
               </a:rPr>
-              <a:t> sends events with forward protocol and Aggregator </a:t>
-            </a:r>
-            <a:r>
-              <a:rPr lang="en-US" altLang="ja-JP" err="1">
+              <a:t> sends events with forward protocol and the aggregator </a:t>
+            </a:r>
+            <a:r>
+              <a:rPr lang="en-US" altLang="ja-JP" dirty="0" err="1">
                 <a:latin typeface="Calibri"/>
                 <a:ea typeface="游ゴシック"/>
                 <a:cs typeface="Calibri"/>
@@ -3954,7 +3845,7 @@
               <a:t>Fluentd</a:t>
             </a:r>
             <a:r>
-              <a:rPr lang="en-US" altLang="ja-JP">
+              <a:rPr lang="en-US" altLang="ja-JP" dirty="0">
                 <a:latin typeface="Calibri"/>
                 <a:ea typeface="游ゴシック"/>
                 <a:cs typeface="Calibri"/>
@@ -4045,7 +3936,7 @@
           <a:lstStyle/>
           <a:p>
             <a:r>
-              <a:rPr lang="en-US">
+              <a:rPr lang="en-US" dirty="0">
                 <a:latin typeface="Calibri"/>
                 <a:cs typeface="Calibri"/>
               </a:rPr>
@@ -4054,7 +3945,7 @@
           </a:p>
           <a:p>
             <a:r>
-              <a:rPr lang="en-US">
+              <a:rPr lang="en-US" dirty="0">
                 <a:latin typeface="Calibri"/>
                 <a:cs typeface="Calibri"/>
               </a:rPr>
@@ -4062,18 +3953,18 @@
             </a:r>
           </a:p>
           <a:p>
-            <a:endParaRPr lang="en-US">
+            <a:endParaRPr lang="en-US" dirty="0">
               <a:latin typeface="Calibri"/>
               <a:cs typeface="Calibri"/>
             </a:endParaRPr>
           </a:p>
           <a:p>
             <a:r>
-              <a:rPr lang="en-US">
-                <a:latin typeface="Calibri"/>
-                <a:cs typeface="Calibri"/>
-              </a:rPr>
-              <a:t>The shown command-line generates events and writing them into benchmark channel.</a:t>
+              <a:rPr lang="en-US" dirty="0">
+                <a:latin typeface="Calibri"/>
+                <a:cs typeface="Calibri"/>
+              </a:rPr>
+              <a:t>The shown command-line generates events and writing them into the benchmark channel.</a:t>
             </a:r>
           </a:p>
         </p:txBody>
@@ -4312,7 +4203,7 @@
                 <a:ea typeface="游ゴシック"/>
                 <a:cs typeface="Calibri"/>
               </a:rPr>
-              <a:t>It receives events from collector </a:t>
+              <a:t>It receives events from the collector </a:t>
             </a:r>
             <a:r>
               <a:rPr lang="en-US" altLang="ja-JP" dirty="0" err="1">
@@ -4593,7 +4484,7 @@
           <a:lstStyle/>
           <a:p>
             <a:r>
-              <a:rPr lang="en-US">
+              <a:rPr lang="en-US" dirty="0">
                 <a:latin typeface="Calibri"/>
                 <a:cs typeface="Calibri"/>
               </a:rPr>
@@ -4602,7 +4493,7 @@
           </a:p>
           <a:p>
             <a:r>
-              <a:rPr lang="en-US">
+              <a:rPr lang="en-US" dirty="0">
                 <a:latin typeface="Calibri"/>
                 <a:cs typeface="Calibri"/>
               </a:rPr>
@@ -4611,7 +4502,7 @@
           </a:p>
           <a:p>
             <a:r>
-              <a:rPr lang="en-US">
+              <a:rPr lang="en-US" dirty="0">
                 <a:latin typeface="Calibri"/>
                 <a:cs typeface="Calibri"/>
               </a:rPr>
@@ -4620,11 +4511,11 @@
           </a:p>
           <a:p>
             <a:r>
-              <a:rPr lang="en-US">
-                <a:latin typeface="Calibri"/>
-                <a:cs typeface="Calibri"/>
-              </a:rPr>
-              <a:t>And CPU usage sometimes spikes but around ten percent is used in entire node. </a:t>
+              <a:rPr lang="en-US" dirty="0">
+                <a:latin typeface="Calibri"/>
+                <a:cs typeface="Calibri"/>
+              </a:rPr>
+              <a:t>And CPU usage sometimes spikes but around ten percent is used in the entire node. </a:t>
             </a:r>
           </a:p>
         </p:txBody>
@@ -5216,7 +5107,7 @@
               <a:rPr lang="en-US" altLang="ja-JP" dirty="0">
                 <a:ea typeface="游ゴシック"/>
               </a:rPr>
-              <a:t> talking about Throughput Benchmark.</a:t>
+              <a:t> talk about Throughput Benchmark.</a:t>
             </a:r>
           </a:p>
           <a:p>
@@ -5235,7 +5126,7 @@
               <a:rPr lang="en-US" altLang="ja-JP" dirty="0">
                 <a:ea typeface="游ゴシック"/>
               </a:rPr>
-              <a:t>Collector node and Aggregator node.</a:t>
+              <a:t>The collector node and the aggregator node.</a:t>
             </a:r>
           </a:p>
           <a:p>
@@ -5329,7 +5220,7 @@
           <a:lstStyle/>
           <a:p>
             <a:r>
-              <a:rPr lang="en-US" altLang="ja-JP">
+              <a:rPr lang="en-US" altLang="ja-JP" dirty="0">
                 <a:latin typeface="Calibri"/>
                 <a:ea typeface="游ゴシック"/>
                 <a:cs typeface="Calibri"/>
@@ -5339,7 +5230,7 @@
           </a:p>
           <a:p>
             <a:r>
-              <a:rPr lang="en-US" altLang="ja-JP">
+              <a:rPr lang="en-US" altLang="ja-JP" dirty="0">
                 <a:latin typeface="Calibri"/>
                 <a:ea typeface="游ゴシック"/>
                 <a:cs typeface="Calibri"/>
@@ -5349,7 +5240,7 @@
           </a:p>
           <a:p>
             <a:r>
-              <a:rPr lang="en-US" altLang="ja-JP">
+              <a:rPr lang="en-US" altLang="ja-JP" dirty="0">
                 <a:latin typeface="Calibri"/>
                 <a:ea typeface="游ゴシック"/>
                 <a:cs typeface="Calibri"/>
@@ -5359,7 +5250,7 @@
           </a:p>
           <a:p>
             <a:r>
-              <a:rPr lang="en-US" altLang="ja-JP">
+              <a:rPr lang="en-US" altLang="ja-JP" dirty="0">
                 <a:latin typeface="Calibri"/>
                 <a:ea typeface="游ゴシック"/>
                 <a:cs typeface="Calibri"/>
@@ -5369,7 +5260,7 @@
           </a:p>
           <a:p>
             <a:r>
-              <a:rPr lang="en-US" altLang="ja-JP">
+              <a:rPr lang="en-US" altLang="ja-JP" dirty="0">
                 <a:latin typeface="Calibri"/>
                 <a:ea typeface="游ゴシック"/>
                 <a:cs typeface="Calibri"/>
@@ -5379,7 +5270,7 @@
           </a:p>
           <a:p>
             <a:r>
-              <a:rPr lang="en-US" altLang="ja-JP">
+              <a:rPr lang="en-US" altLang="ja-JP" dirty="0">
                 <a:latin typeface="Calibri"/>
                 <a:ea typeface="游ゴシック"/>
                 <a:cs typeface="Calibri"/>
@@ -5389,7 +5280,7 @@
           </a:p>
           <a:p>
             <a:r>
-              <a:rPr lang="en-US" altLang="ja-JP">
+              <a:rPr lang="en-US" altLang="ja-JP" dirty="0">
                 <a:latin typeface="Calibri"/>
                 <a:ea typeface="游ゴシック"/>
                 <a:cs typeface="Calibri"/>
@@ -5399,7 +5290,7 @@
           </a:p>
           <a:p>
             <a:r>
-              <a:rPr lang="en-US" altLang="ja-JP">
+              <a:rPr lang="en-US" altLang="ja-JP" dirty="0">
                 <a:latin typeface="Calibri"/>
                 <a:ea typeface="游ゴシック"/>
                 <a:cs typeface="Calibri"/>
@@ -5409,15 +5300,15 @@
           </a:p>
           <a:p>
             <a:r>
-              <a:rPr lang="en-US" altLang="ja-JP">
+              <a:rPr lang="en-US" altLang="ja-JP" dirty="0">
                 <a:latin typeface="Calibri"/>
                 <a:ea typeface="游ゴシック"/>
                 <a:cs typeface="Calibri"/>
               </a:rPr>
-              <a:t>  Chunk bytes limit exceeds for an emitted event stream warning is generated from </a:t>
-            </a:r>
-            <a:r>
-              <a:rPr lang="en-US" altLang="ja-JP" err="1">
+              <a:t>  (Chunk bytes limit exceeds for an emitted event stream warning is generated from </a:t>
+            </a:r>
+            <a:r>
+              <a:rPr lang="en-US" altLang="ja-JP" dirty="0" err="1">
                 <a:latin typeface="Calibri"/>
                 <a:ea typeface="游ゴシック"/>
                 <a:cs typeface="Calibri"/>
@@ -5425,12 +5316,12 @@
               <a:t>Fluentd</a:t>
             </a:r>
             <a:r>
-              <a:rPr lang="en-US" altLang="ja-JP">
+              <a:rPr lang="en-US" altLang="ja-JP" dirty="0">
                 <a:latin typeface="Calibri"/>
                 <a:ea typeface="游ゴシック"/>
                 <a:cs typeface="Calibri"/>
               </a:rPr>
-              <a:t>...</a:t>
+              <a:t>...)</a:t>
             </a:r>
           </a:p>
         </p:txBody>
@@ -5516,40 +5407,46 @@
           <a:lstStyle/>
           <a:p>
             <a:r>
-              <a:rPr lang="en-US" altLang="ja-JP">
+              <a:rPr lang="en-US" altLang="ja-JP" dirty="0">
                 <a:ea typeface="游ゴシック"/>
               </a:rPr>
               <a:t>The left side configuration is for collector node.</a:t>
             </a:r>
-            <a:endParaRPr lang="ja-JP">
+            <a:endParaRPr lang="ja-JP" dirty="0">
               <a:ea typeface="游ゴシック"/>
             </a:endParaRPr>
           </a:p>
           <a:p>
             <a:r>
-              <a:rPr lang="en-US" altLang="ja-JP" err="1">
+              <a:rPr lang="en-US" altLang="ja-JP" dirty="0">
                 <a:ea typeface="游ゴシック"/>
               </a:rPr>
-              <a:t>In_windows_eventlog2</a:t>
-            </a:r>
-            <a:r>
-              <a:rPr lang="en-US" altLang="ja-JP">
+              <a:t>In_windows_eventlog2 is used as a source and </a:t>
+            </a:r>
+            <a:r>
+              <a:rPr lang="en-US" altLang="ja-JP" dirty="0" err="1">
                 <a:ea typeface="游ゴシック"/>
               </a:rPr>
-              <a:t> is used as a source and out_forward is used as an output.</a:t>
-            </a:r>
-          </a:p>
-          <a:p>
-            <a:r>
-              <a:rPr lang="en-US" altLang="ja-JP">
+              <a:t>out_forward</a:t>
+            </a:r>
+            <a:r>
+              <a:rPr lang="en-US" altLang="ja-JP" dirty="0">
                 <a:ea typeface="游ゴシック"/>
               </a:rPr>
-              <a:t>The right side configuration is for aggregator node.</a:t>
-            </a:r>
-          </a:p>
-          <a:p>
-            <a:r>
-              <a:rPr lang="en-US" altLang="ja-JP">
+              <a:t> is used as an output.</a:t>
+            </a:r>
+          </a:p>
+          <a:p>
+            <a:r>
+              <a:rPr lang="en-US" altLang="ja-JP" dirty="0">
+                <a:ea typeface="游ゴシック"/>
+              </a:rPr>
+              <a:t>The right side configuration is for the aggregator node.</a:t>
+            </a:r>
+          </a:p>
+          <a:p>
+            <a:r>
+              <a:rPr lang="en-US" altLang="ja-JP" dirty="0">
                 <a:ea typeface="游ゴシック"/>
               </a:rPr>
               <a:t>This configuration is same as the previous benchmarking test.</a:t>
@@ -5809,10 +5706,10 @@
           <a:lstStyle/>
           <a:p>
             <a:r>
-              <a:rPr lang="en-US"/>
-              <a:t>Here is Around one-hundred-sixty events per second case. The new plugin can consume benchmark channel events.</a:t>
-            </a:r>
-            <a:endParaRPr lang="ja-JP" altLang="en-US"/>
+              <a:rPr lang="en-US" dirty="0"/>
+              <a:t>Here is around one-hundred-sixty events per second case. The new plugin can consume benchmark channel events.</a:t>
+            </a:r>
+            <a:endParaRPr lang="ja-JP" altLang="en-US" dirty="0"/>
           </a:p>
         </p:txBody>
       </p:sp>
@@ -6225,7 +6122,7 @@
           <a:lstStyle/>
           <a:p>
             <a:r>
-              <a:rPr lang="en-US">
+              <a:rPr lang="en-US" dirty="0">
                 <a:latin typeface="Calibri"/>
                 <a:cs typeface="Calibri"/>
               </a:rPr>
@@ -6233,14 +6130,14 @@
             </a:r>
           </a:p>
           <a:p>
-            <a:endParaRPr lang="en-US">
+            <a:endParaRPr lang="en-US" dirty="0">
               <a:latin typeface="Calibri"/>
               <a:cs typeface="Calibri"/>
             </a:endParaRPr>
           </a:p>
           <a:p>
             <a:r>
-              <a:rPr lang="en-US">
+              <a:rPr lang="en-US" dirty="0">
                 <a:latin typeface="Calibri"/>
                 <a:cs typeface="Calibri"/>
               </a:rPr>
@@ -6249,21 +6146,21 @@
           </a:p>
           <a:p>
             <a:r>
-              <a:rPr lang="en-US">
+              <a:rPr lang="en-US" dirty="0">
                 <a:latin typeface="Calibri"/>
                 <a:cs typeface="Calibri"/>
               </a:rPr>
               <a:t>* Improve Unicode handling. Thanks to </a:t>
             </a:r>
             <a:r>
-              <a:rPr lang="en-US" err="1">
+              <a:rPr lang="en-US" dirty="0" err="1">
                 <a:latin typeface="Calibri"/>
                 <a:cs typeface="Calibri"/>
               </a:rPr>
               <a:t>winevt_c</a:t>
             </a:r>
             <a:r>
-              <a:rPr lang="en-US">
+              <a:rPr lang="en-US" dirty="0">
                 <a:latin typeface="Calibri"/>
                 <a:cs typeface="Calibri"/>
               </a:rPr>
@@ -6272,7 +6169,7 @@
           </a:p>
           <a:p>
             <a:r>
-              <a:rPr lang="en-US">
+              <a:rPr lang="en-US" dirty="0">
                 <a:latin typeface="Calibri"/>
                 <a:cs typeface="Calibri"/>
               </a:rPr>
@@ -6281,7 +6178,7 @@
           </a:p>
           <a:p>
             <a:r>
-              <a:rPr lang="en-US">
+              <a:rPr lang="en-US" dirty="0">
                 <a:latin typeface="Calibri"/>
                 <a:cs typeface="Calibri"/>
               </a:rPr>
@@ -6289,23 +6186,23 @@
             </a:r>
           </a:p>
           <a:p>
-            <a:endParaRPr lang="en-US">
+            <a:endParaRPr lang="en-US" dirty="0">
               <a:latin typeface="Calibri"/>
               <a:cs typeface="Calibri"/>
             </a:endParaRPr>
           </a:p>
           <a:p>
             <a:r>
-              <a:rPr lang="en-US">
-                <a:latin typeface="Calibri"/>
-                <a:cs typeface="Calibri"/>
-              </a:rPr>
-              <a:t>But, still there is an issue in the new plugin:</a:t>
-            </a:r>
-          </a:p>
-          <a:p>
-            <a:r>
-              <a:rPr lang="en-US">
+              <a:rPr lang="en-US" dirty="0">
+                <a:latin typeface="Calibri"/>
+                <a:cs typeface="Calibri"/>
+              </a:rPr>
+              <a:t>But still there is an issue in the new plugin:</a:t>
+            </a:r>
+          </a:p>
+          <a:p>
+            <a:r>
+              <a:rPr lang="en-US" dirty="0">
                 <a:latin typeface="Calibri"/>
                 <a:cs typeface="Calibri"/>
               </a:rPr>
@@ -6313,28 +6210,28 @@
             </a:r>
           </a:p>
           <a:p>
-            <a:endParaRPr lang="en-US">
+            <a:endParaRPr lang="en-US" dirty="0">
               <a:latin typeface="Calibri"/>
               <a:cs typeface="Calibri"/>
             </a:endParaRPr>
           </a:p>
           <a:p>
             <a:r>
-              <a:rPr lang="en-US">
+              <a:rPr lang="en-US" dirty="0">
                 <a:latin typeface="Calibri"/>
                 <a:cs typeface="Calibri"/>
               </a:rPr>
               <a:t>From throughput benchmarking result, the new plugin can handle about three-hundred event per second with default </a:t>
             </a:r>
             <a:r>
-              <a:rPr lang="en-US" err="1">
+              <a:rPr lang="en-US" dirty="0" err="1">
                 <a:latin typeface="Calibri"/>
                 <a:cs typeface="Calibri"/>
               </a:rPr>
               <a:t>read_interval</a:t>
             </a:r>
             <a:r>
-              <a:rPr lang="en-US">
+              <a:rPr lang="en-US" dirty="0">
                 <a:latin typeface="Calibri"/>
                 <a:cs typeface="Calibri"/>
               </a:rPr>
@@ -6428,7 +6325,7 @@
                 <a:latin typeface="Calibri"/>
                 <a:cs typeface="Calibri"/>
               </a:rPr>
-              <a:t>The new plugin which is named in_windows_eventlog2</a:t>
+              <a:t>The new plugin which is named in_windows_eventlog2’s status is…</a:t>
             </a:r>
           </a:p>
           <a:p>
@@ -6443,7 +6340,7 @@
                 <a:latin typeface="Calibri"/>
                 <a:cs typeface="Calibri"/>
               </a:rPr>
-              <a:t>...which is included fluent-plugin-windows-eventlog2 version zero-point-three-point-ow.</a:t>
+              <a:t>included fluent-plugin-windows-eventlog2 version zero-point-three-point-ow.</a:t>
             </a:r>
           </a:p>
           <a:p>
@@ -6590,7 +6487,7 @@
           <a:lstStyle/>
           <a:p>
             <a:r>
-              <a:rPr lang="en-US">
+              <a:rPr lang="en-US" dirty="0">
                 <a:latin typeface="Calibri"/>
                 <a:cs typeface="Calibri"/>
               </a:rPr>
@@ -6599,7 +6496,7 @@
           </a:p>
           <a:p>
             <a:r>
-              <a:rPr lang="en-US">
+              <a:rPr lang="en-US" dirty="0">
                 <a:latin typeface="Calibri"/>
                 <a:cs typeface="Calibri"/>
               </a:rPr>
@@ -7049,45 +6946,59 @@
           <a:lstStyle/>
           <a:p>
             <a:r>
+              <a:rPr lang="en-US" dirty="0">
+                <a:latin typeface="Calibri"/>
+                <a:cs typeface="Calibri"/>
+              </a:rPr>
+              <a:t>Then, I show you some </a:t>
+            </a:r>
+            <a:r>
+              <a:rPr lang="en-US" dirty="0" err="1">
+                <a:latin typeface="Calibri"/>
+                <a:cs typeface="Calibri"/>
+              </a:rPr>
+              <a:t>winevt_c</a:t>
+            </a:r>
+            <a:r>
+              <a:rPr lang="en-US" dirty="0">
+                <a:latin typeface="Calibri"/>
+                <a:cs typeface="Calibri"/>
+              </a:rPr>
+              <a:t> itself code examples.</a:t>
+            </a:r>
+          </a:p>
+          <a:p>
+            <a:r>
+              <a:rPr lang="en-US" dirty="0">
+                <a:latin typeface="Calibri"/>
+                <a:cs typeface="Calibri"/>
+              </a:rPr>
+              <a:t>First, this code is querying for specified channel.</a:t>
+            </a:r>
+          </a:p>
+          <a:p>
+            <a:r>
+              <a:rPr lang="en-US" dirty="0">
+                <a:latin typeface="Calibri"/>
+                <a:cs typeface="Calibri"/>
+              </a:rPr>
+              <a:t>In this case</a:t>
+            </a:r>
+            <a:r>
               <a:rPr lang="en-US">
                 <a:latin typeface="Calibri"/>
                 <a:cs typeface="Calibri"/>
               </a:rPr>
-              <a:t>Then, I show you some </a:t>
-            </a:r>
-            <a:r>
-              <a:rPr lang="en-US" err="1">
-                <a:latin typeface="Calibri"/>
-                <a:cs typeface="Calibri"/>
-              </a:rPr>
-              <a:t>winevt_c</a:t>
-            </a:r>
-            <a:r>
-              <a:rPr lang="en-US">
-                <a:latin typeface="Calibri"/>
-                <a:cs typeface="Calibri"/>
-              </a:rPr>
-              <a:t> itself code examples.</a:t>
-            </a:r>
-          </a:p>
-          <a:p>
-            <a:r>
-              <a:rPr lang="en-US">
-                <a:latin typeface="Calibri"/>
-                <a:cs typeface="Calibri"/>
-              </a:rPr>
-              <a:t>First, this code is querying for specified channel.</a:t>
-            </a:r>
-          </a:p>
-          <a:p>
-            <a:r>
-              <a:rPr lang="en-US">
-                <a:latin typeface="Calibri"/>
-                <a:cs typeface="Calibri"/>
-              </a:rPr>
-              <a:t>In this case, specified channel is application.</a:t>
-            </a:r>
-            <a:endParaRPr lang="en-US"/>
+              <a:t>, specified </a:t>
+            </a:r>
+            <a:r>
+              <a:rPr lang="en-US" dirty="0">
+                <a:latin typeface="Calibri"/>
+                <a:cs typeface="Calibri"/>
+              </a:rPr>
+              <a:t>channel is application.</a:t>
+            </a:r>
+            <a:endParaRPr lang="en-US" dirty="0"/>
           </a:p>
         </p:txBody>
       </p:sp>
@@ -7172,15 +7083,27 @@
           <a:lstStyle/>
           <a:p>
             <a:r>
+              <a:rPr lang="en-US" altLang="ja-JP" dirty="0">
+                <a:ea typeface="游ゴシック"/>
+              </a:rPr>
+              <a:t>Second, displayed example code is </a:t>
+            </a:r>
+            <a:r>
               <a:rPr lang="en-US" altLang="ja-JP">
                 <a:ea typeface="游ゴシック"/>
               </a:rPr>
-              <a:t>Second, displayed example code is updating bookmark for querying channel.</a:t>
-            </a:r>
-          </a:p>
-          <a:p>
-            <a:r>
-              <a:rPr lang="en-US" altLang="ja-JP">
+              <a:t>updating bookmark </a:t>
+            </a:r>
+            <a:r>
+              <a:rPr lang="en-US" altLang="ja-JP" dirty="0">
+                <a:ea typeface="游ゴシック"/>
+              </a:rPr>
+              <a:t>for querying channel.</a:t>
+            </a:r>
+          </a:p>
+          <a:p>
+            <a:r>
+              <a:rPr lang="en-US" altLang="ja-JP" dirty="0">
                 <a:ea typeface="游ゴシック"/>
               </a:rPr>
               <a:t>Bookmark is useful to resume operation.</a:t>

--- a/Fluentd meetup 2019.pptx
+++ b/Fluentd meetup 2019.pptx
@@ -647,14 +647,14 @@
               <a:t> meets Unicode Windows </a:t>
             </a:r>
             <a:r>
-              <a:rPr lang="en-US" err="1">
+              <a:rPr lang="en-US" dirty="0" err="1">
                 <a:latin typeface="Calibri"/>
                 <a:cs typeface="Calibri"/>
               </a:rPr>
               <a:t>EventLog</a:t>
             </a:r>
             <a:r>
-              <a:rPr lang="en-US">
+              <a:rPr lang="en-US" dirty="0">
                 <a:latin typeface="Calibri"/>
                 <a:cs typeface="Calibri"/>
               </a:rPr>
@@ -662,14 +662,14 @@
             </a:r>
           </a:p>
           <a:p>
-            <a:endParaRPr lang="en-US">
+            <a:endParaRPr lang="en-US" dirty="0">
               <a:latin typeface="Calibri"/>
               <a:cs typeface="Calibri"/>
             </a:endParaRPr>
           </a:p>
           <a:p>
             <a:r>
-              <a:rPr lang="en-US">
+              <a:rPr lang="en-US" dirty="0">
                 <a:latin typeface="Calibri"/>
                 <a:cs typeface="Calibri"/>
               </a:rPr>
@@ -677,32 +677,74 @@
             </a:r>
           </a:p>
           <a:p>
-            <a:endParaRPr lang="en-US">
+            <a:endParaRPr lang="en-US" dirty="0">
               <a:latin typeface="Calibri"/>
               <a:cs typeface="Calibri"/>
             </a:endParaRPr>
           </a:p>
           <a:p>
             <a:r>
-              <a:rPr lang="en-US">
-                <a:latin typeface="Calibri"/>
-                <a:cs typeface="Calibri"/>
-              </a:rPr>
-              <a:t>Before starting this talk, would you please raise your hand whose use Fluentd on Windows right now?</a:t>
-            </a:r>
-          </a:p>
-          <a:p>
-            <a:r>
-              <a:rPr lang="en-US">
-                <a:latin typeface="Calibri"/>
-                <a:cs typeface="Calibri"/>
-              </a:rPr>
-              <a:t>OK, Windows is (minor|normal|major) platform for using Fluentd in this room. </a:t>
-            </a:r>
-          </a:p>
-          <a:p>
-            <a:r>
-              <a:rPr lang="en-US">
+              <a:rPr lang="en-US" dirty="0">
+                <a:latin typeface="Calibri"/>
+                <a:cs typeface="Calibri"/>
+              </a:rPr>
+              <a:t>Before starting this talk, would you please raise your hand whose use </a:t>
+            </a:r>
+            <a:r>
+              <a:rPr lang="en-US" dirty="0" err="1">
+                <a:latin typeface="Calibri"/>
+                <a:cs typeface="Calibri"/>
+              </a:rPr>
+              <a:t>Fluentd</a:t>
+            </a:r>
+            <a:r>
+              <a:rPr lang="en-US" dirty="0">
+                <a:latin typeface="Calibri"/>
+                <a:cs typeface="Calibri"/>
+              </a:rPr>
+              <a:t> on Windows right now?</a:t>
+            </a:r>
+          </a:p>
+          <a:p>
+            <a:r>
+              <a:rPr lang="en-US" dirty="0">
+                <a:latin typeface="Calibri"/>
+                <a:cs typeface="Calibri"/>
+              </a:rPr>
+              <a:t>OK, Windows is (</a:t>
+            </a:r>
+            <a:r>
+              <a:rPr lang="en-US" dirty="0" err="1">
+                <a:latin typeface="Calibri"/>
+                <a:cs typeface="Calibri"/>
+              </a:rPr>
+              <a:t>minor|normal|major</a:t>
+            </a:r>
+            <a:r>
+              <a:rPr lang="en-US" dirty="0">
+                <a:latin typeface="Calibri"/>
+                <a:cs typeface="Calibri"/>
+              </a:rPr>
+              <a:t>) platform for using </a:t>
+            </a:r>
+            <a:r>
+              <a:rPr lang="en-US" dirty="0" err="1">
+                <a:latin typeface="Calibri"/>
+                <a:cs typeface="Calibri"/>
+              </a:rPr>
+              <a:t>Fluentd</a:t>
+            </a:r>
+            <a:r>
+              <a:rPr lang="en-US" dirty="0">
+                <a:latin typeface="Calibri"/>
+                <a:cs typeface="Calibri"/>
+              </a:rPr>
+              <a:t> in this room. </a:t>
+            </a:r>
+          </a:p>
+          <a:p>
+            <a:r>
+              <a:rPr lang="en-US" dirty="0">
                 <a:latin typeface="Calibri"/>
                 <a:cs typeface="Calibri"/>
               </a:rPr>
@@ -711,13 +753,27 @@
           </a:p>
           <a:p>
             <a:r>
-              <a:rPr lang="en-US">
-                <a:latin typeface="Calibri"/>
-                <a:cs typeface="Calibri"/>
-              </a:rPr>
-              <a:t>And Fluentd people would you please raise your hand?</a:t>
-            </a:r>
-            <a:endParaRPr lang="en-US">
+              <a:rPr lang="en-US" dirty="0">
+                <a:latin typeface="Calibri"/>
+                <a:cs typeface="Calibri"/>
+              </a:rPr>
+              <a:t>And </a:t>
+            </a:r>
+            <a:r>
+              <a:rPr lang="en-US" dirty="0" err="1">
+                <a:latin typeface="Calibri"/>
+                <a:cs typeface="Calibri"/>
+              </a:rPr>
+              <a:t>Fluentd</a:t>
+            </a:r>
+            <a:r>
+              <a:rPr lang="en-US" dirty="0">
+                <a:latin typeface="Calibri"/>
+                <a:cs typeface="Calibri"/>
+              </a:rPr>
+              <a:t> people would you please raise your hand?</a:t>
+            </a:r>
+            <a:endParaRPr lang="en-US" dirty="0">
               <a:latin typeface="游ゴシック" panose="020F0502020204030204"/>
               <a:ea typeface="游ゴシック" panose="020F0502020204030204"/>
               <a:cs typeface="Calibri"/>
@@ -725,11 +781,25 @@
           </a:p>
           <a:p>
             <a:r>
-              <a:rPr lang="en-US">
-                <a:latin typeface="Calibri"/>
-                <a:cs typeface="Calibri"/>
-              </a:rPr>
-              <a:t>Hmm, Fluentd is major middleware in this room. Thanks.</a:t>
+              <a:rPr lang="en-US" dirty="0">
+                <a:latin typeface="Calibri"/>
+                <a:cs typeface="Calibri"/>
+              </a:rPr>
+              <a:t>Hmm, </a:t>
+            </a:r>
+            <a:r>
+              <a:rPr lang="en-US" dirty="0" err="1">
+                <a:latin typeface="Calibri"/>
+                <a:cs typeface="Calibri"/>
+              </a:rPr>
+              <a:t>Fluentd</a:t>
+            </a:r>
+            <a:r>
+              <a:rPr lang="en-US" dirty="0">
+                <a:latin typeface="Calibri"/>
+                <a:cs typeface="Calibri"/>
+              </a:rPr>
+              <a:t> is major middleware in this room. Thanks.</a:t>
             </a:r>
           </a:p>
           <a:p>
@@ -751,16 +821,12 @@
               <a:defRPr/>
             </a:pPr>
             <a:r>
-              <a:rPr lang="en-US" altLang="ja-JP">
+              <a:rPr lang="en-US" altLang="ja-JP" dirty="0">
                 <a:latin typeface="Calibri"/>
                 <a:cs typeface="Calibri"/>
               </a:rPr>
               <a:t>Please put your hand down again.</a:t>
             </a:r>
-            <a:endParaRPr lang="en-US" altLang="ja-JP" dirty="0">
-              <a:latin typeface="Calibri"/>
-              <a:cs typeface="Calibri"/>
-            </a:endParaRPr>
           </a:p>
         </p:txBody>
       </p:sp>
@@ -1002,7 +1068,7 @@
           <a:lstStyle/>
           <a:p>
             <a:r>
-              <a:rPr lang="en-US">
+              <a:rPr lang="en-US" dirty="0">
                 <a:latin typeface="Calibri"/>
                 <a:cs typeface="Calibri"/>
               </a:rPr>
@@ -1011,7 +1077,7 @@
           </a:p>
           <a:p>
             <a:r>
-              <a:rPr lang="en-US">
+              <a:rPr lang="en-US" dirty="0">
                 <a:latin typeface="Calibri"/>
                 <a:cs typeface="Calibri"/>
               </a:rPr>
@@ -1255,7 +1321,7 @@
           <a:lstStyle/>
           <a:p>
             <a:r>
-              <a:rPr lang="en-US">
+              <a:rPr lang="en-US" dirty="0">
                 <a:latin typeface="Calibri"/>
                 <a:cs typeface="Calibri"/>
               </a:rPr>
@@ -1263,14 +1329,14 @@
             </a:r>
           </a:p>
           <a:p>
-            <a:endParaRPr lang="en-US">
+            <a:endParaRPr lang="en-US" dirty="0">
               <a:latin typeface="Calibri"/>
               <a:cs typeface="Calibri"/>
             </a:endParaRPr>
           </a:p>
           <a:p>
             <a:r>
-              <a:rPr lang="en-US">
+              <a:rPr lang="en-US" dirty="0">
                 <a:latin typeface="Calibri"/>
                 <a:cs typeface="Calibri"/>
               </a:rPr>
@@ -1279,7 +1345,7 @@
           </a:p>
           <a:p>
             <a:r>
-              <a:rPr lang="en-US">
+              <a:rPr lang="en-US" dirty="0">
                 <a:latin typeface="Calibri"/>
                 <a:cs typeface="Calibri"/>
               </a:rPr>
@@ -1288,7 +1354,7 @@
           </a:p>
           <a:p>
             <a:r>
-              <a:rPr lang="en-US">
+              <a:rPr lang="en-US" dirty="0">
                 <a:latin typeface="Calibri"/>
                 <a:cs typeface="Calibri"/>
               </a:rPr>
@@ -1296,14 +1362,14 @@
             </a:r>
           </a:p>
           <a:p>
-            <a:endParaRPr lang="en-US">
+            <a:endParaRPr lang="en-US" dirty="0">
               <a:latin typeface="Calibri"/>
               <a:cs typeface="Calibri"/>
             </a:endParaRPr>
           </a:p>
           <a:p>
             <a:r>
-              <a:rPr lang="en-US">
+              <a:rPr lang="en-US" dirty="0">
                 <a:latin typeface="Calibri"/>
                 <a:cs typeface="Calibri"/>
               </a:rPr>
@@ -1312,7 +1378,7 @@
           </a:p>
           <a:p>
             <a:r>
-              <a:rPr lang="en-US">
+              <a:rPr lang="en-US" dirty="0">
                 <a:latin typeface="Calibri"/>
                 <a:cs typeface="Calibri"/>
               </a:rPr>
@@ -1321,7 +1387,7 @@
           </a:p>
           <a:p>
             <a:r>
-              <a:rPr lang="en-US">
+              <a:rPr lang="en-US" dirty="0">
                 <a:latin typeface="Calibri"/>
                 <a:cs typeface="Calibri"/>
               </a:rPr>
@@ -1602,7 +1668,7 @@
           <a:lstStyle/>
           <a:p>
             <a:r>
-              <a:rPr lang="en-US">
+              <a:rPr lang="en-US" dirty="0">
                 <a:latin typeface="Calibri"/>
                 <a:cs typeface="Calibri"/>
               </a:rPr>
@@ -1884,7 +1950,7 @@
           <a:lstStyle/>
           <a:p>
             <a:r>
-              <a:rPr lang="en-US">
+              <a:rPr lang="en-US" dirty="0">
                 <a:latin typeface="Calibri"/>
                 <a:cs typeface="Calibri"/>
               </a:rPr>
@@ -1893,7 +1959,7 @@
           </a:p>
           <a:p>
             <a:r>
-              <a:rPr lang="en-US" altLang="ja-JP">
+              <a:rPr lang="en-US" altLang="ja-JP" dirty="0">
                 <a:latin typeface="Calibri"/>
                 <a:ea typeface="游ゴシック"/>
                 <a:cs typeface="Calibri"/>
@@ -1903,7 +1969,7 @@
           </a:p>
           <a:p>
             <a:r>
-              <a:rPr lang="en-US" altLang="ja-JP">
+              <a:rPr lang="en-US" altLang="ja-JP" dirty="0">
                 <a:latin typeface="Calibri"/>
                 <a:ea typeface="游ゴシック"/>
                 <a:cs typeface="Calibri"/>
@@ -1913,7 +1979,7 @@
           </a:p>
           <a:p>
             <a:r>
-              <a:rPr lang="en-US" altLang="ja-JP">
+              <a:rPr lang="en-US" altLang="ja-JP" dirty="0">
                 <a:latin typeface="Calibri"/>
                 <a:ea typeface="游ゴシック"/>
                 <a:cs typeface="Calibri"/>
@@ -1923,30 +1989,46 @@
           </a:p>
           <a:p>
             <a:r>
-              <a:rPr lang="en-US" altLang="ja-JP">
+              <a:rPr lang="en-US" altLang="ja-JP" dirty="0">
                 <a:latin typeface="Calibri"/>
                 <a:ea typeface="游ゴシック"/>
                 <a:cs typeface="Calibri"/>
               </a:rPr>
-              <a:t>South east asia characters such as Thai, Laotian... </a:t>
-            </a:r>
-            <a:r>
-              <a:rPr lang="en-US" altLang="ja-JP" err="1">
+              <a:t>South east </a:t>
+            </a:r>
+            <a:r>
+              <a:rPr lang="en-US" altLang="ja-JP" dirty="0" err="1">
                 <a:latin typeface="Calibri"/>
                 <a:ea typeface="游ゴシック"/>
                 <a:cs typeface="Calibri"/>
               </a:rPr>
+              <a:t>asia</a:t>
+            </a:r>
+            <a:r>
+              <a:rPr lang="en-US" altLang="ja-JP" dirty="0">
+                <a:latin typeface="Calibri"/>
+                <a:ea typeface="游ゴシック"/>
+                <a:cs typeface="Calibri"/>
+              </a:rPr>
+              <a:t> characters such as Thai, Laotian... </a:t>
+            </a:r>
+            <a:r>
+              <a:rPr lang="en-US" altLang="ja-JP" dirty="0" err="1">
+                <a:latin typeface="Calibri"/>
+                <a:ea typeface="游ゴシック"/>
+                <a:cs typeface="Calibri"/>
+              </a:rPr>
               <a:t>etsetra</a:t>
             </a:r>
             <a:r>
-              <a:rPr lang="en-US" altLang="ja-JP">
+              <a:rPr lang="en-US" altLang="ja-JP" dirty="0">
                 <a:latin typeface="Calibri"/>
                 <a:ea typeface="游ゴシック"/>
                 <a:cs typeface="Calibri"/>
               </a:rPr>
               <a:t>.</a:t>
             </a:r>
-            <a:endParaRPr lang="en-US">
+            <a:endParaRPr lang="en-US" dirty="0">
               <a:latin typeface="游ゴシック" panose="020F0502020204030204"/>
               <a:ea typeface="游ゴシック"/>
               <a:cs typeface="Calibri"/>
@@ -1954,14 +2036,14 @@
           </a:p>
           <a:p>
             <a:r>
-              <a:rPr lang="en-US" altLang="ja-JP">
+              <a:rPr lang="en-US" altLang="ja-JP" dirty="0">
                 <a:latin typeface="Calibri"/>
                 <a:ea typeface="游ゴシック"/>
                 <a:cs typeface="Calibri"/>
               </a:rPr>
               <a:t>And Emoji characters.</a:t>
             </a:r>
-            <a:endParaRPr lang="en-US">
+            <a:endParaRPr lang="en-US" dirty="0">
               <a:ea typeface="游ゴシック"/>
             </a:endParaRPr>
           </a:p>
@@ -2342,13 +2424,13 @@
           <a:lstStyle/>
           <a:p>
             <a:r>
-              <a:rPr lang="en-US">
+              <a:rPr lang="en-US" dirty="0">
                 <a:latin typeface="Calibri"/>
                 <a:cs typeface="Calibri"/>
               </a:rPr>
               <a:t>The next topic is Unicode testing.</a:t>
             </a:r>
-            <a:endParaRPr lang="en-US" altLang="ja-JP">
+            <a:endParaRPr lang="en-US" altLang="ja-JP" dirty="0">
               <a:latin typeface="Calibri"/>
               <a:cs typeface="Calibri"/>
             </a:endParaRPr>
@@ -2558,7 +2640,7 @@
           <a:lstStyle/>
           <a:p>
             <a:r>
-              <a:rPr lang="en-US">
+              <a:rPr lang="en-US" dirty="0">
                 <a:latin typeface="Calibri"/>
                 <a:cs typeface="Calibri"/>
               </a:rPr>
@@ -2567,7 +2649,7 @@
           </a:p>
           <a:p>
             <a:r>
-              <a:rPr lang="en-US">
+              <a:rPr lang="en-US" dirty="0">
                 <a:latin typeface="Calibri"/>
                 <a:cs typeface="Calibri"/>
               </a:rPr>
@@ -2575,14 +2657,14 @@
             </a:r>
           </a:p>
           <a:p>
-            <a:endParaRPr lang="en-US">
+            <a:endParaRPr lang="en-US" dirty="0">
               <a:latin typeface="Calibri"/>
               <a:cs typeface="Calibri"/>
             </a:endParaRPr>
           </a:p>
           <a:p>
             <a:r>
-              <a:rPr lang="en-US">
+              <a:rPr lang="en-US" dirty="0">
                 <a:latin typeface="Calibri"/>
                 <a:cs typeface="Calibri"/>
               </a:rPr>
@@ -2591,21 +2673,21 @@
           </a:p>
           <a:p>
             <a:r>
-              <a:rPr lang="en-US">
+              <a:rPr lang="en-US" dirty="0">
                 <a:latin typeface="Calibri"/>
                 <a:cs typeface="Calibri"/>
               </a:rPr>
               <a:t>* Prepared writing Windows </a:t>
             </a:r>
             <a:r>
-              <a:rPr lang="en-US" err="1">
+              <a:rPr lang="en-US" dirty="0" err="1">
                 <a:latin typeface="Calibri"/>
                 <a:cs typeface="Calibri"/>
               </a:rPr>
               <a:t>EventLog</a:t>
             </a:r>
             <a:r>
-              <a:rPr lang="en-US">
+              <a:rPr lang="en-US" dirty="0">
                 <a:latin typeface="Calibri"/>
                 <a:cs typeface="Calibri"/>
               </a:rPr>
@@ -2614,21 +2696,21 @@
           </a:p>
           <a:p>
             <a:r>
-              <a:rPr lang="en-US">
+              <a:rPr lang="en-US" dirty="0">
                 <a:latin typeface="Calibri"/>
                 <a:cs typeface="Calibri"/>
               </a:rPr>
               <a:t>* And I used PowerShell Core six on Windows Terminal. Not command prompt and raw </a:t>
             </a:r>
             <a:r>
-              <a:rPr lang="en-US" err="1">
+              <a:rPr lang="en-US" dirty="0" err="1">
                 <a:latin typeface="Calibri"/>
                 <a:cs typeface="Calibri"/>
               </a:rPr>
               <a:t>Powershell</a:t>
             </a:r>
             <a:r>
-              <a:rPr lang="en-US">
+              <a:rPr lang="en-US" dirty="0">
                 <a:latin typeface="Calibri"/>
                 <a:cs typeface="Calibri"/>
               </a:rPr>
@@ -2637,14 +2719,14 @@
           </a:p>
           <a:p>
             <a:r>
-              <a:rPr lang="en-US" err="1">
+              <a:rPr lang="en-US" dirty="0" err="1">
                 <a:latin typeface="Calibri"/>
                 <a:cs typeface="Calibri"/>
               </a:rPr>
               <a:t>'Cause</a:t>
             </a:r>
             <a:r>
-              <a:rPr lang="en-US">
+              <a:rPr lang="en-US" dirty="0">
                 <a:latin typeface="Calibri"/>
                 <a:cs typeface="Calibri"/>
               </a:rPr>
@@ -2734,7 +2816,7 @@
           <a:lstStyle/>
           <a:p>
             <a:r>
-              <a:rPr lang="en-US" altLang="ja-JP">
+              <a:rPr lang="en-US" altLang="ja-JP" dirty="0">
                 <a:latin typeface="Calibri"/>
                 <a:ea typeface="游ゴシック"/>
                 <a:cs typeface="Calibri"/>
@@ -2742,7 +2824,7 @@
               <a:t>Here is the snippet of writing Windows </a:t>
             </a:r>
             <a:r>
-              <a:rPr lang="en-US" altLang="ja-JP" err="1">
+              <a:rPr lang="en-US" altLang="ja-JP" dirty="0" err="1">
                 <a:latin typeface="Calibri"/>
                 <a:ea typeface="游ゴシック"/>
                 <a:cs typeface="Calibri"/>
@@ -2750,7 +2832,7 @@
               <a:t>EventLog</a:t>
             </a:r>
             <a:r>
-              <a:rPr lang="en-US" altLang="ja-JP">
+              <a:rPr lang="en-US" altLang="ja-JP" dirty="0">
                 <a:latin typeface="Calibri"/>
                 <a:ea typeface="游ゴシック"/>
                 <a:cs typeface="Calibri"/>
@@ -2760,7 +2842,7 @@
           </a:p>
           <a:p>
             <a:r>
-              <a:rPr lang="en-US" altLang="ja-JP">
+              <a:rPr lang="en-US" altLang="ja-JP" dirty="0">
                 <a:latin typeface="Calibri"/>
                 <a:ea typeface="游ゴシック"/>
                 <a:cs typeface="Calibri"/>
@@ -2770,7 +2852,7 @@
           </a:p>
           <a:p>
             <a:r>
-              <a:rPr lang="en-US" altLang="ja-JP">
+              <a:rPr lang="en-US" altLang="ja-JP" dirty="0">
                 <a:latin typeface="Calibri"/>
                 <a:ea typeface="游ゴシック"/>
                 <a:cs typeface="Calibri"/>
@@ -2780,7 +2862,7 @@
           </a:p>
           <a:p>
             <a:r>
-              <a:rPr lang="en-US" altLang="ja-JP">
+              <a:rPr lang="en-US" altLang="ja-JP" dirty="0">
                 <a:latin typeface="Calibri"/>
                 <a:ea typeface="游ゴシック"/>
                 <a:cs typeface="Calibri"/>
@@ -2790,7 +2872,7 @@
           </a:p>
           <a:p>
             <a:r>
-              <a:rPr lang="en-US" altLang="ja-JP">
+              <a:rPr lang="en-US" altLang="ja-JP" dirty="0">
                 <a:latin typeface="Calibri"/>
                 <a:ea typeface="游ゴシック"/>
                 <a:cs typeface="Calibri"/>
@@ -2800,7 +2882,7 @@
           </a:p>
           <a:p>
             <a:r>
-              <a:rPr lang="en-US" altLang="ja-JP">
+              <a:rPr lang="en-US" altLang="ja-JP" dirty="0">
                 <a:latin typeface="Calibri"/>
                 <a:ea typeface="游ゴシック"/>
                 <a:cs typeface="Calibri"/>
@@ -2810,7 +2892,7 @@
           </a:p>
           <a:p>
             <a:r>
-              <a:rPr lang="en-US" altLang="ja-JP">
+              <a:rPr lang="en-US" altLang="ja-JP" dirty="0">
                 <a:latin typeface="Calibri"/>
                 <a:ea typeface="游ゴシック"/>
                 <a:cs typeface="Calibri"/>
@@ -2820,7 +2902,7 @@
           </a:p>
           <a:p>
             <a:r>
-              <a:rPr lang="en-US" altLang="ja-JP">
+              <a:rPr lang="en-US" altLang="ja-JP" dirty="0">
                 <a:latin typeface="Calibri"/>
                 <a:ea typeface="游ゴシック"/>
                 <a:cs typeface="Calibri"/>
@@ -2830,7 +2912,7 @@
           </a:p>
           <a:p>
             <a:r>
-              <a:rPr lang="en-US" altLang="ja-JP">
+              <a:rPr lang="en-US" altLang="ja-JP" dirty="0">
                 <a:latin typeface="Calibri"/>
                 <a:ea typeface="游ゴシック"/>
                 <a:cs typeface="Calibri"/>
@@ -2840,7 +2922,7 @@
           </a:p>
           <a:p>
             <a:r>
-              <a:rPr lang="en-US" altLang="ja-JP" err="1">
+              <a:rPr lang="en-US" altLang="ja-JP" dirty="0" err="1">
                 <a:latin typeface="Calibri"/>
                 <a:ea typeface="游ゴシック"/>
                 <a:cs typeface="Calibri"/>
@@ -2848,7 +2930,7 @@
               <a:t>Unicod-ish</a:t>
             </a:r>
             <a:r>
-              <a:rPr lang="en-US" altLang="ja-JP">
+              <a:rPr lang="en-US" altLang="ja-JP" dirty="0">
                 <a:latin typeface="Calibri"/>
                 <a:ea typeface="游ゴシック"/>
                 <a:cs typeface="Calibri"/>
@@ -2858,14 +2940,14 @@
           </a:p>
           <a:p>
             <a:r>
-              <a:rPr lang="en-US" altLang="ja-JP">
+              <a:rPr lang="en-US" altLang="ja-JP" dirty="0">
                 <a:latin typeface="Calibri"/>
                 <a:ea typeface="游ゴシック"/>
                 <a:cs typeface="Calibri"/>
               </a:rPr>
               <a:t>And Emoji</a:t>
             </a:r>
-            <a:endParaRPr lang="en-US" altLang="ja-JP">
+            <a:endParaRPr lang="en-US" altLang="ja-JP" dirty="0">
               <a:latin typeface="Calibri"/>
               <a:ea typeface="游ゴシック" panose="020B0400000000000000" pitchFamily="34" charset="-128"/>
               <a:cs typeface="Calibri"/>
@@ -3062,7 +3144,7 @@
           <a:lstStyle/>
           <a:p>
             <a:r>
-              <a:rPr lang="en-US">
+              <a:rPr lang="en-US" dirty="0">
                 <a:latin typeface="Calibri"/>
                 <a:cs typeface="Calibri"/>
               </a:rPr>
@@ -3071,54 +3153,89 @@
           </a:p>
           <a:p>
             <a:r>
-              <a:rPr lang="en-US">
-                <a:latin typeface="Calibri"/>
-                <a:cs typeface="Calibri"/>
-              </a:rPr>
-              <a:t>Fluentd will use </a:t>
-            </a:r>
-            <a:r>
-              <a:rPr lang="en-US" err="1">
+              <a:rPr lang="en-US" dirty="0" err="1">
+                <a:latin typeface="Calibri"/>
+                <a:cs typeface="Calibri"/>
+              </a:rPr>
+              <a:t>Fluentd</a:t>
+            </a:r>
+            <a:r>
+              <a:rPr lang="en-US" dirty="0">
+                <a:latin typeface="Calibri"/>
+                <a:cs typeface="Calibri"/>
+              </a:rPr>
+              <a:t> will use </a:t>
+            </a:r>
+            <a:r>
+              <a:rPr lang="en-US" dirty="0" err="1">
                 <a:latin typeface="Calibri"/>
                 <a:cs typeface="Calibri"/>
               </a:rPr>
               <a:t>in_windows_eventlog</a:t>
             </a:r>
             <a:r>
-              <a:rPr lang="en-US">
-                <a:latin typeface="Calibri"/>
-                <a:cs typeface="Calibri"/>
-              </a:rPr>
-              <a:t> as a source and out_forward as an output.</a:t>
-            </a:r>
-          </a:p>
-          <a:p>
-            <a:r>
-              <a:rPr lang="en-US">
-                <a:latin typeface="Calibri"/>
-                <a:cs typeface="Calibri"/>
-              </a:rPr>
-              <a:t>Note that the old plugin requests to use from_encoding and encoding parameters to handle character encoding correctly.</a:t>
-            </a:r>
-            <a:endParaRPr lang="en-US"/>
-          </a:p>
-          <a:p>
-            <a:r>
-              <a:rPr lang="en-US">
+              <a:rPr lang="en-US" dirty="0">
+                <a:latin typeface="Calibri"/>
+                <a:cs typeface="Calibri"/>
+              </a:rPr>
+              <a:t> as a source and </a:t>
+            </a:r>
+            <a:r>
+              <a:rPr lang="en-US" dirty="0" err="1">
+                <a:latin typeface="Calibri"/>
+                <a:cs typeface="Calibri"/>
+              </a:rPr>
+              <a:t>out_forward</a:t>
+            </a:r>
+            <a:r>
+              <a:rPr lang="en-US" dirty="0">
+                <a:latin typeface="Calibri"/>
+                <a:cs typeface="Calibri"/>
+              </a:rPr>
+              <a:t> as an output.</a:t>
+            </a:r>
+          </a:p>
+          <a:p>
+            <a:r>
+              <a:rPr lang="en-US" dirty="0">
+                <a:latin typeface="Calibri"/>
+                <a:cs typeface="Calibri"/>
+              </a:rPr>
+              <a:t>Note that the old plugin requests to use </a:t>
+            </a:r>
+            <a:r>
+              <a:rPr lang="en-US" dirty="0" err="1">
+                <a:latin typeface="Calibri"/>
+                <a:cs typeface="Calibri"/>
+              </a:rPr>
+              <a:t>from_encoding</a:t>
+            </a:r>
+            <a:r>
+              <a:rPr lang="en-US" dirty="0">
+                <a:latin typeface="Calibri"/>
+                <a:cs typeface="Calibri"/>
+              </a:rPr>
+              <a:t> and encoding parameters to handle character encoding correctly.</a:t>
+            </a:r>
+            <a:endParaRPr lang="en-US" dirty="0"/>
+          </a:p>
+          <a:p>
+            <a:r>
+              <a:rPr lang="en-US" dirty="0">
                 <a:latin typeface="Calibri"/>
                 <a:cs typeface="Calibri"/>
               </a:rPr>
               <a:t>And also default </a:t>
             </a:r>
             <a:r>
-              <a:rPr lang="en-US" err="1">
+              <a:rPr lang="en-US" dirty="0" err="1">
                 <a:latin typeface="Calibri"/>
                 <a:cs typeface="Calibri"/>
               </a:rPr>
               <a:t>read_interval</a:t>
             </a:r>
             <a:r>
-              <a:rPr lang="en-US">
+              <a:rPr lang="en-US" dirty="0">
                 <a:latin typeface="Calibri"/>
                 <a:cs typeface="Calibri"/>
               </a:rPr>
@@ -3127,7 +3244,7 @@
           </a:p>
           <a:p>
             <a:r>
-              <a:rPr lang="en-US">
+              <a:rPr lang="en-US" dirty="0">
                 <a:latin typeface="Calibri"/>
                 <a:cs typeface="Calibri"/>
               </a:rPr>
@@ -3217,41 +3334,73 @@
           <a:lstStyle/>
           <a:p>
             <a:r>
-              <a:rPr lang="en-US" altLang="ja-JP">
+              <a:rPr lang="en-US" altLang="ja-JP" dirty="0" err="1">
                 <a:latin typeface="Calibri"/>
                 <a:ea typeface="游ゴシック"/>
                 <a:cs typeface="Calibri"/>
               </a:rPr>
-              <a:t>Fluentd will use in_windows_eventlog2 as a source and out_forward as an output.</a:t>
-            </a:r>
-            <a:endParaRPr lang="ja-JP" altLang="en-US"/>
-          </a:p>
-          <a:p>
-            <a:r>
-              <a:rPr lang="en-US"/>
-              <a:t>Note that the new plugin doesn't request to use from_encoding and encoding parameters.</a:t>
-            </a:r>
-          </a:p>
-          <a:p>
-            <a:r>
-              <a:rPr lang="en-US"/>
+              <a:t>Fluentd</a:t>
+            </a:r>
+            <a:r>
+              <a:rPr lang="en-US" altLang="ja-JP" dirty="0">
+                <a:latin typeface="Calibri"/>
+                <a:ea typeface="游ゴシック"/>
+                <a:cs typeface="Calibri"/>
+              </a:rPr>
+              <a:t> will use in_windows_eventlog2 as a source and </a:t>
+            </a:r>
+            <a:r>
+              <a:rPr lang="en-US" altLang="ja-JP" dirty="0" err="1">
+                <a:latin typeface="Calibri"/>
+                <a:ea typeface="游ゴシック"/>
+                <a:cs typeface="Calibri"/>
+              </a:rPr>
+              <a:t>out_forward</a:t>
+            </a:r>
+            <a:r>
+              <a:rPr lang="en-US" altLang="ja-JP" dirty="0">
+                <a:latin typeface="Calibri"/>
+                <a:ea typeface="游ゴシック"/>
+                <a:cs typeface="Calibri"/>
+              </a:rPr>
+              <a:t> as an output.</a:t>
+            </a:r>
+            <a:endParaRPr lang="ja-JP" altLang="en-US" dirty="0"/>
+          </a:p>
+          <a:p>
+            <a:r>
+              <a:rPr lang="en-US" dirty="0"/>
+              <a:t>Note that the new plugin doesn't request to use </a:t>
+            </a:r>
+            <a:r>
+              <a:rPr lang="en-US" dirty="0" err="1"/>
+              <a:t>from_encoding</a:t>
+            </a:r>
+            <a:r>
+              <a:rPr lang="en-US" dirty="0"/>
+              <a:t> and encoding parameters.</a:t>
+            </a:r>
+          </a:p>
+          <a:p>
+            <a:r>
+              <a:rPr lang="en-US" dirty="0"/>
               <a:t>And also default </a:t>
             </a:r>
             <a:r>
-              <a:rPr lang="en-US" err="1"/>
+              <a:rPr lang="en-US" dirty="0" err="1"/>
               <a:t>read_interval</a:t>
             </a:r>
             <a:r>
-              <a:rPr lang="en-US"/>
+              <a:rPr lang="en-US" dirty="0"/>
               <a:t> parameter which is two-seconds is used.</a:t>
             </a:r>
-            <a:endParaRPr lang="en-US">
+            <a:endParaRPr lang="en-US" dirty="0">
               <a:ea typeface="游ゴシック"/>
             </a:endParaRPr>
           </a:p>
           <a:p>
             <a:r>
-              <a:rPr lang="en-US" altLang="ja-JP">
+              <a:rPr lang="en-US" altLang="ja-JP" dirty="0">
                 <a:latin typeface="Calibri"/>
                 <a:ea typeface="游ゴシック"/>
                 <a:cs typeface="Calibri"/>
@@ -3261,7 +3410,7 @@
           </a:p>
           <a:p>
             <a:r>
-              <a:rPr lang="en-US" altLang="ja-JP">
+              <a:rPr lang="en-US" altLang="ja-JP" dirty="0">
                 <a:latin typeface="Calibri"/>
                 <a:ea typeface="游ゴシック"/>
                 <a:cs typeface="Calibri"/>
@@ -3453,7 +3602,7 @@
           <a:lstStyle/>
           <a:p>
             <a:r>
-              <a:rPr lang="en-US">
+              <a:rPr lang="en-US" dirty="0">
                 <a:latin typeface="Calibri"/>
                 <a:cs typeface="Calibri"/>
               </a:rPr>
@@ -3462,7 +3611,7 @@
           </a:p>
           <a:p>
             <a:r>
-              <a:rPr lang="en-US">
+              <a:rPr lang="en-US" dirty="0">
                 <a:latin typeface="Calibri"/>
                 <a:cs typeface="Calibri"/>
               </a:rPr>
@@ -3471,7 +3620,7 @@
           </a:p>
           <a:p>
             <a:r>
-              <a:rPr lang="en-US">
+              <a:rPr lang="en-US" dirty="0">
                 <a:latin typeface="Calibri"/>
                 <a:cs typeface="Calibri"/>
               </a:rPr>
@@ -3479,28 +3628,28 @@
             </a:r>
           </a:p>
           <a:p>
-            <a:endParaRPr lang="en-US">
+            <a:endParaRPr lang="en-US" dirty="0">
               <a:latin typeface="Calibri"/>
               <a:cs typeface="Calibri"/>
             </a:endParaRPr>
           </a:p>
           <a:p>
             <a:r>
-              <a:rPr lang="en-US">
+              <a:rPr lang="en-US" dirty="0">
                 <a:latin typeface="Calibri"/>
                 <a:cs typeface="Calibri"/>
               </a:rPr>
               <a:t>Now, we can handle Emoji characters contaminated Windows </a:t>
             </a:r>
             <a:r>
-              <a:rPr lang="en-US" err="1">
+              <a:rPr lang="en-US" dirty="0" err="1">
                 <a:latin typeface="Calibri"/>
                 <a:cs typeface="Calibri"/>
               </a:rPr>
               <a:t>EventLog</a:t>
             </a:r>
             <a:r>
-              <a:rPr lang="en-US">
+              <a:rPr lang="en-US" dirty="0">
                 <a:latin typeface="Calibri"/>
                 <a:cs typeface="Calibri"/>
               </a:rPr>
@@ -3590,13 +3739,13 @@
           <a:lstStyle/>
           <a:p>
             <a:r>
-              <a:rPr lang="en-US">
+              <a:rPr lang="en-US" dirty="0">
                 <a:latin typeface="Calibri"/>
                 <a:cs typeface="Calibri"/>
               </a:rPr>
               <a:t>So, we reached benchmark section.</a:t>
             </a:r>
-            <a:endParaRPr lang="en-US" altLang="ja-JP">
+            <a:endParaRPr lang="en-US" altLang="ja-JP" dirty="0">
               <a:latin typeface="Calibri"/>
               <a:cs typeface="Calibri"/>
             </a:endParaRPr>
@@ -4050,13 +4199,13 @@
           <a:lstStyle/>
           <a:p>
             <a:r>
-              <a:rPr lang="en-US">
+              <a:rPr lang="en-US" dirty="0">
                 <a:latin typeface="Calibri"/>
                 <a:cs typeface="Calibri"/>
               </a:rPr>
               <a:t>Now, let's start to talk about motivation.</a:t>
             </a:r>
-            <a:endParaRPr lang="en-US" altLang="ja-JP">
+            <a:endParaRPr lang="en-US" altLang="ja-JP" dirty="0">
               <a:latin typeface="Calibri"/>
               <a:cs typeface="Calibri"/>
             </a:endParaRPr>
@@ -4601,16 +4750,16 @@
           <a:lstStyle/>
           <a:p>
             <a:r>
-              <a:rPr lang="en-US" altLang="ja-JP">
+              <a:rPr lang="en-US" altLang="ja-JP" dirty="0">
                 <a:ea typeface="游ゴシック"/>
               </a:rPr>
               <a:t>Second, here is the new plugin benchmarking result.</a:t>
             </a:r>
-            <a:endParaRPr lang="ja-JP" altLang="en-US"/>
-          </a:p>
-          <a:p>
-            <a:r>
-              <a:rPr lang="en-US" altLang="ja-JP">
+            <a:endParaRPr lang="ja-JP" altLang="en-US" dirty="0"/>
+          </a:p>
+          <a:p>
+            <a:r>
+              <a:rPr lang="en-US" altLang="ja-JP" dirty="0">
                 <a:ea typeface="游ゴシック"/>
               </a:rPr>
               <a:t>This graph shows that the new plugin uses around one-hundred twenty megabytes memory.</a:t>
@@ -4618,12 +4767,12 @@
           </a:p>
           <a:p>
             <a:r>
-              <a:rPr lang="en-US" altLang="ja-JP">
+              <a:rPr lang="en-US" altLang="ja-JP" dirty="0">
                 <a:ea typeface="游ゴシック"/>
               </a:rPr>
               <a:t>But CPU usage slightly higher than the previous. </a:t>
             </a:r>
-            <a:endParaRPr lang="ja-JP">
+            <a:endParaRPr lang="ja-JP" dirty="0">
               <a:ea typeface="游ゴシック"/>
             </a:endParaRPr>
           </a:p>
@@ -4710,7 +4859,7 @@
           <a:lstStyle/>
           <a:p>
             <a:r>
-              <a:rPr lang="en-US">
+              <a:rPr lang="en-US" dirty="0">
                 <a:latin typeface="Calibri"/>
                 <a:cs typeface="Calibri"/>
               </a:rPr>
@@ -4718,14 +4867,14 @@
             </a:r>
           </a:p>
           <a:p>
-            <a:endParaRPr lang="en-US">
+            <a:endParaRPr lang="en-US" dirty="0">
               <a:latin typeface="Calibri"/>
               <a:cs typeface="Calibri"/>
             </a:endParaRPr>
           </a:p>
           <a:p>
             <a:r>
-              <a:rPr lang="en-US">
+              <a:rPr lang="en-US" dirty="0">
                 <a:latin typeface="Calibri"/>
                 <a:cs typeface="Calibri"/>
               </a:rPr>
@@ -4734,17 +4883,17 @@
           </a:p>
           <a:p>
             <a:r>
-              <a:rPr lang="en-US">
+              <a:rPr lang="en-US" dirty="0">
                 <a:latin typeface="Calibri"/>
                 <a:cs typeface="Calibri"/>
               </a:rPr>
               <a:t>* Low CPU usage</a:t>
             </a:r>
-            <a:endParaRPr lang="en-US"/>
-          </a:p>
-          <a:p>
-            <a:r>
-              <a:rPr lang="en-US">
+            <a:endParaRPr lang="en-US" dirty="0"/>
+          </a:p>
+          <a:p>
+            <a:r>
+              <a:rPr lang="en-US" dirty="0">
                 <a:latin typeface="Calibri"/>
                 <a:cs typeface="Calibri"/>
               </a:rPr>
@@ -4753,7 +4902,7 @@
           </a:p>
           <a:p>
             <a:r>
-              <a:rPr lang="en-US">
+              <a:rPr lang="en-US" dirty="0">
                 <a:latin typeface="Calibri"/>
                 <a:cs typeface="Calibri"/>
               </a:rPr>
@@ -4762,7 +4911,7 @@
           </a:p>
           <a:p>
             <a:r>
-              <a:rPr lang="en-US">
+              <a:rPr lang="en-US" dirty="0">
                 <a:latin typeface="Calibri"/>
                 <a:cs typeface="Calibri"/>
               </a:rPr>
@@ -4852,18 +5001,18 @@
           <a:lstStyle/>
           <a:p>
             <a:r>
-              <a:rPr lang="en-US" altLang="ja-JP">
+              <a:rPr lang="en-US" altLang="ja-JP" dirty="0">
                 <a:ea typeface="游ゴシック"/>
               </a:rPr>
               <a:t>Also, we can say pros and cons for the new plugin.</a:t>
             </a:r>
           </a:p>
           <a:p>
-            <a:endParaRPr lang="en-US" altLang="ja-JP"/>
-          </a:p>
-          <a:p>
-            <a:r>
-              <a:rPr lang="en-US" altLang="ja-JP">
+            <a:endParaRPr lang="en-US" altLang="ja-JP" dirty="0"/>
+          </a:p>
+          <a:p>
+            <a:r>
+              <a:rPr lang="en-US" altLang="ja-JP" dirty="0">
                 <a:ea typeface="游ゴシック"/>
               </a:rPr>
               <a:t>Pros: </a:t>
@@ -4871,7 +5020,7 @@
           </a:p>
           <a:p>
             <a:r>
-              <a:rPr lang="en-US" altLang="ja-JP">
+              <a:rPr lang="en-US" altLang="ja-JP" dirty="0">
                 <a:ea typeface="游ゴシック"/>
               </a:rPr>
               <a:t>* Low memory usage</a:t>
@@ -4879,7 +5028,7 @@
           </a:p>
           <a:p>
             <a:r>
-              <a:rPr lang="en-US" altLang="ja-JP">
+              <a:rPr lang="en-US" altLang="ja-JP" dirty="0">
                 <a:ea typeface="游ゴシック"/>
               </a:rPr>
               <a:t>* Unicode handling</a:t>
@@ -4887,20 +5036,20 @@
           </a:p>
           <a:p>
             <a:r>
-              <a:rPr lang="en-US" altLang="ja-JP">
+              <a:rPr lang="en-US" altLang="ja-JP" dirty="0">
                 <a:ea typeface="游ゴシック"/>
               </a:rPr>
               <a:t>* immediately subscribe channel event if it's empty on subscribe</a:t>
             </a:r>
           </a:p>
           <a:p>
-            <a:endParaRPr lang="en-US" altLang="ja-JP">
+            <a:endParaRPr lang="en-US" altLang="ja-JP" dirty="0">
               <a:ea typeface="游ゴシック"/>
             </a:endParaRPr>
           </a:p>
           <a:p>
             <a:r>
-              <a:rPr lang="en-US" altLang="ja-JP">
+              <a:rPr lang="en-US" altLang="ja-JP" dirty="0">
                 <a:ea typeface="游ゴシック"/>
               </a:rPr>
               <a:t>Cons: </a:t>
@@ -4908,12 +5057,12 @@
           </a:p>
           <a:p>
             <a:r>
-              <a:rPr lang="en-US" altLang="ja-JP">
+              <a:rPr lang="en-US" altLang="ja-JP" dirty="0">
                 <a:ea typeface="游ゴシック"/>
               </a:rPr>
               <a:t>* Slightly higher CPU usage rather than the old plugin's</a:t>
             </a:r>
-            <a:endParaRPr lang="en-US" altLang="ja-JP"/>
+            <a:endParaRPr lang="en-US" altLang="ja-JP" dirty="0"/>
           </a:p>
         </p:txBody>
       </p:sp>
@@ -4998,13 +5147,13 @@
           <a:lstStyle/>
           <a:p>
             <a:r>
-              <a:rPr lang="en-US">
+              <a:rPr lang="en-US" dirty="0">
                 <a:latin typeface="Calibri"/>
                 <a:cs typeface="Calibri"/>
               </a:rPr>
               <a:t>The last topic is throughput benchmarking.</a:t>
             </a:r>
-            <a:endParaRPr lang="en-US" altLang="ja-JP">
+            <a:endParaRPr lang="en-US" altLang="ja-JP" dirty="0">
               <a:latin typeface="Calibri"/>
               <a:cs typeface="Calibri"/>
             </a:endParaRPr>
@@ -5794,22 +5943,22 @@
           <a:lstStyle/>
           <a:p>
             <a:r>
-              <a:rPr lang="en-US" altLang="ja-JP">
+              <a:rPr lang="en-US" altLang="ja-JP" dirty="0">
                 <a:ea typeface="游ゴシック"/>
               </a:rPr>
               <a:t>The next is around </a:t>
             </a:r>
             <a:r>
-              <a:rPr lang="en-US"/>
+              <a:rPr lang="en-US" dirty="0"/>
               <a:t>two-hundred-ninety events per second</a:t>
             </a:r>
             <a:r>
-              <a:rPr lang="en-US" altLang="ja-JP">
+              <a:rPr lang="en-US" altLang="ja-JP" dirty="0">
                 <a:ea typeface="游ゴシック"/>
               </a:rPr>
               <a:t> case. The new plugin also can consume benchmark channel events.</a:t>
             </a:r>
-            <a:endParaRPr lang="ja-JP" altLang="ja-JP">
+            <a:endParaRPr lang="ja-JP" altLang="ja-JP" dirty="0">
               <a:ea typeface="游ゴシック"/>
             </a:endParaRPr>
           </a:p>
@@ -5896,28 +6045,28 @@
           <a:lstStyle/>
           <a:p>
             <a:r>
-              <a:rPr lang="en-US" altLang="ja-JP">
+              <a:rPr lang="en-US" altLang="ja-JP" dirty="0">
                 <a:ea typeface="游ゴシック"/>
               </a:rPr>
               <a:t>Third is around </a:t>
             </a:r>
             <a:r>
-              <a:rPr lang="en-US"/>
+              <a:rPr lang="en-US" dirty="0"/>
               <a:t>three-hundred-ten events per second</a:t>
             </a:r>
             <a:r>
-              <a:rPr lang="en-US" altLang="ja-JP">
+              <a:rPr lang="en-US" altLang="ja-JP" dirty="0">
                 <a:ea typeface="游ゴシック"/>
               </a:rPr>
               <a:t> case. The new plugin also can consume benchmark channel events.</a:t>
             </a:r>
-            <a:endParaRPr lang="ja-JP">
+            <a:endParaRPr lang="ja-JP" dirty="0">
               <a:ea typeface="游ゴシック"/>
             </a:endParaRPr>
           </a:p>
           <a:p>
             <a:r>
-              <a:rPr lang="en-US" altLang="ja-JP">
+              <a:rPr lang="en-US" altLang="ja-JP" dirty="0">
                 <a:latin typeface="游ゴシック"/>
                 <a:ea typeface="游ゴシック"/>
                 <a:cs typeface="Calibri"/>
@@ -5926,7 +6075,7 @@
             </a:r>
           </a:p>
           <a:p>
-            <a:endParaRPr lang="en-US" altLang="ja-JP">
+            <a:endParaRPr lang="en-US" altLang="ja-JP" dirty="0">
               <a:latin typeface="Calibri"/>
               <a:cs typeface="Calibri"/>
             </a:endParaRPr>
@@ -6014,28 +6163,28 @@
           <a:lstStyle/>
           <a:p>
             <a:r>
-              <a:rPr lang="en-US" altLang="ja-JP">
+              <a:rPr lang="en-US" altLang="ja-JP" dirty="0">
                 <a:ea typeface="游ゴシック"/>
               </a:rPr>
               <a:t>The last normal case is around </a:t>
             </a:r>
             <a:r>
-              <a:rPr lang="en-US"/>
+              <a:rPr lang="en-US" dirty="0"/>
               <a:t>three-hundred-twenty events</a:t>
             </a:r>
             <a:r>
-              <a:rPr lang="en-US" altLang="ja-JP">
+              <a:rPr lang="en-US" altLang="ja-JP" dirty="0">
                 <a:ea typeface="游ゴシック"/>
               </a:rPr>
               <a:t> per second case. The new plugin also can consume benchmark channel events.</a:t>
             </a:r>
-            <a:endParaRPr lang="ja-JP">
+            <a:endParaRPr lang="ja-JP" dirty="0">
               <a:ea typeface="游ゴシック"/>
             </a:endParaRPr>
           </a:p>
           <a:p>
             <a:r>
-              <a:rPr lang="en-US" altLang="ja-JP"/>
+              <a:rPr lang="en-US" altLang="ja-JP" dirty="0"/>
               <a:t>But it is also slightly growing up memory consumption.</a:t>
             </a:r>
           </a:p>
@@ -6982,21 +7131,7 @@
                 <a:latin typeface="Calibri"/>
                 <a:cs typeface="Calibri"/>
               </a:rPr>
-              <a:t>In this case</a:t>
-            </a:r>
-            <a:r>
-              <a:rPr lang="en-US">
-                <a:latin typeface="Calibri"/>
-                <a:cs typeface="Calibri"/>
-              </a:rPr>
-              <a:t>, specified </a:t>
-            </a:r>
-            <a:r>
-              <a:rPr lang="en-US" dirty="0">
-                <a:latin typeface="Calibri"/>
-                <a:cs typeface="Calibri"/>
-              </a:rPr>
-              <a:t>channel is application.</a:t>
+              <a:t>In this case, specified channel is application.</a:t>
             </a:r>
             <a:endParaRPr lang="en-US" dirty="0"/>
           </a:p>
@@ -7086,19 +7221,7 @@
               <a:rPr lang="en-US" altLang="ja-JP" dirty="0">
                 <a:ea typeface="游ゴシック"/>
               </a:rPr>
-              <a:t>Second, displayed example code is </a:t>
-            </a:r>
-            <a:r>
-              <a:rPr lang="en-US" altLang="ja-JP">
-                <a:ea typeface="游ゴシック"/>
-              </a:rPr>
-              <a:t>updating bookmark </a:t>
-            </a:r>
-            <a:r>
-              <a:rPr lang="en-US" altLang="ja-JP" dirty="0">
-                <a:ea typeface="游ゴシック"/>
-              </a:rPr>
-              <a:t>for querying channel.</a:t>
+              <a:t>Second, displayed example code is updating bookmark for querying channel.</a:t>
             </a:r>
           </a:p>
           <a:p>
@@ -7192,7 +7315,7 @@
           <a:lstStyle/>
           <a:p>
             <a:r>
-              <a:rPr lang="en-US">
+              <a:rPr lang="en-US" dirty="0">
                 <a:latin typeface="Calibri"/>
                 <a:cs typeface="Calibri"/>
               </a:rPr>
@@ -7201,7 +7324,7 @@
           </a:p>
           <a:p>
             <a:r>
-              <a:rPr lang="en-US">
+              <a:rPr lang="en-US" dirty="0">
                 <a:latin typeface="Calibri"/>
                 <a:cs typeface="Calibri"/>
               </a:rPr>
@@ -7210,13 +7333,13 @@
           </a:p>
           <a:p>
             <a:r>
-              <a:rPr lang="en-US">
+              <a:rPr lang="en-US" dirty="0">
                 <a:latin typeface="Calibri"/>
                 <a:cs typeface="Calibri"/>
               </a:rPr>
               <a:t>This API is useful for most users.</a:t>
             </a:r>
-            <a:endParaRPr lang="en-US"/>
+            <a:endParaRPr lang="en-US" dirty="0"/>
           </a:p>
         </p:txBody>
       </p:sp>

--- a/Fluentd meetup 2019.pptx
+++ b/Fluentd meetup 2019.pptx
@@ -253,7 +253,7 @@
           <a:p>
             <a:fld id="{AF7ECAAC-6FAA-4305-A808-82A5FC29FD23}" type="datetimeFigureOut">
               <a:rPr kumimoji="1" lang="en-US" altLang="ja-JP"/>
-              <a:t>7/16/2019</a:t>
+              <a:t>8/21/2019</a:t>
             </a:fld>
             <a:endParaRPr kumimoji="1" lang="ja-JP" altLang="en-US"/>
           </a:p>
@@ -7795,7 +7795,7 @@
           <a:p>
             <a:fld id="{0E02A643-9BB0-4E02-80B2-2C0A5E5D738E}" type="datetimeFigureOut">
               <a:rPr kumimoji="1" lang="ja-JP" altLang="en-US" smtClean="0"/>
-              <a:t>2019/7/16</a:t>
+              <a:t>2019/8/21</a:t>
             </a:fld>
             <a:endParaRPr kumimoji="1" lang="ja-JP" altLang="en-US"/>
           </a:p>
@@ -7995,7 +7995,7 @@
           <a:p>
             <a:fld id="{0E02A643-9BB0-4E02-80B2-2C0A5E5D738E}" type="datetimeFigureOut">
               <a:rPr kumimoji="1" lang="ja-JP" altLang="en-US" smtClean="0"/>
-              <a:t>2019/7/16</a:t>
+              <a:t>2019/8/21</a:t>
             </a:fld>
             <a:endParaRPr kumimoji="1" lang="ja-JP" altLang="en-US"/>
           </a:p>
@@ -8205,7 +8205,7 @@
           <a:p>
             <a:fld id="{0E02A643-9BB0-4E02-80B2-2C0A5E5D738E}" type="datetimeFigureOut">
               <a:rPr kumimoji="1" lang="ja-JP" altLang="en-US" smtClean="0"/>
-              <a:t>2019/7/16</a:t>
+              <a:t>2019/8/21</a:t>
             </a:fld>
             <a:endParaRPr kumimoji="1" lang="ja-JP" altLang="en-US"/>
           </a:p>
@@ -8405,7 +8405,7 @@
           <a:p>
             <a:fld id="{0E02A643-9BB0-4E02-80B2-2C0A5E5D738E}" type="datetimeFigureOut">
               <a:rPr kumimoji="1" lang="ja-JP" altLang="en-US" smtClean="0"/>
-              <a:t>2019/7/16</a:t>
+              <a:t>2019/8/21</a:t>
             </a:fld>
             <a:endParaRPr kumimoji="1" lang="ja-JP" altLang="en-US"/>
           </a:p>
@@ -8650,7 +8650,7 @@
           <a:p>
             <a:fld id="{0E02A643-9BB0-4E02-80B2-2C0A5E5D738E}" type="datetimeFigureOut">
               <a:rPr kumimoji="1" lang="ja-JP" altLang="en-US" smtClean="0"/>
-              <a:t>2019/7/16</a:t>
+              <a:t>2019/8/21</a:t>
             </a:fld>
             <a:endParaRPr kumimoji="1" lang="ja-JP" altLang="en-US"/>
           </a:p>
@@ -8943,7 +8943,7 @@
           <a:p>
             <a:fld id="{0E02A643-9BB0-4E02-80B2-2C0A5E5D738E}" type="datetimeFigureOut">
               <a:rPr kumimoji="1" lang="ja-JP" altLang="en-US" smtClean="0"/>
-              <a:t>2019/7/16</a:t>
+              <a:t>2019/8/21</a:t>
             </a:fld>
             <a:endParaRPr kumimoji="1" lang="ja-JP" altLang="en-US"/>
           </a:p>
@@ -9371,7 +9371,7 @@
           <a:p>
             <a:fld id="{0E02A643-9BB0-4E02-80B2-2C0A5E5D738E}" type="datetimeFigureOut">
               <a:rPr kumimoji="1" lang="ja-JP" altLang="en-US" smtClean="0"/>
-              <a:t>2019/7/16</a:t>
+              <a:t>2019/8/21</a:t>
             </a:fld>
             <a:endParaRPr kumimoji="1" lang="ja-JP" altLang="en-US"/>
           </a:p>
@@ -9488,7 +9488,7 @@
           <a:p>
             <a:fld id="{0E02A643-9BB0-4E02-80B2-2C0A5E5D738E}" type="datetimeFigureOut">
               <a:rPr kumimoji="1" lang="ja-JP" altLang="en-US" smtClean="0"/>
-              <a:t>2019/7/16</a:t>
+              <a:t>2019/8/21</a:t>
             </a:fld>
             <a:endParaRPr kumimoji="1" lang="ja-JP" altLang="en-US"/>
           </a:p>
@@ -9583,7 +9583,7 @@
           <a:p>
             <a:fld id="{0E02A643-9BB0-4E02-80B2-2C0A5E5D738E}" type="datetimeFigureOut">
               <a:rPr kumimoji="1" lang="ja-JP" altLang="en-US" smtClean="0"/>
-              <a:t>2019/7/16</a:t>
+              <a:t>2019/8/21</a:t>
             </a:fld>
             <a:endParaRPr kumimoji="1" lang="ja-JP" altLang="en-US"/>
           </a:p>
@@ -9890,7 +9890,7 @@
           <a:p>
             <a:fld id="{0E02A643-9BB0-4E02-80B2-2C0A5E5D738E}" type="datetimeFigureOut">
               <a:rPr kumimoji="1" lang="ja-JP" altLang="en-US" smtClean="0"/>
-              <a:t>2019/7/16</a:t>
+              <a:t>2019/8/21</a:t>
             </a:fld>
             <a:endParaRPr kumimoji="1" lang="ja-JP" altLang="en-US"/>
           </a:p>
@@ -10142,7 +10142,7 @@
           <a:p>
             <a:fld id="{0E02A643-9BB0-4E02-80B2-2C0A5E5D738E}" type="datetimeFigureOut">
               <a:rPr kumimoji="1" lang="ja-JP" altLang="en-US" smtClean="0"/>
-              <a:t>2019/7/16</a:t>
+              <a:t>2019/8/21</a:t>
             </a:fld>
             <a:endParaRPr kumimoji="1" lang="ja-JP" altLang="en-US"/>
           </a:p>
@@ -10385,7 +10385,7 @@
           <a:p>
             <a:fld id="{0E02A643-9BB0-4E02-80B2-2C0A5E5D738E}" type="datetimeFigureOut">
               <a:rPr kumimoji="1" lang="ja-JP" altLang="en-US" smtClean="0"/>
-              <a:t>2019/7/16</a:t>
+              <a:t>2019/8/21</a:t>
             </a:fld>
             <a:endParaRPr kumimoji="1" lang="ja-JP" altLang="en-US"/>
           </a:p>
@@ -20218,7 +20218,7 @@
           <a:lstStyle/>
           <a:p>
             <a:r>
-              <a:rPr lang="ja-JP" altLang="en-US">
+              <a:rPr lang="ja-JP" altLang="en-US" dirty="0">
                 <a:ea typeface="ＭＳ Ｐゴシック"/>
                 <a:cs typeface="Calibri"/>
               </a:rPr>
@@ -20227,7 +20227,7 @@
           </a:p>
           <a:p>
             <a:r>
-              <a:rPr lang="ja-JP" altLang="en-US">
+              <a:rPr lang="ja-JP" altLang="en-US" dirty="0">
                 <a:ea typeface="ＭＳ Ｐゴシック"/>
                 <a:cs typeface="Calibri"/>
               </a:rPr>
@@ -20235,7 +20235,7 @@
             </a:r>
           </a:p>
           <a:p>
-            <a:endParaRPr lang="ja-JP" altLang="en-US">
+            <a:endParaRPr lang="ja-JP" altLang="en-US" dirty="0">
               <a:ea typeface="ＭＳ Ｐゴシック"/>
               <a:cs typeface="Calibri"/>
             </a:endParaRPr>
@@ -20245,7 +20245,7 @@
               <a:buNone/>
             </a:pPr>
             <a:r>
-              <a:rPr lang="ja-JP">
+              <a:rPr lang="ja-JP" dirty="0">
                 <a:latin typeface="Consolas"/>
                 <a:ea typeface="ＭＳ Ｐゴシック"/>
                 <a:cs typeface="Calibri"/>
@@ -20253,7 +20253,7 @@
               <a:t>PS&gt; EventLogbencher.exe -w </a:t>
             </a:r>
             <a:r>
-              <a:rPr lang="en-US" altLang="ja-JP">
+              <a:rPr lang="en-US" altLang="ja-JP" dirty="0">
                 <a:latin typeface="Consolas"/>
                 <a:ea typeface="+mn-lt"/>
                 <a:cs typeface="Calibri"/>
@@ -20261,7 +20261,7 @@
               <a:t>100</a:t>
             </a:r>
             <a:r>
-              <a:rPr lang="ja-JP">
+              <a:rPr lang="ja-JP" dirty="0">
                 <a:latin typeface="Consolas"/>
                 <a:ea typeface="ＭＳ Ｐゴシック"/>
                 <a:cs typeface="Calibri"/>
@@ -20269,20 +20269,20 @@
               <a:t> -t </a:t>
             </a:r>
             <a:r>
-              <a:rPr lang="en-US" altLang="ja-JP">
+              <a:rPr lang="en-US" altLang="ja-JP" dirty="0">
                 <a:latin typeface="Consolas"/>
                 <a:ea typeface="+mn-lt"/>
                 <a:cs typeface="Calibri"/>
               </a:rPr>
-              <a:t>10000000</a:t>
-            </a:r>
-            <a:endParaRPr lang="en-US" altLang="ja-JP">
+              <a:t>1000000</a:t>
+            </a:r>
+            <a:endParaRPr lang="en-US" altLang="ja-JP" dirty="0">
               <a:ea typeface="+mn-lt"/>
               <a:cs typeface="+mn-lt"/>
             </a:endParaRPr>
           </a:p>
           <a:p>
-            <a:endParaRPr lang="en-US" altLang="ja-JP">
+            <a:endParaRPr lang="en-US" altLang="ja-JP" dirty="0">
               <a:ea typeface="+mn-lt"/>
               <a:cs typeface="+mn-lt"/>
             </a:endParaRPr>
@@ -20290,20 +20290,20 @@
           <a:p>
             <a:pPr lvl="1"/>
             <a:r>
-              <a:rPr lang="en-US" altLang="ja-JP">
+              <a:rPr lang="en-US" altLang="ja-JP" dirty="0">
                 <a:latin typeface="Consolas"/>
                 <a:ea typeface="+mn-lt"/>
                 <a:cs typeface="Calibri"/>
               </a:rPr>
               <a:t>1 million Events Written into Benchmark channel</a:t>
             </a:r>
-            <a:endParaRPr lang="ja-JP">
+            <a:endParaRPr lang="ja-JP" dirty="0">
               <a:ea typeface="ＭＳ Ｐゴシック"/>
               <a:cs typeface="Calibri"/>
             </a:endParaRPr>
           </a:p>
           <a:p>
-            <a:endParaRPr lang="ja-JP" altLang="en-US">
+            <a:endParaRPr lang="ja-JP" altLang="en-US" dirty="0">
               <a:ea typeface="ＭＳ Ｐゴシック"/>
               <a:cs typeface="Calibri"/>
             </a:endParaRPr>
@@ -23039,90 +23039,90 @@
           <a:lstStyle/>
           <a:p>
             <a:r>
-              <a:rPr lang="en-US" altLang="ja-JP">
+              <a:rPr lang="en-US" altLang="ja-JP" dirty="0">
                 <a:ea typeface="ＭＳ Ｐゴシック"/>
                 <a:cs typeface="Calibri"/>
               </a:rPr>
               <a:t>5</a:t>
             </a:r>
             <a:r>
-              <a:rPr lang="ja-JP">
+              <a:rPr lang="ja-JP" dirty="0">
                 <a:ea typeface="ＭＳ Ｐゴシック"/>
                 <a:cs typeface="Calibri"/>
               </a:rPr>
               <a:t>00000 events total</a:t>
             </a:r>
-            <a:endParaRPr lang="en-US" altLang="ja-JP">
+            <a:endParaRPr lang="en-US" altLang="ja-JP" dirty="0">
               <a:ea typeface="ＭＳ Ｐゴシック"/>
               <a:cs typeface="+mn-lt"/>
             </a:endParaRPr>
           </a:p>
           <a:p>
             <a:r>
-              <a:rPr lang="en-US" altLang="ja-JP">
+              <a:rPr lang="en-US" altLang="ja-JP" dirty="0">
                 <a:ea typeface="ＭＳ Ｐゴシック"/>
                 <a:cs typeface="Calibri"/>
               </a:rPr>
               <a:t>Increase</a:t>
             </a:r>
             <a:r>
-              <a:rPr lang="ja-JP">
+              <a:rPr lang="ja-JP" dirty="0">
                 <a:ea typeface="ＭＳ Ｐゴシック"/>
                 <a:cs typeface="Calibri"/>
               </a:rPr>
               <a:t> </a:t>
             </a:r>
             <a:r>
-              <a:rPr lang="en-US" altLang="ja-JP">
+              <a:rPr lang="en-US" altLang="ja-JP" dirty="0">
                 <a:ea typeface="ＭＳ Ｐゴシック"/>
                 <a:cs typeface="Calibri"/>
               </a:rPr>
               <a:t>flow</a:t>
             </a:r>
             <a:r>
-              <a:rPr lang="ja-JP">
+              <a:rPr lang="ja-JP" dirty="0">
                 <a:ea typeface="ＭＳ Ｐゴシック"/>
                 <a:cs typeface="Calibri"/>
               </a:rPr>
               <a:t> </a:t>
             </a:r>
             <a:r>
-              <a:rPr lang="en-US" altLang="ja-JP">
+              <a:rPr lang="en-US" altLang="ja-JP" dirty="0">
                 <a:ea typeface="ＭＳ Ｐゴシック"/>
                 <a:cs typeface="Calibri"/>
               </a:rPr>
               <a:t>rate</a:t>
             </a:r>
             <a:r>
-              <a:rPr lang="ja-JP">
+              <a:rPr lang="ja-JP" dirty="0">
                 <a:ea typeface="ＭＳ Ｐゴシック"/>
                 <a:cs typeface="Calibri"/>
               </a:rPr>
               <a:t> </a:t>
             </a:r>
             <a:r>
-              <a:rPr lang="en-US" altLang="ja-JP">
+              <a:rPr lang="en-US" altLang="ja-JP" dirty="0">
                 <a:ea typeface="ＭＳ Ｐゴシック"/>
                 <a:cs typeface="Calibri"/>
               </a:rPr>
               <a:t>of</a:t>
             </a:r>
             <a:r>
-              <a:rPr lang="ja-JP">
+              <a:rPr lang="ja-JP" dirty="0">
                 <a:ea typeface="ＭＳ Ｐゴシック"/>
                 <a:cs typeface="Calibri"/>
               </a:rPr>
               <a:t> eve</a:t>
             </a:r>
             <a:r>
-              <a:rPr lang="en-US" altLang="ja-JP" err="1">
+              <a:rPr lang="en-US" altLang="ja-JP" dirty="0" err="1">
                 <a:ea typeface="ＭＳ Ｐゴシック"/>
                 <a:cs typeface="Calibri"/>
               </a:rPr>
               <a:t>nts</a:t>
             </a:r>
             <a:r>
-              <a:rPr lang="ja-JP" altLang="en-US">
+              <a:rPr lang="ja-JP" altLang="en-US" dirty="0">
                 <a:ea typeface="ＭＳ Ｐゴシック"/>
                 <a:cs typeface="Calibri"/>
               </a:rPr>
@@ -23132,7 +23132,7 @@
           <a:p>
             <a:pPr lvl="1"/>
             <a:r>
-              <a:rPr lang="ja-JP">
+              <a:rPr lang="ja-JP" dirty="0">
                 <a:latin typeface="Consolas"/>
                 <a:ea typeface="ＭＳ Ｐゴシック"/>
                 <a:cs typeface="Calibri"/>
@@ -23140,7 +23140,7 @@
               <a:t>PS&gt; EventLogbencher.exe -w </a:t>
             </a:r>
             <a:r>
-              <a:rPr lang="en-US" altLang="ja-JP">
+              <a:rPr lang="en-US" altLang="ja-JP" dirty="0">
                 <a:latin typeface="Consolas"/>
                 <a:ea typeface="ＭＳ Ｐゴシック"/>
                 <a:cs typeface="Calibri"/>
@@ -23148,7 +23148,7 @@
               <a:t>5</a:t>
             </a:r>
             <a:r>
-              <a:rPr lang="en-US" altLang="ja-JP">
+              <a:rPr lang="en-US" altLang="ja-JP" dirty="0">
                 <a:latin typeface="Consolas"/>
                 <a:ea typeface="+mn-lt"/>
                 <a:cs typeface="Calibri"/>
@@ -23156,7 +23156,7 @@
               <a:t>0</a:t>
             </a:r>
             <a:r>
-              <a:rPr lang="ja-JP">
+              <a:rPr lang="ja-JP" dirty="0">
                 <a:latin typeface="Consolas"/>
                 <a:ea typeface="ＭＳ Ｐゴシック"/>
                 <a:cs typeface="Calibri"/>
@@ -23164,14 +23164,14 @@
               <a:t> -t </a:t>
             </a:r>
             <a:r>
-              <a:rPr lang="en-US" altLang="ja-JP">
+              <a:rPr lang="en-US" altLang="ja-JP" dirty="0">
                 <a:latin typeface="Consolas"/>
                 <a:ea typeface="+mn-lt"/>
                 <a:cs typeface="Calibri"/>
               </a:rPr>
-              <a:t>5000000</a:t>
-            </a:r>
-            <a:endParaRPr lang="ja-JP" altLang="en-US">
+              <a:t>500000</a:t>
+            </a:r>
+            <a:endParaRPr lang="ja-JP" altLang="en-US" dirty="0">
               <a:ea typeface="ＭＳ Ｐゴシック"/>
               <a:cs typeface="Calibri"/>
             </a:endParaRPr>
@@ -23179,7 +23179,7 @@
           <a:p>
             <a:pPr lvl="2"/>
             <a:r>
-              <a:rPr lang="ja-JP">
+              <a:rPr lang="ja-JP" dirty="0">
                 <a:ea typeface="+mn-lt"/>
                 <a:cs typeface="+mn-lt"/>
               </a:rPr>
@@ -23189,7 +23189,7 @@
           <a:p>
             <a:pPr lvl="1"/>
             <a:r>
-              <a:rPr lang="en-US" altLang="ja-JP">
+              <a:rPr lang="en-US" altLang="ja-JP" dirty="0">
                 <a:latin typeface="Consolas"/>
                 <a:ea typeface="+mn-lt"/>
                 <a:cs typeface="+mn-lt"/>
@@ -23197,7 +23197,7 @@
               <a:t>PS&gt;</a:t>
             </a:r>
             <a:r>
-              <a:rPr lang="ja-JP" altLang="en-US">
+              <a:rPr lang="ja-JP" altLang="en-US" dirty="0">
                 <a:latin typeface="Consolas"/>
                 <a:ea typeface="+mn-lt"/>
                 <a:cs typeface="+mn-lt"/>
@@ -23205,7 +23205,7 @@
               <a:t> </a:t>
             </a:r>
             <a:r>
-              <a:rPr lang="en-US" altLang="ja-JP">
+              <a:rPr lang="en-US" altLang="ja-JP" dirty="0">
                 <a:latin typeface="Consolas"/>
                 <a:ea typeface="+mn-lt"/>
                 <a:cs typeface="+mn-lt"/>
@@ -23213,7 +23213,7 @@
               <a:t>EventLogbencher.exe</a:t>
             </a:r>
             <a:r>
-              <a:rPr lang="ja-JP" altLang="en-US">
+              <a:rPr lang="ja-JP" altLang="en-US" dirty="0">
                 <a:latin typeface="Consolas"/>
                 <a:ea typeface="+mn-lt"/>
                 <a:cs typeface="+mn-lt"/>
@@ -23221,7 +23221,7 @@
               <a:t> </a:t>
             </a:r>
             <a:r>
-              <a:rPr lang="en-US" altLang="ja-JP">
+              <a:rPr lang="en-US" altLang="ja-JP" dirty="0">
                 <a:latin typeface="Consolas"/>
                 <a:ea typeface="+mn-lt"/>
                 <a:cs typeface="+mn-lt"/>
@@ -23229,7 +23229,7 @@
               <a:t>-w</a:t>
             </a:r>
             <a:r>
-              <a:rPr lang="ja-JP" altLang="en-US">
+              <a:rPr lang="ja-JP" altLang="en-US" dirty="0">
                 <a:latin typeface="Consolas"/>
                 <a:ea typeface="+mn-lt"/>
                 <a:cs typeface="+mn-lt"/>
@@ -23237,7 +23237,7 @@
               <a:t> 3</a:t>
             </a:r>
             <a:r>
-              <a:rPr lang="en-US" altLang="ja-JP">
+              <a:rPr lang="en-US" altLang="ja-JP" dirty="0">
                 <a:latin typeface="Consolas"/>
                 <a:ea typeface="+mn-lt"/>
                 <a:cs typeface="+mn-lt"/>
@@ -23245,7 +23245,7 @@
               <a:t>0</a:t>
             </a:r>
             <a:r>
-              <a:rPr lang="ja-JP" altLang="en-US">
+              <a:rPr lang="ja-JP" altLang="en-US" dirty="0">
                 <a:latin typeface="Consolas"/>
                 <a:ea typeface="+mn-lt"/>
                 <a:cs typeface="+mn-lt"/>
@@ -23253,7 +23253,7 @@
               <a:t> </a:t>
             </a:r>
             <a:r>
-              <a:rPr lang="en-US" altLang="ja-JP">
+              <a:rPr lang="en-US" altLang="ja-JP" dirty="0">
                 <a:latin typeface="Consolas"/>
                 <a:ea typeface="+mn-lt"/>
                 <a:cs typeface="+mn-lt"/>
@@ -23261,7 +23261,7 @@
               <a:t>-t</a:t>
             </a:r>
             <a:r>
-              <a:rPr lang="ja-JP" altLang="en-US">
+              <a:rPr lang="ja-JP" altLang="en-US" dirty="0">
                 <a:latin typeface="Consolas"/>
                 <a:ea typeface="+mn-lt"/>
                 <a:cs typeface="+mn-lt"/>
@@ -23269,18 +23269,18 @@
               <a:t> </a:t>
             </a:r>
             <a:r>
-              <a:rPr lang="en-US" altLang="ja-JP">
+              <a:rPr lang="en-US" altLang="ja-JP" dirty="0">
                 <a:latin typeface="Consolas"/>
                 <a:ea typeface="+mn-lt"/>
                 <a:cs typeface="+mn-lt"/>
               </a:rPr>
-              <a:t>5000000</a:t>
+              <a:t>500000</a:t>
             </a:r>
           </a:p>
           <a:p>
             <a:pPr lvl="2"/>
             <a:r>
-              <a:rPr lang="en-US">
+              <a:rPr lang="en-US" dirty="0">
                 <a:ea typeface="+mn-lt"/>
                 <a:cs typeface="+mn-lt"/>
               </a:rPr>
@@ -23290,7 +23290,7 @@
           <a:p>
             <a:pPr lvl="1"/>
             <a:r>
-              <a:rPr lang="en-US">
+              <a:rPr lang="en-US" dirty="0">
                 <a:latin typeface="Consolas"/>
                 <a:ea typeface="+mn-lt"/>
                 <a:cs typeface="+mn-lt"/>
@@ -23298,7 +23298,7 @@
               <a:t>PS&gt;</a:t>
             </a:r>
             <a:r>
-              <a:rPr lang="ja-JP" altLang="en-US">
+              <a:rPr lang="ja-JP" altLang="en-US" dirty="0">
                 <a:latin typeface="Consolas"/>
                 <a:ea typeface="+mn-lt"/>
                 <a:cs typeface="+mn-lt"/>
@@ -23306,7 +23306,7 @@
               <a:t> </a:t>
             </a:r>
             <a:r>
-              <a:rPr lang="en-US">
+              <a:rPr lang="en-US" dirty="0">
                 <a:latin typeface="Consolas"/>
                 <a:ea typeface="+mn-lt"/>
                 <a:cs typeface="+mn-lt"/>
@@ -23314,7 +23314,7 @@
               <a:t>EventLogbencher.exe</a:t>
             </a:r>
             <a:r>
-              <a:rPr lang="ja-JP" altLang="en-US">
+              <a:rPr lang="ja-JP" altLang="en-US" dirty="0">
                 <a:latin typeface="Consolas"/>
                 <a:ea typeface="+mn-lt"/>
                 <a:cs typeface="+mn-lt"/>
@@ -23322,7 +23322,7 @@
               <a:t> </a:t>
             </a:r>
             <a:r>
-              <a:rPr lang="en-US">
+              <a:rPr lang="en-US" dirty="0">
                 <a:latin typeface="Consolas"/>
                 <a:ea typeface="+mn-lt"/>
                 <a:cs typeface="+mn-lt"/>
@@ -23330,7 +23330,7 @@
               <a:t>-w</a:t>
             </a:r>
             <a:r>
-              <a:rPr lang="ja-JP" altLang="en-US">
+              <a:rPr lang="ja-JP" altLang="en-US" dirty="0">
                 <a:latin typeface="Consolas"/>
                 <a:ea typeface="+mn-lt"/>
                 <a:cs typeface="+mn-lt"/>
@@ -23338,7 +23338,7 @@
               <a:t> 2</a:t>
             </a:r>
             <a:r>
-              <a:rPr lang="en-US">
+              <a:rPr lang="en-US" dirty="0">
                 <a:latin typeface="Consolas"/>
                 <a:ea typeface="+mn-lt"/>
                 <a:cs typeface="+mn-lt"/>
@@ -23346,7 +23346,7 @@
               <a:t>0</a:t>
             </a:r>
             <a:r>
-              <a:rPr lang="ja-JP" altLang="en-US">
+              <a:rPr lang="ja-JP" altLang="en-US" dirty="0">
                 <a:latin typeface="Consolas"/>
                 <a:ea typeface="+mn-lt"/>
                 <a:cs typeface="+mn-lt"/>
@@ -23354,7 +23354,7 @@
               <a:t> </a:t>
             </a:r>
             <a:r>
-              <a:rPr lang="en-US">
+              <a:rPr lang="en-US" dirty="0">
                 <a:latin typeface="Consolas"/>
                 <a:ea typeface="+mn-lt"/>
                 <a:cs typeface="+mn-lt"/>
@@ -23362,7 +23362,7 @@
               <a:t>-t</a:t>
             </a:r>
             <a:r>
-              <a:rPr lang="ja-JP" altLang="en-US">
+              <a:rPr lang="ja-JP" altLang="en-US" dirty="0">
                 <a:latin typeface="Consolas"/>
                 <a:ea typeface="+mn-lt"/>
                 <a:cs typeface="+mn-lt"/>
@@ -23370,18 +23370,18 @@
               <a:t> </a:t>
             </a:r>
             <a:r>
-              <a:rPr lang="en-US">
+              <a:rPr lang="en-US" dirty="0">
                 <a:latin typeface="Consolas"/>
                 <a:ea typeface="+mn-lt"/>
                 <a:cs typeface="+mn-lt"/>
               </a:rPr>
-              <a:t>5000000</a:t>
+              <a:t>500000</a:t>
             </a:r>
           </a:p>
           <a:p>
             <a:pPr lvl="2"/>
             <a:r>
-              <a:rPr lang="en-US">
+              <a:rPr lang="en-US" dirty="0">
                 <a:ea typeface="+mn-lt"/>
                 <a:cs typeface="+mn-lt"/>
               </a:rPr>
@@ -23391,7 +23391,7 @@
           <a:p>
             <a:pPr lvl="1"/>
             <a:r>
-              <a:rPr lang="en-US">
+              <a:rPr lang="en-US" dirty="0">
                 <a:latin typeface="Consolas"/>
                 <a:ea typeface="+mn-lt"/>
                 <a:cs typeface="+mn-lt"/>
@@ -23399,7 +23399,7 @@
               <a:t>PS&gt;</a:t>
             </a:r>
             <a:r>
-              <a:rPr lang="ja-JP" altLang="en-US">
+              <a:rPr lang="ja-JP" altLang="en-US" dirty="0">
                 <a:latin typeface="Consolas"/>
                 <a:ea typeface="+mn-lt"/>
                 <a:cs typeface="+mn-lt"/>
@@ -23407,7 +23407,7 @@
               <a:t> </a:t>
             </a:r>
             <a:r>
-              <a:rPr lang="en-US">
+              <a:rPr lang="en-US" dirty="0">
                 <a:latin typeface="Consolas"/>
                 <a:ea typeface="+mn-lt"/>
                 <a:cs typeface="+mn-lt"/>
@@ -23415,7 +23415,7 @@
               <a:t>EventLogbencher.exe</a:t>
             </a:r>
             <a:r>
-              <a:rPr lang="ja-JP" altLang="en-US">
+              <a:rPr lang="ja-JP" altLang="en-US" dirty="0">
                 <a:latin typeface="Consolas"/>
                 <a:ea typeface="+mn-lt"/>
                 <a:cs typeface="+mn-lt"/>
@@ -23423,7 +23423,7 @@
               <a:t> </a:t>
             </a:r>
             <a:r>
-              <a:rPr lang="en-US">
+              <a:rPr lang="en-US" dirty="0">
                 <a:latin typeface="Consolas"/>
                 <a:ea typeface="+mn-lt"/>
                 <a:cs typeface="+mn-lt"/>
@@ -23431,7 +23431,7 @@
               <a:t>-w</a:t>
             </a:r>
             <a:r>
-              <a:rPr lang="ja-JP" altLang="en-US">
+              <a:rPr lang="ja-JP" altLang="en-US" dirty="0">
                 <a:latin typeface="Consolas"/>
                 <a:ea typeface="+mn-lt"/>
                 <a:cs typeface="+mn-lt"/>
@@ -23439,7 +23439,7 @@
               <a:t> 15 </a:t>
             </a:r>
             <a:r>
-              <a:rPr lang="en-US">
+              <a:rPr lang="en-US" dirty="0">
                 <a:latin typeface="Consolas"/>
                 <a:ea typeface="+mn-lt"/>
                 <a:cs typeface="+mn-lt"/>
@@ -23447,7 +23447,7 @@
               <a:t>-t</a:t>
             </a:r>
             <a:r>
-              <a:rPr lang="ja-JP" altLang="en-US">
+              <a:rPr lang="ja-JP" altLang="en-US" dirty="0">
                 <a:latin typeface="Consolas"/>
                 <a:ea typeface="+mn-lt"/>
                 <a:cs typeface="+mn-lt"/>
@@ -23455,14 +23455,14 @@
               <a:t> </a:t>
             </a:r>
             <a:r>
-              <a:rPr lang="en-US">
+              <a:rPr lang="en-US" dirty="0">
                 <a:latin typeface="Consolas"/>
                 <a:ea typeface="+mn-lt"/>
                 <a:cs typeface="+mn-lt"/>
               </a:rPr>
-              <a:t>5000000</a:t>
-            </a:r>
-            <a:endParaRPr lang="en-US">
+              <a:t>500000</a:t>
+            </a:r>
+            <a:endParaRPr lang="en-US" dirty="0">
               <a:ea typeface="+mn-lt"/>
               <a:cs typeface="+mn-lt"/>
             </a:endParaRPr>
@@ -23470,7 +23470,7 @@
           <a:p>
             <a:pPr lvl="2"/>
             <a:r>
-              <a:rPr lang="en-US">
+              <a:rPr lang="en-US" dirty="0">
                 <a:ea typeface="+mn-lt"/>
                 <a:cs typeface="+mn-lt"/>
               </a:rPr>
@@ -23480,7 +23480,7 @@
           <a:p>
             <a:pPr lvl="1"/>
             <a:r>
-              <a:rPr lang="en-US">
+              <a:rPr lang="en-US" dirty="0">
                 <a:latin typeface="Consolas"/>
                 <a:ea typeface="+mn-lt"/>
                 <a:cs typeface="+mn-lt"/>
@@ -23488,7 +23488,7 @@
               <a:t>PS&gt;</a:t>
             </a:r>
             <a:r>
-              <a:rPr lang="ja-JP" altLang="en-US">
+              <a:rPr lang="ja-JP" altLang="en-US" dirty="0">
                 <a:latin typeface="Consolas"/>
                 <a:ea typeface="+mn-lt"/>
                 <a:cs typeface="+mn-lt"/>
@@ -23496,7 +23496,7 @@
               <a:t> </a:t>
             </a:r>
             <a:r>
-              <a:rPr lang="en-US">
+              <a:rPr lang="en-US" dirty="0">
                 <a:latin typeface="Consolas"/>
                 <a:ea typeface="+mn-lt"/>
                 <a:cs typeface="+mn-lt"/>
@@ -23504,7 +23504,7 @@
               <a:t>EventLogbencher.exe</a:t>
             </a:r>
             <a:r>
-              <a:rPr lang="ja-JP" altLang="en-US">
+              <a:rPr lang="ja-JP" altLang="en-US" dirty="0">
                 <a:latin typeface="Consolas"/>
                 <a:ea typeface="+mn-lt"/>
                 <a:cs typeface="+mn-lt"/>
@@ -23512,7 +23512,7 @@
               <a:t> </a:t>
             </a:r>
             <a:r>
-              <a:rPr lang="en-US">
+              <a:rPr lang="en-US" dirty="0">
                 <a:latin typeface="Consolas"/>
                 <a:ea typeface="+mn-lt"/>
                 <a:cs typeface="+mn-lt"/>
@@ -23520,7 +23520,7 @@
               <a:t>-w</a:t>
             </a:r>
             <a:r>
-              <a:rPr lang="ja-JP" altLang="en-US">
+              <a:rPr lang="ja-JP" altLang="en-US" dirty="0">
                 <a:latin typeface="Consolas"/>
                 <a:ea typeface="+mn-lt"/>
                 <a:cs typeface="+mn-lt"/>
@@ -23528,7 +23528,7 @@
               <a:t> </a:t>
             </a:r>
             <a:r>
-              <a:rPr lang="en-US" altLang="ja-JP">
+              <a:rPr lang="en-US" altLang="ja-JP" dirty="0">
                 <a:latin typeface="Consolas"/>
                 <a:ea typeface="+mn-lt"/>
                 <a:cs typeface="+mn-lt"/>
@@ -23536,7 +23536,7 @@
               <a:t>10</a:t>
             </a:r>
             <a:r>
-              <a:rPr lang="ja-JP" altLang="en-US">
+              <a:rPr lang="ja-JP" altLang="en-US" dirty="0">
                 <a:latin typeface="Consolas"/>
                 <a:ea typeface="+mn-lt"/>
                 <a:cs typeface="+mn-lt"/>
@@ -23544,7 +23544,7 @@
               <a:t> </a:t>
             </a:r>
             <a:r>
-              <a:rPr lang="en-US">
+              <a:rPr lang="en-US" dirty="0">
                 <a:latin typeface="Consolas"/>
                 <a:ea typeface="+mn-lt"/>
                 <a:cs typeface="+mn-lt"/>
@@ -23552,7 +23552,7 @@
               <a:t>-t</a:t>
             </a:r>
             <a:r>
-              <a:rPr lang="ja-JP" altLang="en-US">
+              <a:rPr lang="ja-JP" altLang="en-US" dirty="0">
                 <a:latin typeface="Consolas"/>
                 <a:ea typeface="+mn-lt"/>
                 <a:cs typeface="+mn-lt"/>
@@ -23560,14 +23560,14 @@
               <a:t> </a:t>
             </a:r>
             <a:r>
-              <a:rPr lang="en-US">
+              <a:rPr lang="en-US" dirty="0">
                 <a:latin typeface="Consolas"/>
                 <a:ea typeface="+mn-lt"/>
                 <a:cs typeface="+mn-lt"/>
               </a:rPr>
-              <a:t>5000000</a:t>
-            </a:r>
-            <a:endParaRPr lang="en-US">
+              <a:t>500000</a:t>
+            </a:r>
+            <a:endParaRPr lang="en-US" dirty="0">
               <a:ea typeface="+mn-lt"/>
               <a:cs typeface="+mn-lt"/>
             </a:endParaRPr>
@@ -23575,7 +23575,7 @@
           <a:p>
             <a:pPr lvl="2"/>
             <a:r>
-              <a:rPr lang="en-US">
+              <a:rPr lang="en-US" dirty="0">
                 <a:ea typeface="+mn-lt"/>
                 <a:cs typeface="+mn-lt"/>
               </a:rPr>
@@ -23585,31 +23585,45 @@
           <a:p>
             <a:pPr lvl="2"/>
             <a:r>
-              <a:rPr lang="en-US">
+              <a:rPr lang="en-US" dirty="0">
                 <a:ea typeface="+mn-lt"/>
                 <a:cs typeface="+mn-lt"/>
               </a:rPr>
               <a:t>598.8318 events per seconds</a:t>
             </a:r>
-            <a:endParaRPr lang="en-US"/>
+            <a:endParaRPr lang="en-US" dirty="0"/>
           </a:p>
           <a:p>
             <a:pPr lvl="2"/>
             <a:r>
-              <a:rPr lang="en-US" b="1">
+              <a:rPr lang="en-US" b="1" dirty="0">
                 <a:ea typeface="+mn-lt"/>
                 <a:cs typeface="+mn-lt"/>
               </a:rPr>
               <a:t>chunk bytes limit exceeds for an emitted event stream</a:t>
             </a:r>
             <a:r>
-              <a:rPr lang="en-US">
+              <a:rPr lang="en-US" dirty="0">
                 <a:ea typeface="+mn-lt"/>
                 <a:cs typeface="+mn-lt"/>
               </a:rPr>
-              <a:t> warning is generated from Fluentd....</a:t>
-            </a:r>
-            <a:endParaRPr lang="en-US">
+              <a:t> warning is generated from </a:t>
+            </a:r>
+            <a:r>
+              <a:rPr lang="en-US" dirty="0" err="1">
+                <a:ea typeface="+mn-lt"/>
+                <a:cs typeface="+mn-lt"/>
+              </a:rPr>
+              <a:t>Fluentd</a:t>
+            </a:r>
+            <a:r>
+              <a:rPr lang="en-US" dirty="0">
+                <a:ea typeface="+mn-lt"/>
+                <a:cs typeface="+mn-lt"/>
+              </a:rPr>
+              <a:t>....</a:t>
+            </a:r>
+            <a:endParaRPr lang="en-US" dirty="0">
               <a:cs typeface="Calibri"/>
             </a:endParaRPr>
           </a:p>
